--- a/Presentation.pptx
+++ b/Presentation.pptx
@@ -335,7 +335,7 @@
           <a:p>
             <a:fld id="{326951E3-958F-4611-B170-D081BA0250F9}" type="datetimeFigureOut">
               <a:rPr lang="en-US" smtClean="0"/>
-              <a:t>9/24/23</a:t>
+              <a:t>6/22/24</a:t>
             </a:fld>
             <a:endParaRPr lang="en-US"/>
           </a:p>
@@ -670,7 +670,7 @@
           <a:p>
             <a:fld id="{326951E3-958F-4611-B170-D081BA0250F9}" type="datetimeFigureOut">
               <a:rPr lang="en-US" smtClean="0"/>
-              <a:t>9/24/23</a:t>
+              <a:t>6/22/24</a:t>
             </a:fld>
             <a:endParaRPr lang="en-US"/>
           </a:p>
@@ -973,7 +973,7 @@
           <a:p>
             <a:fld id="{326951E3-958F-4611-B170-D081BA0250F9}" type="datetimeFigureOut">
               <a:rPr lang="en-US" smtClean="0"/>
-              <a:t>9/24/23</a:t>
+              <a:t>6/22/24</a:t>
             </a:fld>
             <a:endParaRPr lang="en-US"/>
           </a:p>
@@ -1221,7 +1221,7 @@
           <a:p>
             <a:fld id="{326951E3-958F-4611-B170-D081BA0250F9}" type="datetimeFigureOut">
               <a:rPr lang="en-US" smtClean="0"/>
-              <a:t>9/24/23</a:t>
+              <a:t>6/22/24</a:t>
             </a:fld>
             <a:endParaRPr lang="en-US"/>
           </a:p>
@@ -1629,7 +1629,7 @@
           <a:p>
             <a:fld id="{326951E3-958F-4611-B170-D081BA0250F9}" type="datetimeFigureOut">
               <a:rPr lang="en-US" smtClean="0"/>
-              <a:t>9/24/23</a:t>
+              <a:t>6/22/24</a:t>
             </a:fld>
             <a:endParaRPr lang="en-US"/>
           </a:p>
@@ -1944,7 +1944,7 @@
           <a:p>
             <a:fld id="{326951E3-958F-4611-B170-D081BA0250F9}" type="datetimeFigureOut">
               <a:rPr lang="en-US" smtClean="0"/>
-              <a:t>9/24/23</a:t>
+              <a:t>6/22/24</a:t>
             </a:fld>
             <a:endParaRPr lang="en-US"/>
           </a:p>
@@ -2489,7 +2489,7 @@
           <a:p>
             <a:fld id="{326951E3-958F-4611-B170-D081BA0250F9}" type="datetimeFigureOut">
               <a:rPr lang="en-US" smtClean="0"/>
-              <a:t>9/24/23</a:t>
+              <a:t>6/22/24</a:t>
             </a:fld>
             <a:endParaRPr lang="en-US"/>
           </a:p>
@@ -2685,7 +2685,7 @@
           <a:p>
             <a:fld id="{326951E3-958F-4611-B170-D081BA0250F9}" type="datetimeFigureOut">
               <a:rPr lang="en-US" smtClean="0"/>
-              <a:t>9/24/23</a:t>
+              <a:t>6/22/24</a:t>
             </a:fld>
             <a:endParaRPr lang="en-US"/>
           </a:p>
@@ -2899,7 +2899,7 @@
           <a:p>
             <a:fld id="{326951E3-958F-4611-B170-D081BA0250F9}" type="datetimeFigureOut">
               <a:rPr lang="en-US" smtClean="0"/>
-              <a:t>9/24/23</a:t>
+              <a:t>6/22/24</a:t>
             </a:fld>
             <a:endParaRPr lang="en-US"/>
           </a:p>
@@ -3269,7 +3269,7 @@
           <a:p>
             <a:fld id="{326951E3-958F-4611-B170-D081BA0250F9}" type="datetimeFigureOut">
               <a:rPr lang="en-US" smtClean="0"/>
-              <a:t>9/24/23</a:t>
+              <a:t>6/22/24</a:t>
             </a:fld>
             <a:endParaRPr lang="en-US"/>
           </a:p>
@@ -3673,7 +3673,7 @@
           <a:p>
             <a:fld id="{326951E3-958F-4611-B170-D081BA0250F9}" type="datetimeFigureOut">
               <a:rPr lang="en-US" smtClean="0"/>
-              <a:t>9/24/23</a:t>
+              <a:t>6/22/24</a:t>
             </a:fld>
             <a:endParaRPr lang="en-US"/>
           </a:p>
@@ -3986,7 +3986,7 @@
             <a:fld id="{326951E3-958F-4611-B170-D081BA0250F9}" type="datetimeFigureOut">
               <a:rPr lang="en-US" smtClean="0"/>
               <a:pPr/>
-              <a:t>9/24/23</a:t>
+              <a:t>6/22/24</a:t>
             </a:fld>
             <a:endParaRPr lang="en-US" dirty="0"/>
           </a:p>
@@ -4646,8 +4646,8 @@
         </p:nvSpPr>
         <p:spPr>
           <a:xfrm>
-            <a:off x="990849" y="4105393"/>
-            <a:ext cx="5368233" cy="2293923"/>
+            <a:off x="990849" y="3894857"/>
+            <a:ext cx="5368233" cy="2720934"/>
           </a:xfrm>
         </p:spPr>
         <p:txBody>
@@ -4677,6 +4677,89 @@
               </a:rPr>
               <a:t>στην Γραμμική και Συνδυαστική Βελτιστοποίηση</a:t>
             </a:r>
+            <a:endParaRPr lang="en-US" sz="1600" b="1" dirty="0">
+              <a:solidFill>
+                <a:schemeClr val="bg1"/>
+              </a:solidFill>
+              <a:latin typeface="Microsoft Sans Serif" panose="020B0604020202020204" pitchFamily="34" charset="0"/>
+              <a:cs typeface="Microsoft Sans Serif" panose="020B0604020202020204" pitchFamily="34" charset="0"/>
+            </a:endParaRPr>
+          </a:p>
+          <a:p>
+            <a:pPr algn="ctr"/>
+            <a:r>
+              <a:rPr lang="en-GB" sz="1600" b="1" dirty="0">
+                <a:solidFill>
+                  <a:schemeClr val="bg1"/>
+                </a:solidFill>
+                <a:latin typeface="Microsoft Sans Serif" panose="020B0604020202020204" pitchFamily="34" charset="0"/>
+                <a:cs typeface="Microsoft Sans Serif" panose="020B0604020202020204" pitchFamily="34" charset="0"/>
+                <a:hlinkClick r:id="rId3"/>
+              </a:rPr>
+              <a:t>https://</a:t>
+            </a:r>
+            <a:r>
+              <a:rPr lang="en-GB" sz="1600" b="1" dirty="0" err="1">
+                <a:solidFill>
+                  <a:schemeClr val="bg1"/>
+                </a:solidFill>
+                <a:latin typeface="Microsoft Sans Serif" panose="020B0604020202020204" pitchFamily="34" charset="0"/>
+                <a:cs typeface="Microsoft Sans Serif" panose="020B0604020202020204" pitchFamily="34" charset="0"/>
+                <a:hlinkClick r:id="rId3"/>
+              </a:rPr>
+              <a:t>github.com</a:t>
+            </a:r>
+            <a:r>
+              <a:rPr lang="en-GB" sz="1600" b="1" dirty="0">
+                <a:solidFill>
+                  <a:schemeClr val="bg1"/>
+                </a:solidFill>
+                <a:latin typeface="Microsoft Sans Serif" panose="020B0604020202020204" pitchFamily="34" charset="0"/>
+                <a:cs typeface="Microsoft Sans Serif" panose="020B0604020202020204" pitchFamily="34" charset="0"/>
+                <a:hlinkClick r:id="rId3"/>
+              </a:rPr>
+              <a:t>/</a:t>
+            </a:r>
+            <a:r>
+              <a:rPr lang="en-GB" sz="1600" b="1" dirty="0" err="1">
+                <a:solidFill>
+                  <a:schemeClr val="bg1"/>
+                </a:solidFill>
+                <a:latin typeface="Microsoft Sans Serif" panose="020B0604020202020204" pitchFamily="34" charset="0"/>
+                <a:cs typeface="Microsoft Sans Serif" panose="020B0604020202020204" pitchFamily="34" charset="0"/>
+                <a:hlinkClick r:id="rId3"/>
+              </a:rPr>
+              <a:t>tsaperlein</a:t>
+            </a:r>
+            <a:r>
+              <a:rPr lang="en-GB" sz="1600" b="1" dirty="0">
+                <a:solidFill>
+                  <a:schemeClr val="bg1"/>
+                </a:solidFill>
+                <a:latin typeface="Microsoft Sans Serif" panose="020B0604020202020204" pitchFamily="34" charset="0"/>
+                <a:cs typeface="Microsoft Sans Serif" panose="020B0604020202020204" pitchFamily="34" charset="0"/>
+                <a:hlinkClick r:id="rId3"/>
+              </a:rPr>
+              <a:t>/</a:t>
+            </a:r>
+            <a:r>
+              <a:rPr lang="en-GB" sz="1600" b="1" dirty="0" err="1">
+                <a:solidFill>
+                  <a:schemeClr val="bg1"/>
+                </a:solidFill>
+                <a:latin typeface="Microsoft Sans Serif" panose="020B0604020202020204" pitchFamily="34" charset="0"/>
+                <a:cs typeface="Microsoft Sans Serif" panose="020B0604020202020204" pitchFamily="34" charset="0"/>
+                <a:hlinkClick r:id="rId3"/>
+              </a:rPr>
+              <a:t>Sudoku.git</a:t>
+            </a:r>
+            <a:endParaRPr lang="el-GR" sz="1600" b="1" dirty="0">
+              <a:solidFill>
+                <a:schemeClr val="bg1"/>
+              </a:solidFill>
+              <a:latin typeface="Microsoft Sans Serif" panose="020B0604020202020204" pitchFamily="34" charset="0"/>
+              <a:cs typeface="Microsoft Sans Serif" panose="020B0604020202020204" pitchFamily="34" charset="0"/>
+            </a:endParaRPr>
           </a:p>
           <a:p>
             <a:pPr algn="ctr"/>
@@ -4728,7 +4811,7 @@
           <p:nvPr/>
         </p:nvPicPr>
         <p:blipFill>
-          <a:blip r:embed="rId3">
+          <a:blip r:embed="rId4">
             <a:alphaModFix amt="70000"/>
             <a:duotone>
               <a:prstClr val="black"/>
@@ -4740,7 +4823,7 @@
             <a:extLst>
               <a:ext uri="{BEBA8EAE-BF5A-486C-A8C5-ECC9F3942E4B}">
                 <a14:imgProps xmlns:a14="http://schemas.microsoft.com/office/drawing/2010/main">
-                  <a14:imgLayer r:embed="rId4">
+                  <a14:imgLayer r:embed="rId5">
                     <a14:imgEffect>
                       <a14:colorTemperature colorTemp="11200"/>
                     </a14:imgEffect>
@@ -4968,386 +5051,2007 @@
         </p:blipFill>
         <p:spPr>
           <a:xfrm>
-            <a:off x="1063255" y="1209281"/>
+            <a:off x="1068694" y="1078652"/>
             <a:ext cx="7209321" cy="2423798"/>
           </a:xfrm>
         </p:spPr>
       </p:pic>
-      <p:sp>
-        <p:nvSpPr>
-          <p:cNvPr id="10" name="TextBox 9">
-            <a:extLst>
-              <a:ext uri="{FF2B5EF4-FFF2-40B4-BE49-F238E27FC236}">
-                <a16:creationId xmlns:a16="http://schemas.microsoft.com/office/drawing/2014/main" id="{211FE484-392D-1460-540C-CC2EAF78B2BC}"/>
-              </a:ext>
-            </a:extLst>
-          </p:cNvPr>
-          <p:cNvSpPr txBox="1"/>
-          <p:nvPr/>
-        </p:nvSpPr>
-        <p:spPr>
-          <a:xfrm>
-            <a:off x="8378456" y="1209281"/>
-            <a:ext cx="2987749" cy="2031325"/>
-          </a:xfrm>
-          <a:prstGeom prst="rect">
-            <a:avLst/>
-          </a:prstGeom>
-          <a:noFill/>
-        </p:spPr>
-        <p:txBody>
-          <a:bodyPr wrap="square" rtlCol="0">
-            <a:spAutoFit/>
-          </a:bodyPr>
-          <a:lstStyle/>
-          <a:p>
-            <a:pPr marL="285750" indent="-285750">
-              <a:buFont typeface="Arial" panose="020B0604020202020204" pitchFamily="34" charset="0"/>
-              <a:buChar char="•"/>
-            </a:pPr>
-            <a:r>
-              <a:rPr lang="el-GR" dirty="0">
-                <a:latin typeface="Calibri" panose="020F0502020204030204" pitchFamily="34" charset="0"/>
-                <a:cs typeface="Calibri" panose="020F0502020204030204" pitchFamily="34" charset="0"/>
-              </a:rPr>
-              <a:t>729 </a:t>
-            </a:r>
-            <a:r>
-              <a:rPr lang="el-GR" dirty="0" err="1">
-                <a:latin typeface="Calibri" panose="020F0502020204030204" pitchFamily="34" charset="0"/>
-                <a:cs typeface="Calibri" panose="020F0502020204030204" pitchFamily="34" charset="0"/>
-              </a:rPr>
-              <a:t>δυαδικ</a:t>
-            </a:r>
-            <a:r>
-              <a:rPr lang="en-US" dirty="0" err="1">
-                <a:latin typeface="Calibri" panose="020F0502020204030204" pitchFamily="34" charset="0"/>
-                <a:cs typeface="Calibri" panose="020F0502020204030204" pitchFamily="34" charset="0"/>
-              </a:rPr>
-              <a:t>έ</a:t>
-            </a:r>
-            <a:r>
-              <a:rPr lang="el-GR" dirty="0">
-                <a:latin typeface="Calibri" panose="020F0502020204030204" pitchFamily="34" charset="0"/>
-                <a:cs typeface="Calibri" panose="020F0502020204030204" pitchFamily="34" charset="0"/>
-              </a:rPr>
-              <a:t>ς </a:t>
-            </a:r>
-            <a:r>
-              <a:rPr lang="el-GR" b="1" dirty="0">
-                <a:solidFill>
-                  <a:schemeClr val="bg1">
-                    <a:lumMod val="50000"/>
-                    <a:lumOff val="50000"/>
-                  </a:schemeClr>
-                </a:solidFill>
-                <a:latin typeface="Calibri" panose="020F0502020204030204" pitchFamily="34" charset="0"/>
-                <a:cs typeface="Calibri" panose="020F0502020204030204" pitchFamily="34" charset="0"/>
-              </a:rPr>
-              <a:t>μεταβλητές απόφασης</a:t>
-            </a:r>
-          </a:p>
-          <a:p>
-            <a:pPr marL="285750" indent="-285750">
-              <a:buFont typeface="Arial" panose="020B0604020202020204" pitchFamily="34" charset="0"/>
-              <a:buChar char="•"/>
-            </a:pPr>
-            <a:r>
-              <a:rPr lang="el-GR" sz="1800" dirty="0">
-                <a:effectLst/>
-                <a:latin typeface="Calibri" panose="020F0502020204030204" pitchFamily="34" charset="0"/>
-                <a:ea typeface="Calibri" panose="020F0502020204030204" pitchFamily="34" charset="0"/>
-                <a:cs typeface="Calibri" panose="020F0502020204030204" pitchFamily="34" charset="0"/>
-              </a:rPr>
-              <a:t>Η </a:t>
-            </a:r>
-            <a:r>
-              <a:rPr lang="el-GR" sz="1800" b="1" dirty="0">
-                <a:solidFill>
-                  <a:schemeClr val="bg1">
-                    <a:lumMod val="50000"/>
-                    <a:lumOff val="50000"/>
-                  </a:schemeClr>
-                </a:solidFill>
-                <a:effectLst/>
-                <a:latin typeface="Calibri" panose="020F0502020204030204" pitchFamily="34" charset="0"/>
-                <a:ea typeface="Calibri" panose="020F0502020204030204" pitchFamily="34" charset="0"/>
-                <a:cs typeface="Calibri" panose="020F0502020204030204" pitchFamily="34" charset="0"/>
-              </a:rPr>
-              <a:t>αντικειμενική συνάρτηση </a:t>
-            </a:r>
-            <a:r>
-              <a:rPr lang="el-GR" sz="1800" dirty="0">
-                <a:effectLst/>
-                <a:latin typeface="Calibri" panose="020F0502020204030204" pitchFamily="34" charset="0"/>
-                <a:ea typeface="Calibri" panose="020F0502020204030204" pitchFamily="34" charset="0"/>
-                <a:cs typeface="Calibri" panose="020F0502020204030204" pitchFamily="34" charset="0"/>
-              </a:rPr>
-              <a:t>στο Sudoku είναι ασήμαντη (σταθερή) αφού δεν υπάρχει στόχος βελτιστοποίησης. </a:t>
-            </a:r>
-          </a:p>
-        </p:txBody>
-      </p:sp>
-      <p:sp>
-        <p:nvSpPr>
-          <p:cNvPr id="11" name="TextBox 10">
-            <a:extLst>
-              <a:ext uri="{FF2B5EF4-FFF2-40B4-BE49-F238E27FC236}">
-                <a16:creationId xmlns:a16="http://schemas.microsoft.com/office/drawing/2014/main" id="{7D613EF6-11F1-33F9-2299-B038A5B68C06}"/>
-              </a:ext>
-            </a:extLst>
-          </p:cNvPr>
-          <p:cNvSpPr txBox="1"/>
-          <p:nvPr/>
-        </p:nvSpPr>
-        <p:spPr>
-          <a:xfrm>
-            <a:off x="1063255" y="3715309"/>
-            <a:ext cx="10302950" cy="3139321"/>
-          </a:xfrm>
-          <a:prstGeom prst="rect">
-            <a:avLst/>
-          </a:prstGeom>
-          <a:noFill/>
-        </p:spPr>
-        <p:txBody>
-          <a:bodyPr wrap="square" rtlCol="0">
-            <a:spAutoFit/>
-          </a:bodyPr>
-          <a:lstStyle/>
-          <a:p>
-            <a:pPr marL="285750" lvl="0" indent="-285750">
-              <a:buFont typeface="Arial" panose="020B0604020202020204" pitchFamily="34" charset="0"/>
-              <a:buChar char="•"/>
-            </a:pPr>
-            <a:r>
-              <a:rPr lang="el-GR" b="1" dirty="0">
-                <a:latin typeface="Calibri" panose="020F0502020204030204" pitchFamily="34" charset="0"/>
-                <a:ea typeface="Calibri" panose="020F0502020204030204" pitchFamily="34" charset="0"/>
-                <a:cs typeface="Calibri" panose="020F0502020204030204" pitchFamily="34" charset="0"/>
-              </a:rPr>
-              <a:t>Περιορισμοί</a:t>
-            </a:r>
-          </a:p>
-          <a:p>
-            <a:pPr lvl="0" algn="just"/>
-            <a:r>
-              <a:rPr lang="el-GR" sz="1800" b="1" dirty="0">
-                <a:solidFill>
-                  <a:schemeClr val="bg1">
-                    <a:lumMod val="50000"/>
-                    <a:lumOff val="50000"/>
-                  </a:schemeClr>
-                </a:solidFill>
-                <a:effectLst/>
-                <a:latin typeface="Calibri" panose="020F0502020204030204" pitchFamily="34" charset="0"/>
-                <a:ea typeface="Calibri" panose="020F0502020204030204" pitchFamily="34" charset="0"/>
-                <a:cs typeface="Calibri" panose="020F0502020204030204" pitchFamily="34" charset="0"/>
-              </a:rPr>
-              <a:t>Περιορισμοί κελιών:</a:t>
-            </a:r>
-            <a:r>
-              <a:rPr lang="el-GR" sz="1800" dirty="0">
-                <a:solidFill>
-                  <a:schemeClr val="bg1">
-                    <a:lumMod val="50000"/>
-                    <a:lumOff val="50000"/>
-                  </a:schemeClr>
-                </a:solidFill>
-                <a:effectLst/>
-                <a:latin typeface="Calibri" panose="020F0502020204030204" pitchFamily="34" charset="0"/>
-                <a:ea typeface="Calibri" panose="020F0502020204030204" pitchFamily="34" charset="0"/>
-                <a:cs typeface="Calibri" panose="020F0502020204030204" pitchFamily="34" charset="0"/>
-              </a:rPr>
-              <a:t> </a:t>
-            </a:r>
-            <a:r>
-              <a:rPr lang="el-GR" sz="1800" dirty="0">
-                <a:effectLst/>
-                <a:latin typeface="Calibri" panose="020F0502020204030204" pitchFamily="34" charset="0"/>
-                <a:ea typeface="Calibri" panose="020F0502020204030204" pitchFamily="34" charset="0"/>
-                <a:cs typeface="Calibri" panose="020F0502020204030204" pitchFamily="34" charset="0"/>
-              </a:rPr>
-              <a:t>Βεβαιωθείτε ότι κάθε κελί περιέχει ακριβώς ένα ψηφίο. Αυτό μπορεί να εκφραστεί ως περιορισμός που αθροίζει τις δυαδικές μεταβλητές για κάθε κελί και το άθροισμα πρέπει να ισούται με 1.</a:t>
-            </a:r>
-            <a:endParaRPr lang="el-GR" dirty="0">
-              <a:latin typeface="Calibri" panose="020F0502020204030204" pitchFamily="34" charset="0"/>
-              <a:ea typeface="Calibri" panose="020F0502020204030204" pitchFamily="34" charset="0"/>
-              <a:cs typeface="Calibri" panose="020F0502020204030204" pitchFamily="34" charset="0"/>
-            </a:endParaRPr>
-          </a:p>
-          <a:p>
-            <a:pPr lvl="0" algn="just"/>
-            <a:r>
-              <a:rPr lang="el-GR" sz="1800" b="1" dirty="0">
-                <a:solidFill>
-                  <a:schemeClr val="bg1">
-                    <a:lumMod val="50000"/>
-                    <a:lumOff val="50000"/>
-                  </a:schemeClr>
-                </a:solidFill>
-                <a:effectLst/>
-                <a:latin typeface="Calibri" panose="020F0502020204030204" pitchFamily="34" charset="0"/>
-                <a:ea typeface="Calibri" panose="020F0502020204030204" pitchFamily="34" charset="0"/>
-                <a:cs typeface="Calibri" panose="020F0502020204030204" pitchFamily="34" charset="0"/>
-              </a:rPr>
-              <a:t>Περιορισμοί γραμμής:</a:t>
-            </a:r>
-            <a:r>
-              <a:rPr lang="el-GR" b="1" dirty="0">
-                <a:solidFill>
-                  <a:schemeClr val="bg1">
-                    <a:lumMod val="50000"/>
-                    <a:lumOff val="50000"/>
-                  </a:schemeClr>
-                </a:solidFill>
-                <a:latin typeface="Calibri" panose="020F0502020204030204" pitchFamily="34" charset="0"/>
-                <a:ea typeface="Calibri" panose="020F0502020204030204" pitchFamily="34" charset="0"/>
-                <a:cs typeface="Calibri" panose="020F0502020204030204" pitchFamily="34" charset="0"/>
-              </a:rPr>
-              <a:t> </a:t>
-            </a:r>
-            <a:r>
-              <a:rPr lang="el-GR" sz="1800" dirty="0">
-                <a:effectLst/>
-                <a:latin typeface="Calibri" panose="020F0502020204030204" pitchFamily="34" charset="0"/>
-                <a:ea typeface="Calibri" panose="020F0502020204030204" pitchFamily="34" charset="0"/>
-                <a:cs typeface="Calibri" panose="020F0502020204030204" pitchFamily="34" charset="0"/>
-              </a:rPr>
-              <a:t>Βεβαιωθείτε ότι κάθε ψηφίο εμφανίζεται ακριβώς μία φορά σε κάθε σειρά. Αυτό μπορεί να εκφραστεί ως περιορισμοί που διασφαλίζουν ότι το άθροισμα των δυαδικών μεταβλητών για κάθε ψηφίο σε κάθε γραμμή ισούται με 1.</a:t>
-            </a:r>
-            <a:endParaRPr lang="en-GB" sz="1800" dirty="0">
-              <a:effectLst/>
-              <a:latin typeface="Calibri" panose="020F0502020204030204" pitchFamily="34" charset="0"/>
-              <a:ea typeface="Calibri" panose="020F0502020204030204" pitchFamily="34" charset="0"/>
-              <a:cs typeface="Calibri" panose="020F0502020204030204" pitchFamily="34" charset="0"/>
-            </a:endParaRPr>
-          </a:p>
-          <a:p>
-            <a:pPr lvl="0" algn="just"/>
-            <a:r>
-              <a:rPr lang="el-GR" sz="1800" b="1" dirty="0">
-                <a:solidFill>
-                  <a:schemeClr val="bg1">
-                    <a:lumMod val="50000"/>
-                    <a:lumOff val="50000"/>
-                  </a:schemeClr>
-                </a:solidFill>
-                <a:effectLst/>
-                <a:latin typeface="Calibri" panose="020F0502020204030204" pitchFamily="34" charset="0"/>
-                <a:ea typeface="Calibri" panose="020F0502020204030204" pitchFamily="34" charset="0"/>
-                <a:cs typeface="Calibri" panose="020F0502020204030204" pitchFamily="34" charset="0"/>
-              </a:rPr>
-              <a:t>Περιορισμοί στήλης:</a:t>
-            </a:r>
-            <a:r>
-              <a:rPr lang="el-GR" sz="1800" dirty="0">
-                <a:solidFill>
-                  <a:schemeClr val="bg1">
-                    <a:lumMod val="50000"/>
-                    <a:lumOff val="50000"/>
-                  </a:schemeClr>
-                </a:solidFill>
-                <a:effectLst/>
-                <a:latin typeface="Calibri" panose="020F0502020204030204" pitchFamily="34" charset="0"/>
-                <a:ea typeface="Calibri" panose="020F0502020204030204" pitchFamily="34" charset="0"/>
-                <a:cs typeface="Calibri" panose="020F0502020204030204" pitchFamily="34" charset="0"/>
-              </a:rPr>
-              <a:t> </a:t>
-            </a:r>
-            <a:r>
-              <a:rPr lang="el-GR" sz="1800" dirty="0">
-                <a:effectLst/>
-                <a:latin typeface="Calibri" panose="020F0502020204030204" pitchFamily="34" charset="0"/>
-                <a:ea typeface="Calibri" panose="020F0502020204030204" pitchFamily="34" charset="0"/>
-                <a:cs typeface="Calibri" panose="020F0502020204030204" pitchFamily="34" charset="0"/>
-              </a:rPr>
-              <a:t>Βεβαιωθείτε ότι κάθε ψηφίο εμφανίζεται ακριβώς μία φορά σε κάθε στήλη, παρόμοια με τους περιορισμούς σειρών.</a:t>
-            </a:r>
-            <a:endParaRPr lang="el-GR" dirty="0">
-              <a:latin typeface="Calibri" panose="020F0502020204030204" pitchFamily="34" charset="0"/>
-              <a:ea typeface="Calibri" panose="020F0502020204030204" pitchFamily="34" charset="0"/>
-              <a:cs typeface="Calibri" panose="020F0502020204030204" pitchFamily="34" charset="0"/>
-            </a:endParaRPr>
-          </a:p>
-          <a:p>
-            <a:pPr lvl="0" algn="just"/>
-            <a:r>
-              <a:rPr lang="el-GR" sz="1800" b="1" dirty="0">
-                <a:solidFill>
-                  <a:schemeClr val="bg1">
-                    <a:lumMod val="50000"/>
-                    <a:lumOff val="50000"/>
-                  </a:schemeClr>
-                </a:solidFill>
-                <a:effectLst/>
-                <a:latin typeface="Calibri" panose="020F0502020204030204" pitchFamily="34" charset="0"/>
-                <a:ea typeface="Calibri" panose="020F0502020204030204" pitchFamily="34" charset="0"/>
-                <a:cs typeface="Calibri" panose="020F0502020204030204" pitchFamily="34" charset="0"/>
-              </a:rPr>
-              <a:t>Περιορισμοί πλαισίου:</a:t>
-            </a:r>
-            <a:r>
-              <a:rPr lang="el-GR" sz="1800" dirty="0">
-                <a:solidFill>
-                  <a:schemeClr val="bg1">
-                    <a:lumMod val="50000"/>
-                    <a:lumOff val="50000"/>
-                  </a:schemeClr>
-                </a:solidFill>
-                <a:effectLst/>
-                <a:latin typeface="Calibri" panose="020F0502020204030204" pitchFamily="34" charset="0"/>
-                <a:ea typeface="Calibri" panose="020F0502020204030204" pitchFamily="34" charset="0"/>
-                <a:cs typeface="Calibri" panose="020F0502020204030204" pitchFamily="34" charset="0"/>
-              </a:rPr>
-              <a:t> </a:t>
-            </a:r>
-            <a:r>
-              <a:rPr lang="el-GR" sz="1800" dirty="0">
-                <a:effectLst/>
-                <a:latin typeface="Calibri" panose="020F0502020204030204" pitchFamily="34" charset="0"/>
-                <a:ea typeface="Calibri" panose="020F0502020204030204" pitchFamily="34" charset="0"/>
-                <a:cs typeface="Calibri" panose="020F0502020204030204" pitchFamily="34" charset="0"/>
-              </a:rPr>
-              <a:t>Βεβαιωθείτε ότι κάθε ψηφίο εμφανίζεται ακριβώς μία φορά σε κάθε πλαίσιο 3x3 (</a:t>
-            </a:r>
-            <a:r>
-              <a:rPr lang="el-GR" sz="1800" dirty="0" err="1">
-                <a:effectLst/>
-                <a:latin typeface="Calibri" panose="020F0502020204030204" pitchFamily="34" charset="0"/>
-                <a:ea typeface="Calibri" panose="020F0502020204030204" pitchFamily="34" charset="0"/>
-                <a:cs typeface="Calibri" panose="020F0502020204030204" pitchFamily="34" charset="0"/>
-              </a:rPr>
-              <a:t>υποπλέγμα</a:t>
-            </a:r>
-            <a:r>
-              <a:rPr lang="el-GR" sz="1800" dirty="0">
-                <a:effectLst/>
-                <a:latin typeface="Calibri" panose="020F0502020204030204" pitchFamily="34" charset="0"/>
-                <a:ea typeface="Calibri" panose="020F0502020204030204" pitchFamily="34" charset="0"/>
-                <a:cs typeface="Calibri" panose="020F0502020204030204" pitchFamily="34" charset="0"/>
-              </a:rPr>
-              <a:t>), παρόμοια με τους περιορισμούς σειρών και στηλών.</a:t>
-            </a:r>
-            <a:endParaRPr lang="en-GB" sz="1800" dirty="0">
-              <a:effectLst/>
-              <a:latin typeface="Calibri" panose="020F0502020204030204" pitchFamily="34" charset="0"/>
-              <a:ea typeface="Calibri" panose="020F0502020204030204" pitchFamily="34" charset="0"/>
-              <a:cs typeface="Calibri" panose="020F0502020204030204" pitchFamily="34" charset="0"/>
-            </a:endParaRPr>
-          </a:p>
-          <a:p>
-            <a:pPr marL="285750" indent="-285750">
-              <a:buFont typeface="Arial" panose="020B0604020202020204" pitchFamily="34" charset="0"/>
-              <a:buChar char="•"/>
-            </a:pPr>
-            <a:endParaRPr lang="en-US" dirty="0">
-              <a:latin typeface="Calibri" panose="020F0502020204030204" pitchFamily="34" charset="0"/>
-              <a:cs typeface="Calibri" panose="020F0502020204030204" pitchFamily="34" charset="0"/>
-            </a:endParaRPr>
-          </a:p>
-        </p:txBody>
-      </p:sp>
+      <mc:AlternateContent xmlns:mc="http://schemas.openxmlformats.org/markup-compatibility/2006">
+        <mc:Choice xmlns:a14="http://schemas.microsoft.com/office/drawing/2010/main" Requires="a14">
+          <p:sp>
+            <p:nvSpPr>
+              <p:cNvPr id="10" name="TextBox 9">
+                <a:extLst>
+                  <a:ext uri="{FF2B5EF4-FFF2-40B4-BE49-F238E27FC236}">
+                    <a16:creationId xmlns:a16="http://schemas.microsoft.com/office/drawing/2014/main" id="{211FE484-392D-1460-540C-CC2EAF78B2BC}"/>
+                  </a:ext>
+                </a:extLst>
+              </p:cNvPr>
+              <p:cNvSpPr txBox="1"/>
+              <p:nvPr/>
+            </p:nvSpPr>
+            <p:spPr>
+              <a:xfrm>
+                <a:off x="8354938" y="974421"/>
+                <a:ext cx="2987749" cy="1968744"/>
+              </a:xfrm>
+              <a:prstGeom prst="rect">
+                <a:avLst/>
+              </a:prstGeom>
+              <a:noFill/>
+            </p:spPr>
+            <p:txBody>
+              <a:bodyPr wrap="square" rtlCol="0">
+                <a:spAutoFit/>
+              </a:bodyPr>
+              <a:lstStyle/>
+              <a:p>
+                <a:pPr marL="285750" indent="-285750" algn="just">
+                  <a:buFont typeface="Arial" panose="020B0604020202020204" pitchFamily="34" charset="0"/>
+                  <a:buChar char="•"/>
+                </a:pPr>
+                <a:r>
+                  <a:rPr lang="el-GR" sz="1200" b="1" dirty="0">
+                    <a:solidFill>
+                      <a:schemeClr val="tx1">
+                        <a:lumMod val="75000"/>
+                      </a:schemeClr>
+                    </a:solidFill>
+                    <a:effectLst/>
+                    <a:latin typeface="Calibri" panose="020F0502020204030204" pitchFamily="34" charset="0"/>
+                    <a:ea typeface="Times New Roman" panose="02020603050405020304" pitchFamily="18" charset="0"/>
+                    <a:cs typeface="Calibri" panose="020F0502020204030204" pitchFamily="34" charset="0"/>
+                  </a:rPr>
+                  <a:t>Μεταβλητές απόφασης:</a:t>
+                </a:r>
+                <a:endParaRPr lang="en-US" sz="1200" b="1" dirty="0">
+                  <a:solidFill>
+                    <a:schemeClr val="tx1">
+                      <a:lumMod val="75000"/>
+                    </a:schemeClr>
+                  </a:solidFill>
+                  <a:effectLst/>
+                  <a:latin typeface="Calibri" panose="020F0502020204030204" pitchFamily="34" charset="0"/>
+                  <a:ea typeface="Times New Roman" panose="02020603050405020304" pitchFamily="18" charset="0"/>
+                  <a:cs typeface="Calibri" panose="020F0502020204030204" pitchFamily="34" charset="0"/>
+                </a:endParaRPr>
+              </a:p>
+              <a:p>
+                <a:pPr algn="just"/>
+                <a:r>
+                  <a:rPr lang="el-GR" sz="1200" dirty="0">
+                    <a:effectLst/>
+                    <a:latin typeface="Calibri" panose="020F0502020204030204" pitchFamily="34" charset="0"/>
+                    <a:ea typeface="Times New Roman" panose="02020603050405020304" pitchFamily="18" charset="0"/>
+                    <a:cs typeface="Calibri" panose="020F0502020204030204" pitchFamily="34" charset="0"/>
+                  </a:rPr>
+                  <a:t>Θα ορίσουμε δυαδικές μεταβλητές </a:t>
+                </a:r>
+                <a14:m>
+                  <m:oMath xmlns:m="http://schemas.openxmlformats.org/officeDocument/2006/math">
+                    <m:sSub>
+                      <m:sSubPr>
+                        <m:ctrlPr>
+                          <a:rPr lang="en-GB" sz="1200" i="1">
+                            <a:effectLst/>
+                            <a:latin typeface="Cambria Math" panose="02040503050406030204" pitchFamily="18" charset="0"/>
+                            <a:ea typeface="Times New Roman" panose="02020603050405020304" pitchFamily="18" charset="0"/>
+                            <a:cs typeface="Calibri" panose="020F0502020204030204" pitchFamily="34" charset="0"/>
+                          </a:rPr>
+                        </m:ctrlPr>
+                      </m:sSubPr>
+                      <m:e>
+                        <m:r>
+                          <a:rPr lang="en-US" sz="1200" i="1">
+                            <a:effectLst/>
+                            <a:latin typeface="Cambria Math" panose="02040503050406030204" pitchFamily="18" charset="0"/>
+                            <a:ea typeface="Times New Roman" panose="02020603050405020304" pitchFamily="18" charset="0"/>
+                            <a:cs typeface="Calibri" panose="020F0502020204030204" pitchFamily="34" charset="0"/>
+                          </a:rPr>
+                          <m:t>𝑥</m:t>
+                        </m:r>
+                      </m:e>
+                      <m:sub>
+                        <m:r>
+                          <a:rPr lang="en-US" sz="1200" i="1">
+                            <a:effectLst/>
+                            <a:latin typeface="Cambria Math" panose="02040503050406030204" pitchFamily="18" charset="0"/>
+                            <a:ea typeface="Times New Roman" panose="02020603050405020304" pitchFamily="18" charset="0"/>
+                            <a:cs typeface="Calibri" panose="020F0502020204030204" pitchFamily="34" charset="0"/>
+                          </a:rPr>
+                          <m:t>𝑖𝑗𝑘</m:t>
+                        </m:r>
+                      </m:sub>
+                    </m:sSub>
+                  </m:oMath>
+                </a14:m>
+                <a:r>
+                  <a:rPr lang="el-GR" sz="1200" dirty="0">
+                    <a:effectLst/>
+                    <a:latin typeface="Calibri" panose="020F0502020204030204" pitchFamily="34" charset="0"/>
+                    <a:ea typeface="Times New Roman" panose="02020603050405020304" pitchFamily="18" charset="0"/>
+                    <a:cs typeface="Calibri" panose="020F0502020204030204" pitchFamily="34" charset="0"/>
+                  </a:rPr>
+                  <a:t>​ όπου:</a:t>
+                </a:r>
+                <a:endParaRPr lang="en-GB" sz="1200" dirty="0">
+                  <a:effectLst/>
+                  <a:latin typeface="Calibri" panose="020F0502020204030204" pitchFamily="34" charset="0"/>
+                  <a:ea typeface="Calibri" panose="020F0502020204030204" pitchFamily="34" charset="0"/>
+                  <a:cs typeface="Times New Roman" panose="02020603050405020304" pitchFamily="18" charset="0"/>
+                </a:endParaRPr>
+              </a:p>
+              <a:p>
+                <a:pPr marL="342900" lvl="0" indent="-342900" algn="just">
+                  <a:buSzPts val="1000"/>
+                  <a:buFont typeface="Courier New" panose="02070309020205020404" pitchFamily="49" charset="0"/>
+                  <a:buChar char="o"/>
+                  <a:tabLst>
+                    <a:tab pos="457200" algn="l"/>
+                  </a:tabLst>
+                </a:pPr>
+                <a14:m>
+                  <m:oMath xmlns:m="http://schemas.openxmlformats.org/officeDocument/2006/math">
+                    <m:r>
+                      <a:rPr lang="en-GB" sz="1200" i="1">
+                        <a:effectLst/>
+                        <a:latin typeface="Cambria Math" panose="02040503050406030204" pitchFamily="18" charset="0"/>
+                        <a:ea typeface="Times New Roman" panose="02020603050405020304" pitchFamily="18" charset="0"/>
+                        <a:cs typeface="Calibri" panose="020F0502020204030204" pitchFamily="34" charset="0"/>
+                      </a:rPr>
+                      <m:t>𝑖</m:t>
+                    </m:r>
+                  </m:oMath>
+                </a14:m>
+                <a:r>
+                  <a:rPr lang="el-GR" sz="1200" dirty="0">
+                    <a:effectLst/>
+                    <a:latin typeface="Calibri" panose="020F0502020204030204" pitchFamily="34" charset="0"/>
+                    <a:ea typeface="Times New Roman" panose="02020603050405020304" pitchFamily="18" charset="0"/>
+                    <a:cs typeface="Calibri" panose="020F0502020204030204" pitchFamily="34" charset="0"/>
+                  </a:rPr>
+                  <a:t> είναι ο δείκτης της γραμμής (1 έως 9)</a:t>
+                </a:r>
+                <a:endParaRPr lang="en-GB" sz="1200" dirty="0">
+                  <a:effectLst/>
+                  <a:latin typeface="Calibri" panose="020F0502020204030204" pitchFamily="34" charset="0"/>
+                  <a:ea typeface="Calibri" panose="020F0502020204030204" pitchFamily="34" charset="0"/>
+                  <a:cs typeface="Times New Roman" panose="02020603050405020304" pitchFamily="18" charset="0"/>
+                </a:endParaRPr>
+              </a:p>
+              <a:p>
+                <a:pPr marL="342900" lvl="0" indent="-342900" algn="just">
+                  <a:buSzPts val="1000"/>
+                  <a:buFont typeface="Courier New" panose="02070309020205020404" pitchFamily="49" charset="0"/>
+                  <a:buChar char="o"/>
+                  <a:tabLst>
+                    <a:tab pos="457200" algn="l"/>
+                  </a:tabLst>
+                </a:pPr>
+                <a14:m>
+                  <m:oMath xmlns:m="http://schemas.openxmlformats.org/officeDocument/2006/math">
+                    <m:r>
+                      <a:rPr lang="en-GB" sz="1200" i="1">
+                        <a:effectLst/>
+                        <a:latin typeface="Cambria Math" panose="02040503050406030204" pitchFamily="18" charset="0"/>
+                        <a:ea typeface="Times New Roman" panose="02020603050405020304" pitchFamily="18" charset="0"/>
+                        <a:cs typeface="Calibri" panose="020F0502020204030204" pitchFamily="34" charset="0"/>
+                      </a:rPr>
+                      <m:t>𝑗</m:t>
+                    </m:r>
+                  </m:oMath>
+                </a14:m>
+                <a:r>
+                  <a:rPr lang="el-GR" sz="1200" dirty="0">
+                    <a:effectLst/>
+                    <a:latin typeface="Calibri" panose="020F0502020204030204" pitchFamily="34" charset="0"/>
+                    <a:ea typeface="Times New Roman" panose="02020603050405020304" pitchFamily="18" charset="0"/>
+                    <a:cs typeface="Calibri" panose="020F0502020204030204" pitchFamily="34" charset="0"/>
+                  </a:rPr>
+                  <a:t> είναι ο δείκτης της στήλης (1 έως 9)</a:t>
+                </a:r>
+                <a:endParaRPr lang="en-GB" sz="1200" dirty="0">
+                  <a:effectLst/>
+                  <a:latin typeface="Calibri" panose="020F0502020204030204" pitchFamily="34" charset="0"/>
+                  <a:ea typeface="Calibri" panose="020F0502020204030204" pitchFamily="34" charset="0"/>
+                  <a:cs typeface="Times New Roman" panose="02020603050405020304" pitchFamily="18" charset="0"/>
+                </a:endParaRPr>
+              </a:p>
+              <a:p>
+                <a:pPr marL="342900" lvl="0" indent="-342900" algn="just">
+                  <a:buSzPts val="1000"/>
+                  <a:buFont typeface="Courier New" panose="02070309020205020404" pitchFamily="49" charset="0"/>
+                  <a:buChar char="o"/>
+                  <a:tabLst>
+                    <a:tab pos="457200" algn="l"/>
+                  </a:tabLst>
+                </a:pPr>
+                <a14:m>
+                  <m:oMath xmlns:m="http://schemas.openxmlformats.org/officeDocument/2006/math">
+                    <m:r>
+                      <a:rPr lang="en-GB" sz="1200" i="1">
+                        <a:effectLst/>
+                        <a:latin typeface="Cambria Math" panose="02040503050406030204" pitchFamily="18" charset="0"/>
+                        <a:ea typeface="Times New Roman" panose="02020603050405020304" pitchFamily="18" charset="0"/>
+                        <a:cs typeface="Calibri" panose="020F0502020204030204" pitchFamily="34" charset="0"/>
+                      </a:rPr>
+                      <m:t>𝑘</m:t>
+                    </m:r>
+                  </m:oMath>
+                </a14:m>
+                <a:r>
+                  <a:rPr lang="el-GR" sz="1200" dirty="0">
+                    <a:effectLst/>
+                    <a:latin typeface="Calibri" panose="020F0502020204030204" pitchFamily="34" charset="0"/>
+                    <a:ea typeface="Times New Roman" panose="02020603050405020304" pitchFamily="18" charset="0"/>
+                    <a:cs typeface="Calibri" panose="020F0502020204030204" pitchFamily="34" charset="0"/>
+                  </a:rPr>
+                  <a:t> είναι ο αριθμός που τοποθετείται στο κελί (1 έως 9)</a:t>
+                </a:r>
+                <a:endParaRPr lang="en-GB" sz="1200" dirty="0">
+                  <a:effectLst/>
+                  <a:latin typeface="Calibri" panose="020F0502020204030204" pitchFamily="34" charset="0"/>
+                  <a:ea typeface="Calibri" panose="020F0502020204030204" pitchFamily="34" charset="0"/>
+                  <a:cs typeface="Times New Roman" panose="02020603050405020304" pitchFamily="18" charset="0"/>
+                </a:endParaRPr>
+              </a:p>
+              <a:p>
+                <a:pPr algn="just"/>
+                <a:r>
+                  <a:rPr lang="el-GR" sz="1200" kern="0" dirty="0">
+                    <a:effectLst/>
+                    <a:latin typeface="Calibri" panose="020F0502020204030204" pitchFamily="34" charset="0"/>
+                    <a:ea typeface="Times New Roman" panose="02020603050405020304" pitchFamily="18" charset="0"/>
+                  </a:rPr>
+                  <a:t>Η </a:t>
+                </a:r>
+                <a14:m>
+                  <m:oMath xmlns:m="http://schemas.openxmlformats.org/officeDocument/2006/math">
+                    <m:sSub>
+                      <m:sSubPr>
+                        <m:ctrlPr>
+                          <a:rPr lang="en-GB" sz="1200" i="1">
+                            <a:effectLst/>
+                            <a:latin typeface="Cambria Math" panose="02040503050406030204" pitchFamily="18" charset="0"/>
+                            <a:ea typeface="Times New Roman" panose="02020603050405020304" pitchFamily="18" charset="0"/>
+                            <a:cs typeface="Calibri" panose="020F0502020204030204" pitchFamily="34" charset="0"/>
+                          </a:rPr>
+                        </m:ctrlPr>
+                      </m:sSubPr>
+                      <m:e>
+                        <m:r>
+                          <a:rPr lang="en-GB" sz="1200" i="1" kern="0">
+                            <a:effectLst/>
+                            <a:latin typeface="Cambria Math" panose="02040503050406030204" pitchFamily="18" charset="0"/>
+                            <a:ea typeface="Times New Roman" panose="02020603050405020304" pitchFamily="18" charset="0"/>
+                            <a:cs typeface="Calibri" panose="020F0502020204030204" pitchFamily="34" charset="0"/>
+                          </a:rPr>
+                          <m:t>𝑥</m:t>
+                        </m:r>
+                      </m:e>
+                      <m:sub>
+                        <m:r>
+                          <a:rPr lang="en-GB" sz="1200" i="1" kern="0">
+                            <a:effectLst/>
+                            <a:latin typeface="Cambria Math" panose="02040503050406030204" pitchFamily="18" charset="0"/>
+                            <a:ea typeface="Times New Roman" panose="02020603050405020304" pitchFamily="18" charset="0"/>
+                            <a:cs typeface="Calibri" panose="020F0502020204030204" pitchFamily="34" charset="0"/>
+                          </a:rPr>
+                          <m:t>𝑖𝑗𝑘</m:t>
+                        </m:r>
+                      </m:sub>
+                    </m:sSub>
+                  </m:oMath>
+                </a14:m>
+                <a:r>
+                  <a:rPr lang="el-GR" sz="1200" kern="0" dirty="0">
+                    <a:effectLst/>
+                    <a:latin typeface="Calibri" panose="020F0502020204030204" pitchFamily="34" charset="0"/>
+                    <a:ea typeface="Times New Roman" panose="02020603050405020304" pitchFamily="18" charset="0"/>
+                  </a:rPr>
+                  <a:t>​ θα είναι 1 αν ο αριθμός </a:t>
+                </a:r>
+                <a:r>
+                  <a:rPr lang="en-GB" sz="1200" kern="0" dirty="0">
+                    <a:effectLst/>
+                    <a:latin typeface="Calibri" panose="020F0502020204030204" pitchFamily="34" charset="0"/>
+                    <a:ea typeface="Times New Roman" panose="02020603050405020304" pitchFamily="18" charset="0"/>
+                  </a:rPr>
+                  <a:t>k</a:t>
+                </a:r>
+                <a:r>
+                  <a:rPr lang="el-GR" sz="1200" kern="0" dirty="0">
+                    <a:effectLst/>
+                    <a:latin typeface="Calibri" panose="020F0502020204030204" pitchFamily="34" charset="0"/>
+                    <a:ea typeface="Times New Roman" panose="02020603050405020304" pitchFamily="18" charset="0"/>
+                  </a:rPr>
+                  <a:t> τοποθετείται στο κελί </a:t>
+                </a:r>
+                <a14:m>
+                  <m:oMath xmlns:m="http://schemas.openxmlformats.org/officeDocument/2006/math">
+                    <m:r>
+                      <a:rPr lang="el-GR" sz="1200" i="1" kern="0">
+                        <a:effectLst/>
+                        <a:latin typeface="Cambria Math" panose="02040503050406030204" pitchFamily="18" charset="0"/>
+                        <a:ea typeface="Times New Roman" panose="02020603050405020304" pitchFamily="18" charset="0"/>
+                        <a:cs typeface="Calibri" panose="020F0502020204030204" pitchFamily="34" charset="0"/>
+                      </a:rPr>
+                      <m:t>(</m:t>
+                    </m:r>
+                    <m:r>
+                      <a:rPr lang="en-GB" sz="1200" i="1" kern="0">
+                        <a:effectLst/>
+                        <a:latin typeface="Cambria Math" panose="02040503050406030204" pitchFamily="18" charset="0"/>
+                        <a:ea typeface="Times New Roman" panose="02020603050405020304" pitchFamily="18" charset="0"/>
+                        <a:cs typeface="Calibri" panose="020F0502020204030204" pitchFamily="34" charset="0"/>
+                      </a:rPr>
+                      <m:t>𝑖</m:t>
+                    </m:r>
+                    <m:r>
+                      <a:rPr lang="el-GR" sz="1200" i="1" kern="0">
+                        <a:effectLst/>
+                        <a:latin typeface="Cambria Math" panose="02040503050406030204" pitchFamily="18" charset="0"/>
+                        <a:ea typeface="Times New Roman" panose="02020603050405020304" pitchFamily="18" charset="0"/>
+                        <a:cs typeface="Calibri" panose="020F0502020204030204" pitchFamily="34" charset="0"/>
+                      </a:rPr>
+                      <m:t>,</m:t>
+                    </m:r>
+                    <m:r>
+                      <a:rPr lang="en-GB" sz="1200" i="1" kern="0">
+                        <a:effectLst/>
+                        <a:latin typeface="Cambria Math" panose="02040503050406030204" pitchFamily="18" charset="0"/>
+                        <a:ea typeface="Times New Roman" panose="02020603050405020304" pitchFamily="18" charset="0"/>
+                        <a:cs typeface="Calibri" panose="020F0502020204030204" pitchFamily="34" charset="0"/>
+                      </a:rPr>
+                      <m:t>𝑗</m:t>
+                    </m:r>
+                    <m:r>
+                      <a:rPr lang="el-GR" sz="1200" i="1" kern="0">
+                        <a:effectLst/>
+                        <a:latin typeface="Cambria Math" panose="02040503050406030204" pitchFamily="18" charset="0"/>
+                        <a:ea typeface="Times New Roman" panose="02020603050405020304" pitchFamily="18" charset="0"/>
+                        <a:cs typeface="Calibri" panose="020F0502020204030204" pitchFamily="34" charset="0"/>
+                      </a:rPr>
+                      <m:t>)</m:t>
+                    </m:r>
+                  </m:oMath>
+                </a14:m>
+                <a:r>
+                  <a:rPr lang="el-GR" sz="1200" kern="0" dirty="0">
+                    <a:effectLst/>
+                    <a:latin typeface="Calibri" panose="020F0502020204030204" pitchFamily="34" charset="0"/>
+                    <a:ea typeface="Times New Roman" panose="02020603050405020304" pitchFamily="18" charset="0"/>
+                  </a:rPr>
+                  <a:t>, και 0 διαφορετικά.</a:t>
+                </a:r>
+                <a:r>
+                  <a:rPr lang="en-GB" sz="1200" dirty="0">
+                    <a:effectLst/>
+                  </a:rPr>
+                  <a:t> </a:t>
+                </a:r>
+                <a:endParaRPr lang="el-GR" sz="1200" dirty="0">
+                  <a:effectLst/>
+                  <a:latin typeface="Calibri" panose="020F0502020204030204" pitchFamily="34" charset="0"/>
+                  <a:ea typeface="Calibri" panose="020F0502020204030204" pitchFamily="34" charset="0"/>
+                  <a:cs typeface="Calibri" panose="020F0502020204030204" pitchFamily="34" charset="0"/>
+                </a:endParaRPr>
+              </a:p>
+            </p:txBody>
+          </p:sp>
+        </mc:Choice>
+        <mc:Fallback>
+          <p:sp>
+            <p:nvSpPr>
+              <p:cNvPr id="10" name="TextBox 9">
+                <a:extLst>
+                  <a:ext uri="{FF2B5EF4-FFF2-40B4-BE49-F238E27FC236}">
+                    <a16:creationId xmlns:a16="http://schemas.microsoft.com/office/drawing/2014/main" id="{211FE484-392D-1460-540C-CC2EAF78B2BC}"/>
+                  </a:ext>
+                </a:extLst>
+              </p:cNvPr>
+              <p:cNvSpPr txBox="1">
+                <a:spLocks noRot="1" noChangeAspect="1" noMove="1" noResize="1" noEditPoints="1" noAdjustHandles="1" noChangeArrowheads="1" noChangeShapeType="1" noTextEdit="1"/>
+              </p:cNvSpPr>
+              <p:nvPr/>
+            </p:nvSpPr>
+            <p:spPr>
+              <a:xfrm>
+                <a:off x="8354938" y="974421"/>
+                <a:ext cx="2987749" cy="1968744"/>
+              </a:xfrm>
+              <a:prstGeom prst="rect">
+                <a:avLst/>
+              </a:prstGeom>
+              <a:blipFill>
+                <a:blip r:embed="rId3"/>
+                <a:stretch>
+                  <a:fillRect l="-424" b="-1282"/>
+                </a:stretch>
+              </a:blipFill>
+            </p:spPr>
+            <p:txBody>
+              <a:bodyPr/>
+              <a:lstStyle/>
+              <a:p>
+                <a:r>
+                  <a:rPr lang="en-US">
+                    <a:noFill/>
+                  </a:rPr>
+                  <a:t> </a:t>
+                </a:r>
+              </a:p>
+            </p:txBody>
+          </p:sp>
+        </mc:Fallback>
+      </mc:AlternateContent>
+      <mc:AlternateContent xmlns:mc="http://schemas.openxmlformats.org/markup-compatibility/2006">
+        <mc:Choice xmlns:a14="http://schemas.microsoft.com/office/drawing/2010/main" Requires="a14">
+          <p:sp>
+            <p:nvSpPr>
+              <p:cNvPr id="11" name="TextBox 10">
+                <a:extLst>
+                  <a:ext uri="{FF2B5EF4-FFF2-40B4-BE49-F238E27FC236}">
+                    <a16:creationId xmlns:a16="http://schemas.microsoft.com/office/drawing/2014/main" id="{7D613EF6-11F1-33F9-2299-B038A5B68C06}"/>
+                  </a:ext>
+                </a:extLst>
+              </p:cNvPr>
+              <p:cNvSpPr txBox="1"/>
+              <p:nvPr/>
+            </p:nvSpPr>
+            <p:spPr>
+              <a:xfrm>
+                <a:off x="986066" y="3615668"/>
+                <a:ext cx="7291950" cy="2784032"/>
+              </a:xfrm>
+              <a:prstGeom prst="rect">
+                <a:avLst/>
+              </a:prstGeom>
+              <a:noFill/>
+            </p:spPr>
+            <p:txBody>
+              <a:bodyPr wrap="square" rtlCol="0">
+                <a:spAutoFit/>
+              </a:bodyPr>
+              <a:lstStyle/>
+              <a:p>
+                <a:pPr marL="285750" lvl="0" indent="-285750">
+                  <a:buFont typeface="Arial" panose="020B0604020202020204" pitchFamily="34" charset="0"/>
+                  <a:buChar char="•"/>
+                </a:pPr>
+                <a:r>
+                  <a:rPr lang="el-GR" sz="1200" b="1" dirty="0">
+                    <a:solidFill>
+                      <a:schemeClr val="tx1">
+                        <a:lumMod val="75000"/>
+                      </a:schemeClr>
+                    </a:solidFill>
+                    <a:latin typeface="Calibri" panose="020F0502020204030204" pitchFamily="34" charset="0"/>
+                    <a:ea typeface="Calibri" panose="020F0502020204030204" pitchFamily="34" charset="0"/>
+                    <a:cs typeface="Calibri" panose="020F0502020204030204" pitchFamily="34" charset="0"/>
+                  </a:rPr>
+                  <a:t>Περιορισμοί:</a:t>
+                </a:r>
+              </a:p>
+              <a:p>
+                <a:pPr lvl="0" algn="just"/>
+                <a:r>
+                  <a:rPr lang="el-GR" sz="1200" b="1" dirty="0">
+                    <a:solidFill>
+                      <a:schemeClr val="bg1">
+                        <a:lumMod val="50000"/>
+                        <a:lumOff val="50000"/>
+                      </a:schemeClr>
+                    </a:solidFill>
+                    <a:effectLst/>
+                    <a:latin typeface="Calibri" panose="020F0502020204030204" pitchFamily="34" charset="0"/>
+                    <a:ea typeface="Calibri" panose="020F0502020204030204" pitchFamily="34" charset="0"/>
+                    <a:cs typeface="Calibri" panose="020F0502020204030204" pitchFamily="34" charset="0"/>
+                  </a:rPr>
+                  <a:t>Περιορισμοί κελιών:</a:t>
+                </a:r>
+                <a:r>
+                  <a:rPr lang="el-GR" sz="1200" dirty="0">
+                    <a:solidFill>
+                      <a:schemeClr val="bg1">
+                        <a:lumMod val="50000"/>
+                        <a:lumOff val="50000"/>
+                      </a:schemeClr>
+                    </a:solidFill>
+                    <a:effectLst/>
+                    <a:latin typeface="Calibri" panose="020F0502020204030204" pitchFamily="34" charset="0"/>
+                    <a:ea typeface="Calibri" panose="020F0502020204030204" pitchFamily="34" charset="0"/>
+                    <a:cs typeface="Calibri" panose="020F0502020204030204" pitchFamily="34" charset="0"/>
+                  </a:rPr>
+                  <a:t> </a:t>
+                </a:r>
+                <a:r>
+                  <a:rPr lang="el-GR" sz="1200" dirty="0">
+                    <a:effectLst/>
+                    <a:latin typeface="Calibri" panose="020F0502020204030204" pitchFamily="34" charset="0"/>
+                    <a:ea typeface="Calibri" panose="020F0502020204030204" pitchFamily="34" charset="0"/>
+                    <a:cs typeface="Calibri" panose="020F0502020204030204" pitchFamily="34" charset="0"/>
+                  </a:rPr>
+                  <a:t>Βεβαιωθείτε ότι κάθε κελί περιέχει ακριβώς ένα ψηφίο. Αυτό μπορεί να εκφραστεί ως περιορισμός που αθροίζει τις δυαδικές μεταβλητές για κάθε κελί και το άθροισμα πρέπει να ισούται με 1.</a:t>
+                </a:r>
+                <a:endParaRPr lang="en-US" sz="1200" dirty="0">
+                  <a:latin typeface="Calibri" panose="020F0502020204030204" pitchFamily="34" charset="0"/>
+                  <a:ea typeface="Calibri" panose="020F0502020204030204" pitchFamily="34" charset="0"/>
+                  <a:cs typeface="Calibri" panose="020F0502020204030204" pitchFamily="34" charset="0"/>
+                </a:endParaRPr>
+              </a:p>
+              <a:p>
+                <a:pPr lvl="0" algn="just"/>
+                <a14:m>
+                  <m:oMath xmlns:m="http://schemas.openxmlformats.org/officeDocument/2006/math">
+                    <m:nary>
+                      <m:naryPr>
+                        <m:chr m:val="∑"/>
+                        <m:limLoc m:val="subSup"/>
+                        <m:ctrlPr>
+                          <a:rPr lang="en-GB" sz="1200" i="1" smtClean="0">
+                            <a:effectLst/>
+                            <a:latin typeface="Cambria Math" panose="02040503050406030204" pitchFamily="18" charset="0"/>
+                            <a:cs typeface="Calibri" panose="020F0502020204030204" pitchFamily="34" charset="0"/>
+                          </a:rPr>
+                        </m:ctrlPr>
+                      </m:naryPr>
+                      <m:sub>
+                        <m:r>
+                          <a:rPr lang="el-GR" sz="1200" i="1" kern="0">
+                            <a:effectLst/>
+                            <a:latin typeface="Cambria Math" panose="02040503050406030204" pitchFamily="18" charset="0"/>
+                            <a:ea typeface="Calibri" panose="020F0502020204030204" pitchFamily="34" charset="0"/>
+                            <a:cs typeface="Calibri" panose="020F0502020204030204" pitchFamily="34" charset="0"/>
+                          </a:rPr>
+                          <m:t>𝑘</m:t>
+                        </m:r>
+                        <m:r>
+                          <a:rPr lang="el-GR" sz="1200" i="1" kern="0">
+                            <a:effectLst/>
+                            <a:latin typeface="Cambria Math" panose="02040503050406030204" pitchFamily="18" charset="0"/>
+                            <a:ea typeface="Calibri" panose="020F0502020204030204" pitchFamily="34" charset="0"/>
+                            <a:cs typeface="Calibri" panose="020F0502020204030204" pitchFamily="34" charset="0"/>
+                          </a:rPr>
+                          <m:t>=1</m:t>
+                        </m:r>
+                      </m:sub>
+                      <m:sup>
+                        <m:r>
+                          <a:rPr lang="el-GR" sz="1200" i="1" kern="0">
+                            <a:effectLst/>
+                            <a:latin typeface="Cambria Math" panose="02040503050406030204" pitchFamily="18" charset="0"/>
+                            <a:ea typeface="Calibri" panose="020F0502020204030204" pitchFamily="34" charset="0"/>
+                            <a:cs typeface="Calibri" panose="020F0502020204030204" pitchFamily="34" charset="0"/>
+                          </a:rPr>
+                          <m:t>9</m:t>
+                        </m:r>
+                      </m:sup>
+                      <m:e>
+                        <m:sSub>
+                          <m:sSubPr>
+                            <m:ctrlPr>
+                              <a:rPr lang="en-GB" sz="1200" i="1">
+                                <a:effectLst/>
+                                <a:latin typeface="Cambria Math" panose="02040503050406030204" pitchFamily="18" charset="0"/>
+                                <a:cs typeface="Calibri" panose="020F0502020204030204" pitchFamily="34" charset="0"/>
+                              </a:rPr>
+                            </m:ctrlPr>
+                          </m:sSubPr>
+                          <m:e>
+                            <m:r>
+                              <a:rPr lang="el-GR" sz="1200" i="1" kern="0">
+                                <a:effectLst/>
+                                <a:latin typeface="Cambria Math" panose="02040503050406030204" pitchFamily="18" charset="0"/>
+                                <a:ea typeface="Calibri" panose="020F0502020204030204" pitchFamily="34" charset="0"/>
+                                <a:cs typeface="Calibri" panose="020F0502020204030204" pitchFamily="34" charset="0"/>
+                              </a:rPr>
+                              <m:t>𝑥</m:t>
+                            </m:r>
+                          </m:e>
+                          <m:sub>
+                            <m:r>
+                              <a:rPr lang="el-GR" sz="1200" i="1" kern="0">
+                                <a:effectLst/>
+                                <a:latin typeface="Cambria Math" panose="02040503050406030204" pitchFamily="18" charset="0"/>
+                                <a:ea typeface="Calibri" panose="020F0502020204030204" pitchFamily="34" charset="0"/>
+                                <a:cs typeface="Calibri" panose="020F0502020204030204" pitchFamily="34" charset="0"/>
+                              </a:rPr>
+                              <m:t>𝑖𝑗𝑘</m:t>
+                            </m:r>
+                          </m:sub>
+                        </m:sSub>
+                        <m:r>
+                          <a:rPr lang="el-GR" sz="1200" i="1" kern="0">
+                            <a:effectLst/>
+                            <a:latin typeface="Cambria Math" panose="02040503050406030204" pitchFamily="18" charset="0"/>
+                            <a:ea typeface="Calibri" panose="020F0502020204030204" pitchFamily="34" charset="0"/>
+                            <a:cs typeface="Calibri" panose="020F0502020204030204" pitchFamily="34" charset="0"/>
+                          </a:rPr>
+                          <m:t>=1, ∀</m:t>
+                        </m:r>
+                        <m:r>
+                          <a:rPr lang="el-GR" sz="1200" i="1" kern="0">
+                            <a:effectLst/>
+                            <a:latin typeface="Cambria Math" panose="02040503050406030204" pitchFamily="18" charset="0"/>
+                            <a:ea typeface="Calibri" panose="020F0502020204030204" pitchFamily="34" charset="0"/>
+                            <a:cs typeface="Calibri" panose="020F0502020204030204" pitchFamily="34" charset="0"/>
+                          </a:rPr>
+                          <m:t>𝑖</m:t>
+                        </m:r>
+                        <m:r>
+                          <a:rPr lang="el-GR" sz="1200" i="1" kern="0">
+                            <a:effectLst/>
+                            <a:latin typeface="Cambria Math" panose="02040503050406030204" pitchFamily="18" charset="0"/>
+                            <a:ea typeface="Calibri" panose="020F0502020204030204" pitchFamily="34" charset="0"/>
+                            <a:cs typeface="Calibri" panose="020F0502020204030204" pitchFamily="34" charset="0"/>
+                          </a:rPr>
+                          <m:t>,</m:t>
+                        </m:r>
+                        <m:r>
+                          <a:rPr lang="el-GR" sz="1200" i="1" kern="0">
+                            <a:effectLst/>
+                            <a:latin typeface="Cambria Math" panose="02040503050406030204" pitchFamily="18" charset="0"/>
+                            <a:ea typeface="Calibri" panose="020F0502020204030204" pitchFamily="34" charset="0"/>
+                            <a:cs typeface="Calibri" panose="020F0502020204030204" pitchFamily="34" charset="0"/>
+                          </a:rPr>
+                          <m:t>𝑗</m:t>
+                        </m:r>
+                      </m:e>
+                    </m:nary>
+                  </m:oMath>
+                </a14:m>
+                <a:r>
+                  <a:rPr lang="en-GB" sz="1200" dirty="0">
+                    <a:effectLst/>
+                  </a:rPr>
+                  <a:t> </a:t>
+                </a:r>
+                <a:endParaRPr lang="el-GR" sz="1200" dirty="0">
+                  <a:latin typeface="Calibri" panose="020F0502020204030204" pitchFamily="34" charset="0"/>
+                  <a:ea typeface="Calibri" panose="020F0502020204030204" pitchFamily="34" charset="0"/>
+                  <a:cs typeface="Calibri" panose="020F0502020204030204" pitchFamily="34" charset="0"/>
+                </a:endParaRPr>
+              </a:p>
+              <a:p>
+                <a:pPr lvl="0" algn="just"/>
+                <a:r>
+                  <a:rPr lang="el-GR" sz="1200" b="1" dirty="0">
+                    <a:solidFill>
+                      <a:schemeClr val="bg1">
+                        <a:lumMod val="50000"/>
+                        <a:lumOff val="50000"/>
+                      </a:schemeClr>
+                    </a:solidFill>
+                    <a:effectLst/>
+                    <a:latin typeface="Calibri" panose="020F0502020204030204" pitchFamily="34" charset="0"/>
+                    <a:ea typeface="Calibri" panose="020F0502020204030204" pitchFamily="34" charset="0"/>
+                    <a:cs typeface="Calibri" panose="020F0502020204030204" pitchFamily="34" charset="0"/>
+                  </a:rPr>
+                  <a:t>Περιορισμοί γραμμής:</a:t>
+                </a:r>
+                <a:r>
+                  <a:rPr lang="el-GR" sz="1200" b="1" dirty="0">
+                    <a:solidFill>
+                      <a:schemeClr val="bg1">
+                        <a:lumMod val="50000"/>
+                        <a:lumOff val="50000"/>
+                      </a:schemeClr>
+                    </a:solidFill>
+                    <a:latin typeface="Calibri" panose="020F0502020204030204" pitchFamily="34" charset="0"/>
+                    <a:ea typeface="Calibri" panose="020F0502020204030204" pitchFamily="34" charset="0"/>
+                    <a:cs typeface="Calibri" panose="020F0502020204030204" pitchFamily="34" charset="0"/>
+                  </a:rPr>
+                  <a:t> </a:t>
+                </a:r>
+                <a:r>
+                  <a:rPr lang="el-GR" sz="1200" dirty="0">
+                    <a:effectLst/>
+                    <a:latin typeface="Calibri" panose="020F0502020204030204" pitchFamily="34" charset="0"/>
+                    <a:ea typeface="Calibri" panose="020F0502020204030204" pitchFamily="34" charset="0"/>
+                    <a:cs typeface="Calibri" panose="020F0502020204030204" pitchFamily="34" charset="0"/>
+                  </a:rPr>
+                  <a:t>Βεβαιωθείτε ότι κάθε ψηφίο εμφανίζεται ακριβώς μία φορά σε κάθε σειρά. Αυτό μπορεί να εκφραστεί ως περιορισμοί που διασφαλίζουν ότι το άθροισμα των δυαδικών μεταβλητών για κάθε ψηφίο σε κάθε γραμμή ισούται με 1.</a:t>
+                </a:r>
+                <a:endParaRPr lang="en-US" sz="1200" dirty="0">
+                  <a:latin typeface="Calibri" panose="020F0502020204030204" pitchFamily="34" charset="0"/>
+                  <a:ea typeface="Calibri" panose="020F0502020204030204" pitchFamily="34" charset="0"/>
+                  <a:cs typeface="Calibri" panose="020F0502020204030204" pitchFamily="34" charset="0"/>
+                </a:endParaRPr>
+              </a:p>
+              <a:p>
+                <a:pPr lvl="0" algn="just"/>
+                <a14:m>
+                  <m:oMath xmlns:m="http://schemas.openxmlformats.org/officeDocument/2006/math">
+                    <m:nary>
+                      <m:naryPr>
+                        <m:chr m:val="∑"/>
+                        <m:limLoc m:val="subSup"/>
+                        <m:ctrlPr>
+                          <a:rPr lang="en-GB" sz="1200" i="1" smtClean="0">
+                            <a:effectLst/>
+                            <a:latin typeface="Cambria Math" panose="02040503050406030204" pitchFamily="18" charset="0"/>
+                            <a:cs typeface="Calibri" panose="020F0502020204030204" pitchFamily="34" charset="0"/>
+                          </a:rPr>
+                        </m:ctrlPr>
+                      </m:naryPr>
+                      <m:sub>
+                        <m:r>
+                          <a:rPr lang="el-GR" sz="1200" i="1" kern="0">
+                            <a:effectLst/>
+                            <a:latin typeface="Cambria Math" panose="02040503050406030204" pitchFamily="18" charset="0"/>
+                            <a:ea typeface="Calibri" panose="020F0502020204030204" pitchFamily="34" charset="0"/>
+                            <a:cs typeface="Calibri" panose="020F0502020204030204" pitchFamily="34" charset="0"/>
+                          </a:rPr>
+                          <m:t>𝑗</m:t>
+                        </m:r>
+                        <m:r>
+                          <a:rPr lang="el-GR" sz="1200" i="1" kern="0">
+                            <a:effectLst/>
+                            <a:latin typeface="Cambria Math" panose="02040503050406030204" pitchFamily="18" charset="0"/>
+                            <a:ea typeface="Calibri" panose="020F0502020204030204" pitchFamily="34" charset="0"/>
+                            <a:cs typeface="Calibri" panose="020F0502020204030204" pitchFamily="34" charset="0"/>
+                          </a:rPr>
+                          <m:t>=1</m:t>
+                        </m:r>
+                      </m:sub>
+                      <m:sup>
+                        <m:r>
+                          <a:rPr lang="el-GR" sz="1200" i="1" kern="0">
+                            <a:effectLst/>
+                            <a:latin typeface="Cambria Math" panose="02040503050406030204" pitchFamily="18" charset="0"/>
+                            <a:ea typeface="Calibri" panose="020F0502020204030204" pitchFamily="34" charset="0"/>
+                            <a:cs typeface="Calibri" panose="020F0502020204030204" pitchFamily="34" charset="0"/>
+                          </a:rPr>
+                          <m:t>9</m:t>
+                        </m:r>
+                      </m:sup>
+                      <m:e>
+                        <m:sSub>
+                          <m:sSubPr>
+                            <m:ctrlPr>
+                              <a:rPr lang="en-GB" sz="1200" i="1">
+                                <a:effectLst/>
+                                <a:latin typeface="Cambria Math" panose="02040503050406030204" pitchFamily="18" charset="0"/>
+                                <a:cs typeface="Calibri" panose="020F0502020204030204" pitchFamily="34" charset="0"/>
+                              </a:rPr>
+                            </m:ctrlPr>
+                          </m:sSubPr>
+                          <m:e>
+                            <m:r>
+                              <a:rPr lang="el-GR" sz="1200" i="1" kern="0">
+                                <a:effectLst/>
+                                <a:latin typeface="Cambria Math" panose="02040503050406030204" pitchFamily="18" charset="0"/>
+                                <a:ea typeface="Calibri" panose="020F0502020204030204" pitchFamily="34" charset="0"/>
+                                <a:cs typeface="Calibri" panose="020F0502020204030204" pitchFamily="34" charset="0"/>
+                              </a:rPr>
+                              <m:t>𝑥</m:t>
+                            </m:r>
+                          </m:e>
+                          <m:sub>
+                            <m:r>
+                              <a:rPr lang="el-GR" sz="1200" i="1" kern="0">
+                                <a:effectLst/>
+                                <a:latin typeface="Cambria Math" panose="02040503050406030204" pitchFamily="18" charset="0"/>
+                                <a:ea typeface="Calibri" panose="020F0502020204030204" pitchFamily="34" charset="0"/>
+                                <a:cs typeface="Calibri" panose="020F0502020204030204" pitchFamily="34" charset="0"/>
+                              </a:rPr>
+                              <m:t>𝑖𝑗𝑘</m:t>
+                            </m:r>
+                          </m:sub>
+                        </m:sSub>
+                        <m:r>
+                          <a:rPr lang="el-GR" sz="1200" i="1" kern="0">
+                            <a:effectLst/>
+                            <a:latin typeface="Cambria Math" panose="02040503050406030204" pitchFamily="18" charset="0"/>
+                            <a:ea typeface="Calibri" panose="020F0502020204030204" pitchFamily="34" charset="0"/>
+                            <a:cs typeface="Calibri" panose="020F0502020204030204" pitchFamily="34" charset="0"/>
+                          </a:rPr>
+                          <m:t>=1, ∀</m:t>
+                        </m:r>
+                        <m:r>
+                          <a:rPr lang="el-GR" sz="1200" i="1" kern="0">
+                            <a:effectLst/>
+                            <a:latin typeface="Cambria Math" panose="02040503050406030204" pitchFamily="18" charset="0"/>
+                            <a:ea typeface="Calibri" panose="020F0502020204030204" pitchFamily="34" charset="0"/>
+                            <a:cs typeface="Calibri" panose="020F0502020204030204" pitchFamily="34" charset="0"/>
+                          </a:rPr>
+                          <m:t>𝑖</m:t>
+                        </m:r>
+                        <m:r>
+                          <a:rPr lang="el-GR" sz="1200" i="1" kern="0">
+                            <a:effectLst/>
+                            <a:latin typeface="Cambria Math" panose="02040503050406030204" pitchFamily="18" charset="0"/>
+                            <a:ea typeface="Calibri" panose="020F0502020204030204" pitchFamily="34" charset="0"/>
+                            <a:cs typeface="Calibri" panose="020F0502020204030204" pitchFamily="34" charset="0"/>
+                          </a:rPr>
+                          <m:t>,</m:t>
+                        </m:r>
+                        <m:r>
+                          <a:rPr lang="el-GR" sz="1200" i="1" kern="0">
+                            <a:effectLst/>
+                            <a:latin typeface="Cambria Math" panose="02040503050406030204" pitchFamily="18" charset="0"/>
+                            <a:ea typeface="Calibri" panose="020F0502020204030204" pitchFamily="34" charset="0"/>
+                            <a:cs typeface="Calibri" panose="020F0502020204030204" pitchFamily="34" charset="0"/>
+                          </a:rPr>
+                          <m:t>𝑘</m:t>
+                        </m:r>
+                      </m:e>
+                    </m:nary>
+                  </m:oMath>
+                </a14:m>
+                <a:r>
+                  <a:rPr lang="en-GB" sz="1200" dirty="0">
+                    <a:effectLst/>
+                  </a:rPr>
+                  <a:t> </a:t>
+                </a:r>
+                <a:endParaRPr lang="en-GB" sz="1200" dirty="0">
+                  <a:effectLst/>
+                  <a:latin typeface="Calibri" panose="020F0502020204030204" pitchFamily="34" charset="0"/>
+                  <a:ea typeface="Calibri" panose="020F0502020204030204" pitchFamily="34" charset="0"/>
+                  <a:cs typeface="Calibri" panose="020F0502020204030204" pitchFamily="34" charset="0"/>
+                </a:endParaRPr>
+              </a:p>
+              <a:p>
+                <a:pPr lvl="0" algn="just"/>
+                <a:r>
+                  <a:rPr lang="el-GR" sz="1200" b="1" dirty="0">
+                    <a:solidFill>
+                      <a:schemeClr val="bg1">
+                        <a:lumMod val="50000"/>
+                        <a:lumOff val="50000"/>
+                      </a:schemeClr>
+                    </a:solidFill>
+                    <a:effectLst/>
+                    <a:latin typeface="Calibri" panose="020F0502020204030204" pitchFamily="34" charset="0"/>
+                    <a:ea typeface="Calibri" panose="020F0502020204030204" pitchFamily="34" charset="0"/>
+                    <a:cs typeface="Calibri" panose="020F0502020204030204" pitchFamily="34" charset="0"/>
+                  </a:rPr>
+                  <a:t>Περιορισμοί στήλης:</a:t>
+                </a:r>
+                <a:r>
+                  <a:rPr lang="el-GR" sz="1200" dirty="0">
+                    <a:solidFill>
+                      <a:schemeClr val="bg1">
+                        <a:lumMod val="50000"/>
+                        <a:lumOff val="50000"/>
+                      </a:schemeClr>
+                    </a:solidFill>
+                    <a:effectLst/>
+                    <a:latin typeface="Calibri" panose="020F0502020204030204" pitchFamily="34" charset="0"/>
+                    <a:ea typeface="Calibri" panose="020F0502020204030204" pitchFamily="34" charset="0"/>
+                    <a:cs typeface="Calibri" panose="020F0502020204030204" pitchFamily="34" charset="0"/>
+                  </a:rPr>
+                  <a:t> </a:t>
+                </a:r>
+                <a:r>
+                  <a:rPr lang="el-GR" sz="1200" dirty="0">
+                    <a:effectLst/>
+                    <a:latin typeface="Calibri" panose="020F0502020204030204" pitchFamily="34" charset="0"/>
+                    <a:ea typeface="Calibri" panose="020F0502020204030204" pitchFamily="34" charset="0"/>
+                    <a:cs typeface="Calibri" panose="020F0502020204030204" pitchFamily="34" charset="0"/>
+                  </a:rPr>
+                  <a:t>Βεβαιωθείτε ότι κάθε ψηφίο εμφανίζεται ακριβώς μία φορά σε κάθε στήλη, παρόμοια με τους περιορισμούς σειρών.</a:t>
+                </a:r>
+                <a:endParaRPr lang="en-US" sz="1200" dirty="0">
+                  <a:latin typeface="Calibri" panose="020F0502020204030204" pitchFamily="34" charset="0"/>
+                  <a:ea typeface="Calibri" panose="020F0502020204030204" pitchFamily="34" charset="0"/>
+                  <a:cs typeface="Calibri" panose="020F0502020204030204" pitchFamily="34" charset="0"/>
+                </a:endParaRPr>
+              </a:p>
+              <a:p>
+                <a:pPr lvl="0" algn="just"/>
+                <a14:m>
+                  <m:oMath xmlns:m="http://schemas.openxmlformats.org/officeDocument/2006/math">
+                    <m:nary>
+                      <m:naryPr>
+                        <m:chr m:val="∑"/>
+                        <m:limLoc m:val="subSup"/>
+                        <m:ctrlPr>
+                          <a:rPr lang="en-GB" sz="1200" i="1" smtClean="0">
+                            <a:effectLst/>
+                            <a:latin typeface="Cambria Math" panose="02040503050406030204" pitchFamily="18" charset="0"/>
+                            <a:cs typeface="Calibri" panose="020F0502020204030204" pitchFamily="34" charset="0"/>
+                          </a:rPr>
+                        </m:ctrlPr>
+                      </m:naryPr>
+                      <m:sub>
+                        <m:r>
+                          <a:rPr lang="el-GR" sz="1200" i="1" kern="0">
+                            <a:effectLst/>
+                            <a:latin typeface="Cambria Math" panose="02040503050406030204" pitchFamily="18" charset="0"/>
+                            <a:ea typeface="Calibri" panose="020F0502020204030204" pitchFamily="34" charset="0"/>
+                            <a:cs typeface="Calibri" panose="020F0502020204030204" pitchFamily="34" charset="0"/>
+                          </a:rPr>
+                          <m:t>𝑖</m:t>
+                        </m:r>
+                        <m:r>
+                          <a:rPr lang="el-GR" sz="1200" i="1" kern="0">
+                            <a:effectLst/>
+                            <a:latin typeface="Cambria Math" panose="02040503050406030204" pitchFamily="18" charset="0"/>
+                            <a:ea typeface="Calibri" panose="020F0502020204030204" pitchFamily="34" charset="0"/>
+                            <a:cs typeface="Calibri" panose="020F0502020204030204" pitchFamily="34" charset="0"/>
+                          </a:rPr>
+                          <m:t>=1</m:t>
+                        </m:r>
+                      </m:sub>
+                      <m:sup>
+                        <m:r>
+                          <a:rPr lang="el-GR" sz="1200" i="1" kern="0">
+                            <a:effectLst/>
+                            <a:latin typeface="Cambria Math" panose="02040503050406030204" pitchFamily="18" charset="0"/>
+                            <a:ea typeface="Calibri" panose="020F0502020204030204" pitchFamily="34" charset="0"/>
+                            <a:cs typeface="Calibri" panose="020F0502020204030204" pitchFamily="34" charset="0"/>
+                          </a:rPr>
+                          <m:t>9</m:t>
+                        </m:r>
+                      </m:sup>
+                      <m:e>
+                        <m:sSub>
+                          <m:sSubPr>
+                            <m:ctrlPr>
+                              <a:rPr lang="en-GB" sz="1200" i="1">
+                                <a:effectLst/>
+                                <a:latin typeface="Cambria Math" panose="02040503050406030204" pitchFamily="18" charset="0"/>
+                                <a:cs typeface="Calibri" panose="020F0502020204030204" pitchFamily="34" charset="0"/>
+                              </a:rPr>
+                            </m:ctrlPr>
+                          </m:sSubPr>
+                          <m:e>
+                            <m:r>
+                              <a:rPr lang="el-GR" sz="1200" i="1" kern="0">
+                                <a:effectLst/>
+                                <a:latin typeface="Cambria Math" panose="02040503050406030204" pitchFamily="18" charset="0"/>
+                                <a:ea typeface="Calibri" panose="020F0502020204030204" pitchFamily="34" charset="0"/>
+                                <a:cs typeface="Calibri" panose="020F0502020204030204" pitchFamily="34" charset="0"/>
+                              </a:rPr>
+                              <m:t>𝑥</m:t>
+                            </m:r>
+                          </m:e>
+                          <m:sub>
+                            <m:r>
+                              <a:rPr lang="el-GR" sz="1200" i="1" kern="0">
+                                <a:effectLst/>
+                                <a:latin typeface="Cambria Math" panose="02040503050406030204" pitchFamily="18" charset="0"/>
+                                <a:ea typeface="Calibri" panose="020F0502020204030204" pitchFamily="34" charset="0"/>
+                                <a:cs typeface="Calibri" panose="020F0502020204030204" pitchFamily="34" charset="0"/>
+                              </a:rPr>
+                              <m:t>𝑖𝑗𝑘</m:t>
+                            </m:r>
+                          </m:sub>
+                        </m:sSub>
+                        <m:r>
+                          <a:rPr lang="el-GR" sz="1200" i="1" kern="0">
+                            <a:effectLst/>
+                            <a:latin typeface="Cambria Math" panose="02040503050406030204" pitchFamily="18" charset="0"/>
+                            <a:ea typeface="Calibri" panose="020F0502020204030204" pitchFamily="34" charset="0"/>
+                            <a:cs typeface="Calibri" panose="020F0502020204030204" pitchFamily="34" charset="0"/>
+                          </a:rPr>
+                          <m:t>=1, ∀</m:t>
+                        </m:r>
+                        <m:r>
+                          <a:rPr lang="el-GR" sz="1200" i="1" kern="0">
+                            <a:effectLst/>
+                            <a:latin typeface="Cambria Math" panose="02040503050406030204" pitchFamily="18" charset="0"/>
+                            <a:ea typeface="Calibri" panose="020F0502020204030204" pitchFamily="34" charset="0"/>
+                            <a:cs typeface="Calibri" panose="020F0502020204030204" pitchFamily="34" charset="0"/>
+                          </a:rPr>
+                          <m:t>𝑗</m:t>
+                        </m:r>
+                        <m:r>
+                          <a:rPr lang="el-GR" sz="1200" i="1" kern="0">
+                            <a:effectLst/>
+                            <a:latin typeface="Cambria Math" panose="02040503050406030204" pitchFamily="18" charset="0"/>
+                            <a:ea typeface="Calibri" panose="020F0502020204030204" pitchFamily="34" charset="0"/>
+                            <a:cs typeface="Calibri" panose="020F0502020204030204" pitchFamily="34" charset="0"/>
+                          </a:rPr>
+                          <m:t>,</m:t>
+                        </m:r>
+                        <m:r>
+                          <a:rPr lang="el-GR" sz="1200" i="1" kern="0">
+                            <a:effectLst/>
+                            <a:latin typeface="Cambria Math" panose="02040503050406030204" pitchFamily="18" charset="0"/>
+                            <a:ea typeface="Calibri" panose="020F0502020204030204" pitchFamily="34" charset="0"/>
+                            <a:cs typeface="Calibri" panose="020F0502020204030204" pitchFamily="34" charset="0"/>
+                          </a:rPr>
+                          <m:t>𝑘</m:t>
+                        </m:r>
+                      </m:e>
+                    </m:nary>
+                  </m:oMath>
+                </a14:m>
+                <a:r>
+                  <a:rPr lang="en-GB" sz="1200" dirty="0">
+                    <a:effectLst/>
+                  </a:rPr>
+                  <a:t> </a:t>
+                </a:r>
+                <a:endParaRPr lang="en-US" sz="1200" dirty="0">
+                  <a:effectLst/>
+                  <a:latin typeface="Calibri" panose="020F0502020204030204" pitchFamily="34" charset="0"/>
+                  <a:ea typeface="Calibri" panose="020F0502020204030204" pitchFamily="34" charset="0"/>
+                  <a:cs typeface="Calibri" panose="020F0502020204030204" pitchFamily="34" charset="0"/>
+                </a:endParaRPr>
+              </a:p>
+              <a:p>
+                <a:pPr lvl="0" algn="just"/>
+                <a:r>
+                  <a:rPr lang="el-GR" sz="1200" b="1" dirty="0">
+                    <a:solidFill>
+                      <a:schemeClr val="bg1">
+                        <a:lumMod val="50000"/>
+                        <a:lumOff val="50000"/>
+                      </a:schemeClr>
+                    </a:solidFill>
+                    <a:effectLst/>
+                    <a:latin typeface="Calibri" panose="020F0502020204030204" pitchFamily="34" charset="0"/>
+                    <a:ea typeface="Calibri" panose="020F0502020204030204" pitchFamily="34" charset="0"/>
+                    <a:cs typeface="Calibri" panose="020F0502020204030204" pitchFamily="34" charset="0"/>
+                  </a:rPr>
+                  <a:t>Περιορισμοί πλαισίου:</a:t>
+                </a:r>
+                <a:r>
+                  <a:rPr lang="el-GR" sz="1200" dirty="0">
+                    <a:solidFill>
+                      <a:schemeClr val="bg1">
+                        <a:lumMod val="50000"/>
+                        <a:lumOff val="50000"/>
+                      </a:schemeClr>
+                    </a:solidFill>
+                    <a:effectLst/>
+                    <a:latin typeface="Calibri" panose="020F0502020204030204" pitchFamily="34" charset="0"/>
+                    <a:ea typeface="Calibri" panose="020F0502020204030204" pitchFamily="34" charset="0"/>
+                    <a:cs typeface="Calibri" panose="020F0502020204030204" pitchFamily="34" charset="0"/>
+                  </a:rPr>
+                  <a:t> </a:t>
+                </a:r>
+                <a:r>
+                  <a:rPr lang="el-GR" sz="1200" dirty="0">
+                    <a:effectLst/>
+                    <a:latin typeface="Calibri" panose="020F0502020204030204" pitchFamily="34" charset="0"/>
+                    <a:ea typeface="Calibri" panose="020F0502020204030204" pitchFamily="34" charset="0"/>
+                    <a:cs typeface="Calibri" panose="020F0502020204030204" pitchFamily="34" charset="0"/>
+                  </a:rPr>
+                  <a:t>Βεβαιωθείτε ότι κάθε ψηφίο εμφανίζεται ακριβώς μία φορά σε κάθε πλαίσιο 3x3 (υποπλέγμα), παρόμοια με τους περιορισμούς σειρών και στηλών.</a:t>
+                </a:r>
+                <a:endParaRPr lang="en-US" sz="1200" dirty="0">
+                  <a:latin typeface="Calibri" panose="020F0502020204030204" pitchFamily="34" charset="0"/>
+                  <a:ea typeface="Calibri" panose="020F0502020204030204" pitchFamily="34" charset="0"/>
+                  <a:cs typeface="Calibri" panose="020F0502020204030204" pitchFamily="34" charset="0"/>
+                </a:endParaRPr>
+              </a:p>
+              <a:p>
+                <a:pPr lvl="0" algn="just"/>
+                <a14:m>
+                  <m:oMath xmlns:m="http://schemas.openxmlformats.org/officeDocument/2006/math">
+                    <m:nary>
+                      <m:naryPr>
+                        <m:chr m:val="∑"/>
+                        <m:limLoc m:val="subSup"/>
+                        <m:ctrlPr>
+                          <a:rPr lang="en-GB" sz="1200" i="1" smtClean="0">
+                            <a:effectLst/>
+                            <a:latin typeface="Cambria Math" panose="02040503050406030204" pitchFamily="18" charset="0"/>
+                            <a:cs typeface="Calibri" panose="020F0502020204030204" pitchFamily="34" charset="0"/>
+                          </a:rPr>
+                        </m:ctrlPr>
+                      </m:naryPr>
+                      <m:sub>
+                        <m:r>
+                          <a:rPr lang="el-GR" sz="1200" i="1" kern="0">
+                            <a:effectLst/>
+                            <a:latin typeface="Cambria Math" panose="02040503050406030204" pitchFamily="18" charset="0"/>
+                            <a:ea typeface="Calibri" panose="020F0502020204030204" pitchFamily="34" charset="0"/>
+                            <a:cs typeface="Calibri" panose="020F0502020204030204" pitchFamily="34" charset="0"/>
+                          </a:rPr>
+                          <m:t>𝑖</m:t>
+                        </m:r>
+                        <m:r>
+                          <a:rPr lang="el-GR" sz="1200" i="1" kern="0">
+                            <a:effectLst/>
+                            <a:latin typeface="Cambria Math" panose="02040503050406030204" pitchFamily="18" charset="0"/>
+                            <a:ea typeface="Calibri" panose="020F0502020204030204" pitchFamily="34" charset="0"/>
+                            <a:cs typeface="Calibri" panose="020F0502020204030204" pitchFamily="34" charset="0"/>
+                          </a:rPr>
+                          <m:t>=1</m:t>
+                        </m:r>
+                      </m:sub>
+                      <m:sup>
+                        <m:r>
+                          <a:rPr lang="el-GR" sz="1200" i="1" kern="0">
+                            <a:effectLst/>
+                            <a:latin typeface="Cambria Math" panose="02040503050406030204" pitchFamily="18" charset="0"/>
+                            <a:ea typeface="Calibri" panose="020F0502020204030204" pitchFamily="34" charset="0"/>
+                            <a:cs typeface="Calibri" panose="020F0502020204030204" pitchFamily="34" charset="0"/>
+                          </a:rPr>
+                          <m:t>9</m:t>
+                        </m:r>
+                      </m:sup>
+                      <m:e>
+                        <m:sSub>
+                          <m:sSubPr>
+                            <m:ctrlPr>
+                              <a:rPr lang="en-GB" sz="1200" i="1">
+                                <a:effectLst/>
+                                <a:latin typeface="Cambria Math" panose="02040503050406030204" pitchFamily="18" charset="0"/>
+                                <a:cs typeface="Calibri" panose="020F0502020204030204" pitchFamily="34" charset="0"/>
+                              </a:rPr>
+                            </m:ctrlPr>
+                          </m:sSubPr>
+                          <m:e>
+                            <m:r>
+                              <a:rPr lang="el-GR" sz="1200" i="1" kern="0">
+                                <a:effectLst/>
+                                <a:latin typeface="Cambria Math" panose="02040503050406030204" pitchFamily="18" charset="0"/>
+                                <a:ea typeface="Calibri" panose="020F0502020204030204" pitchFamily="34" charset="0"/>
+                                <a:cs typeface="Calibri" panose="020F0502020204030204" pitchFamily="34" charset="0"/>
+                              </a:rPr>
+                              <m:t>𝑥</m:t>
+                            </m:r>
+                          </m:e>
+                          <m:sub>
+                            <m:r>
+                              <a:rPr lang="el-GR" sz="1200" i="1" kern="0">
+                                <a:effectLst/>
+                                <a:latin typeface="Cambria Math" panose="02040503050406030204" pitchFamily="18" charset="0"/>
+                                <a:ea typeface="Calibri" panose="020F0502020204030204" pitchFamily="34" charset="0"/>
+                                <a:cs typeface="Calibri" panose="020F0502020204030204" pitchFamily="34" charset="0"/>
+                              </a:rPr>
+                              <m:t>𝑖𝑗𝑘</m:t>
+                            </m:r>
+                          </m:sub>
+                        </m:sSub>
+                        <m:r>
+                          <a:rPr lang="el-GR" sz="1200" i="1" kern="0">
+                            <a:effectLst/>
+                            <a:latin typeface="Cambria Math" panose="02040503050406030204" pitchFamily="18" charset="0"/>
+                            <a:ea typeface="Calibri" panose="020F0502020204030204" pitchFamily="34" charset="0"/>
+                            <a:cs typeface="Calibri" panose="020F0502020204030204" pitchFamily="34" charset="0"/>
+                          </a:rPr>
+                          <m:t>=1, ∀</m:t>
+                        </m:r>
+                        <m:r>
+                          <a:rPr lang="el-GR" sz="1200" i="1" kern="0">
+                            <a:effectLst/>
+                            <a:latin typeface="Cambria Math" panose="02040503050406030204" pitchFamily="18" charset="0"/>
+                            <a:ea typeface="Calibri" panose="020F0502020204030204" pitchFamily="34" charset="0"/>
+                            <a:cs typeface="Calibri" panose="020F0502020204030204" pitchFamily="34" charset="0"/>
+                          </a:rPr>
+                          <m:t>𝑗</m:t>
+                        </m:r>
+                        <m:r>
+                          <a:rPr lang="el-GR" sz="1200" i="1" kern="0">
+                            <a:effectLst/>
+                            <a:latin typeface="Cambria Math" panose="02040503050406030204" pitchFamily="18" charset="0"/>
+                            <a:ea typeface="Calibri" panose="020F0502020204030204" pitchFamily="34" charset="0"/>
+                            <a:cs typeface="Calibri" panose="020F0502020204030204" pitchFamily="34" charset="0"/>
+                          </a:rPr>
+                          <m:t>,</m:t>
+                        </m:r>
+                        <m:r>
+                          <a:rPr lang="el-GR" sz="1200" i="1" kern="0">
+                            <a:effectLst/>
+                            <a:latin typeface="Cambria Math" panose="02040503050406030204" pitchFamily="18" charset="0"/>
+                            <a:ea typeface="Calibri" panose="020F0502020204030204" pitchFamily="34" charset="0"/>
+                            <a:cs typeface="Calibri" panose="020F0502020204030204" pitchFamily="34" charset="0"/>
+                          </a:rPr>
+                          <m:t>𝑘</m:t>
+                        </m:r>
+                      </m:e>
+                    </m:nary>
+                  </m:oMath>
+                </a14:m>
+                <a:r>
+                  <a:rPr lang="en-GB" sz="1200" dirty="0">
+                    <a:effectLst/>
+                  </a:rPr>
+                  <a:t> </a:t>
+                </a:r>
+                <a:endParaRPr lang="en-GB" sz="1200" dirty="0">
+                  <a:effectLst/>
+                  <a:latin typeface="Calibri" panose="020F0502020204030204" pitchFamily="34" charset="0"/>
+                  <a:ea typeface="Calibri" panose="020F0502020204030204" pitchFamily="34" charset="0"/>
+                  <a:cs typeface="Calibri" panose="020F0502020204030204" pitchFamily="34" charset="0"/>
+                </a:endParaRPr>
+              </a:p>
+            </p:txBody>
+          </p:sp>
+        </mc:Choice>
+        <mc:Fallback>
+          <p:sp>
+            <p:nvSpPr>
+              <p:cNvPr id="11" name="TextBox 10">
+                <a:extLst>
+                  <a:ext uri="{FF2B5EF4-FFF2-40B4-BE49-F238E27FC236}">
+                    <a16:creationId xmlns:a16="http://schemas.microsoft.com/office/drawing/2014/main" id="{7D613EF6-11F1-33F9-2299-B038A5B68C06}"/>
+                  </a:ext>
+                </a:extLst>
+              </p:cNvPr>
+              <p:cNvSpPr txBox="1">
+                <a:spLocks noRot="1" noChangeAspect="1" noMove="1" noResize="1" noEditPoints="1" noAdjustHandles="1" noChangeArrowheads="1" noChangeShapeType="1" noTextEdit="1"/>
+              </p:cNvSpPr>
+              <p:nvPr/>
+            </p:nvSpPr>
+            <p:spPr>
+              <a:xfrm>
+                <a:off x="986066" y="3615668"/>
+                <a:ext cx="7291950" cy="2784032"/>
+              </a:xfrm>
+              <a:prstGeom prst="rect">
+                <a:avLst/>
+              </a:prstGeom>
+              <a:blipFill>
+                <a:blip r:embed="rId4"/>
+                <a:stretch>
+                  <a:fillRect l="-2609" b="-14480"/>
+                </a:stretch>
+              </a:blipFill>
+            </p:spPr>
+            <p:txBody>
+              <a:bodyPr/>
+              <a:lstStyle/>
+              <a:p>
+                <a:r>
+                  <a:rPr lang="en-US">
+                    <a:noFill/>
+                  </a:rPr>
+                  <a:t> </a:t>
+                </a:r>
+              </a:p>
+            </p:txBody>
+          </p:sp>
+        </mc:Fallback>
+      </mc:AlternateContent>
+      <mc:AlternateContent xmlns:mc="http://schemas.openxmlformats.org/markup-compatibility/2006">
+        <mc:Choice xmlns:a14="http://schemas.microsoft.com/office/drawing/2010/main" Requires="a14">
+          <p:sp>
+            <p:nvSpPr>
+              <p:cNvPr id="3" name="TextBox 2">
+                <a:extLst>
+                  <a:ext uri="{FF2B5EF4-FFF2-40B4-BE49-F238E27FC236}">
+                    <a16:creationId xmlns:a16="http://schemas.microsoft.com/office/drawing/2014/main" id="{BC0CC4FD-58B5-9DAA-709D-58E54F2EC3F7}"/>
+                  </a:ext>
+                </a:extLst>
+              </p:cNvPr>
+              <p:cNvSpPr txBox="1"/>
+              <p:nvPr/>
+            </p:nvSpPr>
+            <p:spPr>
+              <a:xfrm>
+                <a:off x="8354938" y="2943165"/>
+                <a:ext cx="2922215" cy="2862322"/>
+              </a:xfrm>
+              <a:prstGeom prst="rect">
+                <a:avLst/>
+              </a:prstGeom>
+              <a:noFill/>
+            </p:spPr>
+            <p:txBody>
+              <a:bodyPr wrap="square" rtlCol="0">
+                <a:spAutoFit/>
+              </a:bodyPr>
+              <a:lstStyle/>
+              <a:p>
+                <a:pPr marL="342900" lvl="0" indent="-342900" algn="just">
+                  <a:buFont typeface="Arial" panose="020B0604020202020204" pitchFamily="34" charset="0"/>
+                  <a:buChar char="•"/>
+                </a:pPr>
+                <a:r>
+                  <a:rPr lang="el-GR" sz="1200" b="1" dirty="0">
+                    <a:solidFill>
+                      <a:schemeClr val="tx1">
+                        <a:lumMod val="75000"/>
+                      </a:schemeClr>
+                    </a:solidFill>
+                    <a:effectLst/>
+                    <a:latin typeface="Calibri" panose="020F0502020204030204" pitchFamily="34" charset="0"/>
+                    <a:ea typeface="Calibri" panose="020F0502020204030204" pitchFamily="34" charset="0"/>
+                    <a:cs typeface="Calibri" panose="020F0502020204030204" pitchFamily="34" charset="0"/>
+                  </a:rPr>
+                  <a:t>Αντικειμενική συνάρτηση:</a:t>
+                </a:r>
+                <a:endParaRPr lang="en-GB" sz="1200" dirty="0">
+                  <a:solidFill>
+                    <a:schemeClr val="tx1">
+                      <a:lumMod val="75000"/>
+                    </a:schemeClr>
+                  </a:solidFill>
+                  <a:effectLst/>
+                  <a:latin typeface="Calibri" panose="020F0502020204030204" pitchFamily="34" charset="0"/>
+                  <a:ea typeface="Calibri" panose="020F0502020204030204" pitchFamily="34" charset="0"/>
+                  <a:cs typeface="Times New Roman" panose="02020603050405020304" pitchFamily="18" charset="0"/>
+                </a:endParaRPr>
+              </a:p>
+              <a:p>
+                <a:pPr algn="just"/>
+                <a:r>
+                  <a:rPr lang="el-GR" sz="1200" dirty="0">
+                    <a:effectLst/>
+                    <a:latin typeface="Calibri" panose="020F0502020204030204" pitchFamily="34" charset="0"/>
+                    <a:ea typeface="Times New Roman" panose="02020603050405020304" pitchFamily="18" charset="0"/>
+                  </a:rPr>
+                  <a:t>Στην περίπτωση του </a:t>
+                </a:r>
+                <a:r>
+                  <a:rPr lang="en-GB" sz="1200" dirty="0">
+                    <a:effectLst/>
+                    <a:latin typeface="Calibri" panose="020F0502020204030204" pitchFamily="34" charset="0"/>
+                    <a:ea typeface="Times New Roman" panose="02020603050405020304" pitchFamily="18" charset="0"/>
+                  </a:rPr>
+                  <a:t>Sudoku</a:t>
+                </a:r>
+                <a:r>
+                  <a:rPr lang="el-GR" sz="1200" dirty="0">
+                    <a:effectLst/>
+                    <a:latin typeface="Calibri" panose="020F0502020204030204" pitchFamily="34" charset="0"/>
+                    <a:ea typeface="Times New Roman" panose="02020603050405020304" pitchFamily="18" charset="0"/>
+                  </a:rPr>
+                  <a:t>, η αντικειμενική συνάρτηση είναι ασήμαντη, καθώς δεν επιδιώκουμε τη βελτιστοποίηση κάποιας ποσότητας αλλά την εύρεση μιας λύσης που ικανοποιεί όλους τους περιορισμούς. Για τη διατύπωση του προβλήματος ως </a:t>
+                </a:r>
+                <a:r>
+                  <a:rPr lang="en-GB" sz="1200" dirty="0">
+                    <a:effectLst/>
+                    <a:latin typeface="Calibri" panose="020F0502020204030204" pitchFamily="34" charset="0"/>
+                    <a:ea typeface="Times New Roman" panose="02020603050405020304" pitchFamily="18" charset="0"/>
+                  </a:rPr>
+                  <a:t>ILP</a:t>
+                </a:r>
+                <a:r>
+                  <a:rPr lang="el-GR" sz="1200" dirty="0">
+                    <a:effectLst/>
+                    <a:latin typeface="Calibri" panose="020F0502020204030204" pitchFamily="34" charset="0"/>
+                    <a:ea typeface="Times New Roman" panose="02020603050405020304" pitchFamily="18" charset="0"/>
+                  </a:rPr>
+                  <a:t>, μπορούμε να ορίσουμε μια αυθαίρετη αντικειμενική συνάρτηση, όπως η ελαχιστοποίηση του μηδενός:</a:t>
+                </a:r>
+                <a:endParaRPr lang="en-GB" sz="1200" dirty="0">
+                  <a:effectLst/>
+                  <a:latin typeface="Times New Roman" panose="02020603050405020304" pitchFamily="18" charset="0"/>
+                  <a:ea typeface="Times New Roman" panose="02020603050405020304" pitchFamily="18" charset="0"/>
+                </a:endParaRPr>
+              </a:p>
+              <a:p>
+                <a:pPr algn="just"/>
+                <a14:m>
+                  <m:oMathPara xmlns:m="http://schemas.openxmlformats.org/officeDocument/2006/math">
+                    <m:oMathParaPr>
+                      <m:jc m:val="centerGroup"/>
+                    </m:oMathParaPr>
+                    <m:oMath xmlns:m="http://schemas.openxmlformats.org/officeDocument/2006/math">
+                      <m:r>
+                        <a:rPr lang="en-US" sz="1200" i="1">
+                          <a:effectLst/>
+                          <a:latin typeface="Cambria Math" panose="02040503050406030204" pitchFamily="18" charset="0"/>
+                          <a:ea typeface="Times New Roman" panose="02020603050405020304" pitchFamily="18" charset="0"/>
+                          <a:cs typeface="Calibri" panose="020F0502020204030204" pitchFamily="34" charset="0"/>
+                        </a:rPr>
+                        <m:t>𝑚</m:t>
+                      </m:r>
+                      <m:r>
+                        <a:rPr lang="en-GB" sz="1200" i="1">
+                          <a:effectLst/>
+                          <a:latin typeface="Cambria Math" panose="02040503050406030204" pitchFamily="18" charset="0"/>
+                          <a:ea typeface="Times New Roman" panose="02020603050405020304" pitchFamily="18" charset="0"/>
+                          <a:cs typeface="Calibri" panose="020F0502020204030204" pitchFamily="34" charset="0"/>
+                        </a:rPr>
+                        <m:t>𝑖𝑛</m:t>
+                      </m:r>
+                      <m:r>
+                        <a:rPr lang="en-GB" sz="1200" i="1">
+                          <a:effectLst/>
+                          <a:latin typeface="Cambria Math" panose="02040503050406030204" pitchFamily="18" charset="0"/>
+                          <a:ea typeface="Times New Roman" panose="02020603050405020304" pitchFamily="18" charset="0"/>
+                          <a:cs typeface="Calibri" panose="020F0502020204030204" pitchFamily="34" charset="0"/>
+                        </a:rPr>
+                        <m:t> </m:t>
+                      </m:r>
+                      <m:r>
+                        <a:rPr lang="el-GR" sz="1200" i="1">
+                          <a:effectLst/>
+                          <a:latin typeface="Cambria Math" panose="02040503050406030204" pitchFamily="18" charset="0"/>
+                          <a:ea typeface="Times New Roman" panose="02020603050405020304" pitchFamily="18" charset="0"/>
+                          <a:cs typeface="Calibri" panose="020F0502020204030204" pitchFamily="34" charset="0"/>
+                        </a:rPr>
+                        <m:t>0</m:t>
+                      </m:r>
+                    </m:oMath>
+                  </m:oMathPara>
+                </a14:m>
+                <a:endParaRPr lang="en-GB" sz="1200" dirty="0">
+                  <a:effectLst/>
+                  <a:latin typeface="Times New Roman" panose="02020603050405020304" pitchFamily="18" charset="0"/>
+                  <a:ea typeface="Times New Roman" panose="02020603050405020304" pitchFamily="18" charset="0"/>
+                </a:endParaRPr>
+              </a:p>
+              <a:p>
+                <a:pPr algn="just"/>
+                <a:r>
+                  <a:rPr lang="el-GR" sz="1200" dirty="0">
+                    <a:effectLst/>
+                    <a:latin typeface="Calibri" panose="020F0502020204030204" pitchFamily="34" charset="0"/>
+                    <a:ea typeface="Times New Roman" panose="02020603050405020304" pitchFamily="18" charset="0"/>
+                  </a:rPr>
+                  <a:t>Αυτό απλά σημαίνει ότι ψάχνουμε για οποιαδήποτε εφικτή λύση που ικανοποιεί όλους τους περιορισμούς.</a:t>
+                </a:r>
+                <a:endParaRPr lang="en-GB" sz="1200" dirty="0">
+                  <a:effectLst/>
+                  <a:latin typeface="Times New Roman" panose="02020603050405020304" pitchFamily="18" charset="0"/>
+                  <a:ea typeface="Times New Roman" panose="02020603050405020304" pitchFamily="18" charset="0"/>
+                </a:endParaRPr>
+              </a:p>
+            </p:txBody>
+          </p:sp>
+        </mc:Choice>
+        <mc:Fallback>
+          <p:sp>
+            <p:nvSpPr>
+              <p:cNvPr id="3" name="TextBox 2">
+                <a:extLst>
+                  <a:ext uri="{FF2B5EF4-FFF2-40B4-BE49-F238E27FC236}">
+                    <a16:creationId xmlns:a16="http://schemas.microsoft.com/office/drawing/2014/main" id="{BC0CC4FD-58B5-9DAA-709D-58E54F2EC3F7}"/>
+                  </a:ext>
+                </a:extLst>
+              </p:cNvPr>
+              <p:cNvSpPr txBox="1">
+                <a:spLocks noRot="1" noChangeAspect="1" noMove="1" noResize="1" noEditPoints="1" noAdjustHandles="1" noChangeArrowheads="1" noChangeShapeType="1" noTextEdit="1"/>
+              </p:cNvSpPr>
+              <p:nvPr/>
+            </p:nvSpPr>
+            <p:spPr>
+              <a:xfrm>
+                <a:off x="8354938" y="2943165"/>
+                <a:ext cx="2922215" cy="2862322"/>
+              </a:xfrm>
+              <a:prstGeom prst="rect">
+                <a:avLst/>
+              </a:prstGeom>
+              <a:blipFill>
+                <a:blip r:embed="rId5"/>
+                <a:stretch>
+                  <a:fillRect l="-433" b="-885"/>
+                </a:stretch>
+              </a:blipFill>
+            </p:spPr>
+            <p:txBody>
+              <a:bodyPr/>
+              <a:lstStyle/>
+              <a:p>
+                <a:r>
+                  <a:rPr lang="en-US">
+                    <a:noFill/>
+                  </a:rPr>
+                  <a:t> </a:t>
+                </a:r>
+              </a:p>
+            </p:txBody>
+          </p:sp>
+        </mc:Fallback>
+      </mc:AlternateContent>
+      <mc:AlternateContent xmlns:mc="http://schemas.openxmlformats.org/markup-compatibility/2006">
+        <mc:Choice xmlns:a14="http://schemas.microsoft.com/office/drawing/2010/main" Requires="a14">
+          <p:sp>
+            <p:nvSpPr>
+              <p:cNvPr id="4" name="TextBox 3">
+                <a:extLst>
+                  <a:ext uri="{FF2B5EF4-FFF2-40B4-BE49-F238E27FC236}">
+                    <a16:creationId xmlns:a16="http://schemas.microsoft.com/office/drawing/2014/main" id="{199D1CAA-3AC7-972A-A925-2C5573E2722F}"/>
+                  </a:ext>
+                </a:extLst>
+              </p:cNvPr>
+              <p:cNvSpPr txBox="1"/>
+              <p:nvPr/>
+            </p:nvSpPr>
+            <p:spPr>
+              <a:xfrm>
+                <a:off x="986067" y="6512918"/>
+                <a:ext cx="6893212" cy="476541"/>
+              </a:xfrm>
+              <a:prstGeom prst="rect">
+                <a:avLst/>
+              </a:prstGeom>
+              <a:noFill/>
+            </p:spPr>
+            <p:txBody>
+              <a:bodyPr wrap="square" rtlCol="0">
+                <a:spAutoFit/>
+              </a:bodyPr>
+              <a:lstStyle/>
+              <a:p>
+                <a:pPr marL="342900" lvl="0" indent="-342900" algn="just">
+                  <a:buClr>
+                    <a:schemeClr val="tx1"/>
+                  </a:buClr>
+                  <a:buFont typeface="Arial" panose="020B0604020202020204" pitchFamily="34" charset="0"/>
+                  <a:buChar char="•"/>
+                </a:pPr>
+                <a:r>
+                  <a:rPr lang="el-GR" sz="1200" b="1" dirty="0">
+                    <a:solidFill>
+                      <a:schemeClr val="tx1">
+                        <a:lumMod val="75000"/>
+                      </a:schemeClr>
+                    </a:solidFill>
+                    <a:effectLst/>
+                    <a:latin typeface="Calibri" panose="020F0502020204030204" pitchFamily="34" charset="0"/>
+                    <a:ea typeface="Calibri" panose="020F0502020204030204" pitchFamily="34" charset="0"/>
+                    <a:cs typeface="Calibri" panose="020F0502020204030204" pitchFamily="34" charset="0"/>
+                  </a:rPr>
+                  <a:t>Δεδομένα Αρχικής Κατάστασης</a:t>
+                </a:r>
+                <a:r>
+                  <a:rPr lang="el-GR" sz="1200" dirty="0">
+                    <a:solidFill>
+                      <a:schemeClr val="tx1">
+                        <a:lumMod val="75000"/>
+                      </a:schemeClr>
+                    </a:solidFill>
+                    <a:latin typeface="Calibri" panose="020F0502020204030204" pitchFamily="34" charset="0"/>
+                    <a:ea typeface="Calibri" panose="020F0502020204030204" pitchFamily="34" charset="0"/>
+                    <a:cs typeface="Times New Roman" panose="02020603050405020304" pitchFamily="18" charset="0"/>
+                  </a:rPr>
+                  <a:t>: </a:t>
+                </a:r>
+                <a:r>
+                  <a:rPr lang="el-GR" sz="1200" dirty="0">
+                    <a:effectLst/>
+                    <a:latin typeface="Calibri" panose="020F0502020204030204" pitchFamily="34" charset="0"/>
+                    <a:ea typeface="Calibri" panose="020F0502020204030204" pitchFamily="34" charset="0"/>
+                    <a:cs typeface="Calibri" panose="020F0502020204030204" pitchFamily="34" charset="0"/>
+                  </a:rPr>
+                  <a:t>Αν έχουμε έναν αριθμό </a:t>
+                </a:r>
+                <a14:m>
+                  <m:oMath xmlns:m="http://schemas.openxmlformats.org/officeDocument/2006/math">
+                    <m:r>
+                      <a:rPr lang="en-US" sz="1200" i="1">
+                        <a:effectLst/>
+                        <a:latin typeface="Cambria Math" panose="02040503050406030204" pitchFamily="18" charset="0"/>
+                        <a:ea typeface="Calibri" panose="020F0502020204030204" pitchFamily="34" charset="0"/>
+                        <a:cs typeface="Calibri" panose="020F0502020204030204" pitchFamily="34" charset="0"/>
+                      </a:rPr>
+                      <m:t>𝑘</m:t>
+                    </m:r>
+                  </m:oMath>
+                </a14:m>
+                <a:r>
+                  <a:rPr lang="el-GR" sz="1200" dirty="0">
+                    <a:effectLst/>
+                    <a:latin typeface="Calibri" panose="020F0502020204030204" pitchFamily="34" charset="0"/>
+                    <a:ea typeface="Calibri" panose="020F0502020204030204" pitchFamily="34" charset="0"/>
+                    <a:cs typeface="Calibri" panose="020F0502020204030204" pitchFamily="34" charset="0"/>
+                  </a:rPr>
+                  <a:t> ήδη τοποθετημένο στο κελί </a:t>
+                </a:r>
+                <a14:m>
+                  <m:oMath xmlns:m="http://schemas.openxmlformats.org/officeDocument/2006/math">
+                    <m:r>
+                      <a:rPr lang="el-GR" sz="1200" i="1">
+                        <a:effectLst/>
+                        <a:latin typeface="Cambria Math" panose="02040503050406030204" pitchFamily="18" charset="0"/>
+                        <a:ea typeface="Calibri" panose="020F0502020204030204" pitchFamily="34" charset="0"/>
+                        <a:cs typeface="Calibri" panose="020F0502020204030204" pitchFamily="34" charset="0"/>
+                      </a:rPr>
+                      <m:t>(</m:t>
+                    </m:r>
+                    <m:r>
+                      <a:rPr lang="en-US" sz="1200" i="1">
+                        <a:effectLst/>
+                        <a:latin typeface="Cambria Math" panose="02040503050406030204" pitchFamily="18" charset="0"/>
+                        <a:ea typeface="Calibri" panose="020F0502020204030204" pitchFamily="34" charset="0"/>
+                        <a:cs typeface="Calibri" panose="020F0502020204030204" pitchFamily="34" charset="0"/>
+                      </a:rPr>
+                      <m:t>𝑖</m:t>
+                    </m:r>
+                    <m:r>
+                      <a:rPr lang="el-GR" sz="1200" i="1">
+                        <a:effectLst/>
+                        <a:latin typeface="Cambria Math" panose="02040503050406030204" pitchFamily="18" charset="0"/>
+                        <a:ea typeface="Calibri" panose="020F0502020204030204" pitchFamily="34" charset="0"/>
+                        <a:cs typeface="Calibri" panose="020F0502020204030204" pitchFamily="34" charset="0"/>
+                      </a:rPr>
+                      <m:t>,</m:t>
+                    </m:r>
+                    <m:r>
+                      <a:rPr lang="en-US" sz="1200" i="1">
+                        <a:effectLst/>
+                        <a:latin typeface="Cambria Math" panose="02040503050406030204" pitchFamily="18" charset="0"/>
+                        <a:ea typeface="Calibri" panose="020F0502020204030204" pitchFamily="34" charset="0"/>
+                        <a:cs typeface="Calibri" panose="020F0502020204030204" pitchFamily="34" charset="0"/>
+                      </a:rPr>
+                      <m:t>𝑗</m:t>
+                    </m:r>
+                    <m:r>
+                      <a:rPr lang="el-GR" sz="1200" i="1">
+                        <a:effectLst/>
+                        <a:latin typeface="Cambria Math" panose="02040503050406030204" pitchFamily="18" charset="0"/>
+                        <a:ea typeface="Calibri" panose="020F0502020204030204" pitchFamily="34" charset="0"/>
+                        <a:cs typeface="Calibri" panose="020F0502020204030204" pitchFamily="34" charset="0"/>
+                      </a:rPr>
+                      <m:t>)</m:t>
+                    </m:r>
+                  </m:oMath>
+                </a14:m>
+                <a:r>
+                  <a:rPr lang="el-GR" sz="1200" dirty="0">
+                    <a:effectLst/>
+                    <a:latin typeface="Calibri" panose="020F0502020204030204" pitchFamily="34" charset="0"/>
+                    <a:ea typeface="Calibri" panose="020F0502020204030204" pitchFamily="34" charset="0"/>
+                    <a:cs typeface="Calibri" panose="020F0502020204030204" pitchFamily="34" charset="0"/>
+                  </a:rPr>
+                  <a:t>:</a:t>
+                </a:r>
+                <a:r>
+                  <a:rPr lang="el-GR" sz="1200" dirty="0">
+                    <a:latin typeface="Calibri" panose="020F0502020204030204" pitchFamily="34" charset="0"/>
+                    <a:ea typeface="Calibri" panose="020F0502020204030204" pitchFamily="34" charset="0"/>
+                    <a:cs typeface="Times New Roman" panose="02020603050405020304" pitchFamily="18" charset="0"/>
+                  </a:rPr>
+                  <a:t> </a:t>
+                </a:r>
+                <a14:m>
+                  <m:oMath xmlns:m="http://schemas.openxmlformats.org/officeDocument/2006/math">
+                    <m:sSub>
+                      <m:sSubPr>
+                        <m:ctrlPr>
+                          <a:rPr lang="en-GB" sz="1200" i="1">
+                            <a:effectLst/>
+                            <a:latin typeface="Cambria Math" panose="02040503050406030204" pitchFamily="18" charset="0"/>
+                            <a:ea typeface="Calibri" panose="020F0502020204030204" pitchFamily="34" charset="0"/>
+                            <a:cs typeface="Calibri" panose="020F0502020204030204" pitchFamily="34" charset="0"/>
+                          </a:rPr>
+                        </m:ctrlPr>
+                      </m:sSubPr>
+                      <m:e>
+                        <m:r>
+                          <a:rPr lang="el-GR" sz="1200" i="1">
+                            <a:effectLst/>
+                            <a:latin typeface="Cambria Math" panose="02040503050406030204" pitchFamily="18" charset="0"/>
+                            <a:ea typeface="Calibri" panose="020F0502020204030204" pitchFamily="34" charset="0"/>
+                            <a:cs typeface="Calibri" panose="020F0502020204030204" pitchFamily="34" charset="0"/>
+                          </a:rPr>
+                          <m:t>𝑥</m:t>
+                        </m:r>
+                      </m:e>
+                      <m:sub>
+                        <m:r>
+                          <a:rPr lang="el-GR" sz="1200" i="1">
+                            <a:effectLst/>
+                            <a:latin typeface="Cambria Math" panose="02040503050406030204" pitchFamily="18" charset="0"/>
+                            <a:ea typeface="Calibri" panose="020F0502020204030204" pitchFamily="34" charset="0"/>
+                            <a:cs typeface="Calibri" panose="020F0502020204030204" pitchFamily="34" charset="0"/>
+                          </a:rPr>
+                          <m:t>𝑖𝑗𝑘</m:t>
+                        </m:r>
+                      </m:sub>
+                    </m:sSub>
+                    <m:r>
+                      <a:rPr lang="el-GR" sz="1200" i="1">
+                        <a:effectLst/>
+                        <a:latin typeface="Cambria Math" panose="02040503050406030204" pitchFamily="18" charset="0"/>
+                        <a:ea typeface="Calibri" panose="020F0502020204030204" pitchFamily="34" charset="0"/>
+                        <a:cs typeface="Calibri" panose="020F0502020204030204" pitchFamily="34" charset="0"/>
+                      </a:rPr>
+                      <m:t>=1</m:t>
+                    </m:r>
+                  </m:oMath>
+                </a14:m>
+                <a:endParaRPr lang="en-GB" sz="1200" dirty="0">
+                  <a:effectLst/>
+                  <a:latin typeface="Calibri" panose="020F0502020204030204" pitchFamily="34" charset="0"/>
+                  <a:ea typeface="Calibri" panose="020F0502020204030204" pitchFamily="34" charset="0"/>
+                  <a:cs typeface="Times New Roman" panose="02020603050405020304" pitchFamily="18" charset="0"/>
+                </a:endParaRPr>
+              </a:p>
+              <a:p>
+                <a:endParaRPr lang="en-US" sz="1200" dirty="0"/>
+              </a:p>
+            </p:txBody>
+          </p:sp>
+        </mc:Choice>
+        <mc:Fallback>
+          <p:sp>
+            <p:nvSpPr>
+              <p:cNvPr id="4" name="TextBox 3">
+                <a:extLst>
+                  <a:ext uri="{FF2B5EF4-FFF2-40B4-BE49-F238E27FC236}">
+                    <a16:creationId xmlns:a16="http://schemas.microsoft.com/office/drawing/2014/main" id="{199D1CAA-3AC7-972A-A925-2C5573E2722F}"/>
+                  </a:ext>
+                </a:extLst>
+              </p:cNvPr>
+              <p:cNvSpPr txBox="1">
+                <a:spLocks noRot="1" noChangeAspect="1" noMove="1" noResize="1" noEditPoints="1" noAdjustHandles="1" noChangeArrowheads="1" noChangeShapeType="1" noTextEdit="1"/>
+              </p:cNvSpPr>
+              <p:nvPr/>
+            </p:nvSpPr>
+            <p:spPr>
+              <a:xfrm>
+                <a:off x="986067" y="6512918"/>
+                <a:ext cx="6893212" cy="476541"/>
+              </a:xfrm>
+              <a:prstGeom prst="rect">
+                <a:avLst/>
+              </a:prstGeom>
+              <a:blipFill>
+                <a:blip r:embed="rId6"/>
+                <a:stretch>
+                  <a:fillRect/>
+                </a:stretch>
+              </a:blipFill>
+            </p:spPr>
+            <p:txBody>
+              <a:bodyPr/>
+              <a:lstStyle/>
+              <a:p>
+                <a:r>
+                  <a:rPr lang="en-US">
+                    <a:noFill/>
+                  </a:rPr>
+                  <a:t> </a:t>
+                </a:r>
+              </a:p>
+            </p:txBody>
+          </p:sp>
+        </mc:Fallback>
+      </mc:AlternateContent>
+      <mc:AlternateContent xmlns:mc="http://schemas.openxmlformats.org/markup-compatibility/2006">
+        <mc:Choice xmlns:a14="http://schemas.microsoft.com/office/drawing/2010/main" Requires="a14">
+          <p:sp>
+            <p:nvSpPr>
+              <p:cNvPr id="5" name="TextBox 4">
+                <a:extLst>
+                  <a:ext uri="{FF2B5EF4-FFF2-40B4-BE49-F238E27FC236}">
+                    <a16:creationId xmlns:a16="http://schemas.microsoft.com/office/drawing/2014/main" id="{BBCFCD65-E339-F7F4-2253-6724D3DA3B7B}"/>
+                  </a:ext>
+                </a:extLst>
+              </p:cNvPr>
+              <p:cNvSpPr txBox="1"/>
+              <p:nvPr/>
+            </p:nvSpPr>
+            <p:spPr>
+              <a:xfrm>
+                <a:off x="8354938" y="5805487"/>
+                <a:ext cx="2808718" cy="1215204"/>
+              </a:xfrm>
+              <a:prstGeom prst="rect">
+                <a:avLst/>
+              </a:prstGeom>
+              <a:noFill/>
+            </p:spPr>
+            <p:txBody>
+              <a:bodyPr wrap="square" rtlCol="0">
+                <a:spAutoFit/>
+              </a:bodyPr>
+              <a:lstStyle/>
+              <a:p>
+                <a:pPr marL="342900" lvl="0" indent="-342900" algn="just">
+                  <a:buClr>
+                    <a:schemeClr val="tx1"/>
+                  </a:buClr>
+                  <a:buFont typeface="Arial" panose="020B0604020202020204" pitchFamily="34" charset="0"/>
+                  <a:buChar char="•"/>
+                </a:pPr>
+                <a:r>
+                  <a:rPr lang="el-GR" sz="1200" b="1" dirty="0">
+                    <a:solidFill>
+                      <a:schemeClr val="tx1">
+                        <a:lumMod val="75000"/>
+                      </a:schemeClr>
+                    </a:solidFill>
+                    <a:effectLst/>
+                    <a:latin typeface="Calibri" panose="020F0502020204030204" pitchFamily="34" charset="0"/>
+                    <a:ea typeface="Calibri" panose="020F0502020204030204" pitchFamily="34" charset="0"/>
+                    <a:cs typeface="Calibri" panose="020F0502020204030204" pitchFamily="34" charset="0"/>
+                  </a:rPr>
+                  <a:t>Δυαδικές Μεταβλητές:</a:t>
+                </a:r>
+                <a:endParaRPr lang="en-GB" sz="1200" dirty="0">
+                  <a:solidFill>
+                    <a:schemeClr val="tx1">
+                      <a:lumMod val="75000"/>
+                    </a:schemeClr>
+                  </a:solidFill>
+                  <a:effectLst/>
+                  <a:latin typeface="Calibri" panose="020F0502020204030204" pitchFamily="34" charset="0"/>
+                  <a:ea typeface="Calibri" panose="020F0502020204030204" pitchFamily="34" charset="0"/>
+                  <a:cs typeface="Times New Roman" panose="02020603050405020304" pitchFamily="18" charset="0"/>
+                </a:endParaRPr>
+              </a:p>
+              <a:p>
+                <a:pPr algn="just"/>
+                <a:r>
+                  <a:rPr lang="el-GR" sz="1200" dirty="0">
+                    <a:effectLst/>
+                    <a:latin typeface="Calibri" panose="020F0502020204030204" pitchFamily="34" charset="0"/>
+                    <a:ea typeface="Calibri" panose="020F0502020204030204" pitchFamily="34" charset="0"/>
+                    <a:cs typeface="Calibri" panose="020F0502020204030204" pitchFamily="34" charset="0"/>
+                  </a:rPr>
+                  <a:t>Καθορίστε ότι οι μεταβλητές απόφασης είναι δυαδικές (0 ή 1) για να αντιπροσωπεύουν εάν ένα ψηφίο τοποθετείται ή όχι: </a:t>
+                </a:r>
+                <a14:m>
+                  <m:oMath xmlns:m="http://schemas.openxmlformats.org/officeDocument/2006/math">
+                    <m:sSub>
+                      <m:sSubPr>
+                        <m:ctrlPr>
+                          <a:rPr lang="en-GB" sz="1200" i="1">
+                            <a:effectLst/>
+                            <a:latin typeface="Cambria Math" panose="02040503050406030204" pitchFamily="18" charset="0"/>
+                            <a:ea typeface="Calibri" panose="020F0502020204030204" pitchFamily="34" charset="0"/>
+                            <a:cs typeface="Calibri" panose="020F0502020204030204" pitchFamily="34" charset="0"/>
+                          </a:rPr>
+                        </m:ctrlPr>
+                      </m:sSubPr>
+                      <m:e>
+                        <m:r>
+                          <a:rPr lang="el-GR" sz="1200" i="1">
+                            <a:effectLst/>
+                            <a:latin typeface="Cambria Math" panose="02040503050406030204" pitchFamily="18" charset="0"/>
+                            <a:ea typeface="Calibri" panose="020F0502020204030204" pitchFamily="34" charset="0"/>
+                            <a:cs typeface="Calibri" panose="020F0502020204030204" pitchFamily="34" charset="0"/>
+                          </a:rPr>
+                          <m:t>𝑥</m:t>
+                        </m:r>
+                      </m:e>
+                      <m:sub>
+                        <m:r>
+                          <a:rPr lang="el-GR" sz="1200" i="1">
+                            <a:effectLst/>
+                            <a:latin typeface="Cambria Math" panose="02040503050406030204" pitchFamily="18" charset="0"/>
+                            <a:ea typeface="Calibri" panose="020F0502020204030204" pitchFamily="34" charset="0"/>
+                            <a:cs typeface="Calibri" panose="020F0502020204030204" pitchFamily="34" charset="0"/>
+                          </a:rPr>
+                          <m:t>𝑖𝑗𝑘</m:t>
+                        </m:r>
+                      </m:sub>
+                    </m:sSub>
+                    <m:r>
+                      <a:rPr lang="el-GR" sz="1200" i="1">
+                        <a:effectLst/>
+                        <a:latin typeface="Cambria Math" panose="02040503050406030204" pitchFamily="18" charset="0"/>
+                        <a:ea typeface="Calibri" panose="020F0502020204030204" pitchFamily="34" charset="0"/>
+                        <a:cs typeface="Calibri" panose="020F0502020204030204" pitchFamily="34" charset="0"/>
+                      </a:rPr>
+                      <m:t>∈</m:t>
+                    </m:r>
+                    <m:d>
+                      <m:dPr>
+                        <m:begChr m:val="{"/>
+                        <m:endChr m:val="}"/>
+                        <m:ctrlPr>
+                          <a:rPr lang="en-GB" sz="1200" i="1">
+                            <a:effectLst/>
+                            <a:latin typeface="Cambria Math" panose="02040503050406030204" pitchFamily="18" charset="0"/>
+                            <a:ea typeface="Calibri" panose="020F0502020204030204" pitchFamily="34" charset="0"/>
+                            <a:cs typeface="Calibri" panose="020F0502020204030204" pitchFamily="34" charset="0"/>
+                          </a:rPr>
+                        </m:ctrlPr>
+                      </m:dPr>
+                      <m:e>
+                        <m:r>
+                          <a:rPr lang="el-GR" sz="1200" i="1">
+                            <a:effectLst/>
+                            <a:latin typeface="Cambria Math" panose="02040503050406030204" pitchFamily="18" charset="0"/>
+                            <a:ea typeface="Calibri" panose="020F0502020204030204" pitchFamily="34" charset="0"/>
+                            <a:cs typeface="Calibri" panose="020F0502020204030204" pitchFamily="34" charset="0"/>
+                          </a:rPr>
+                          <m:t>0,1</m:t>
+                        </m:r>
+                      </m:e>
+                    </m:d>
+                    <m:r>
+                      <a:rPr lang="el-GR" sz="1200" i="1">
+                        <a:effectLst/>
+                        <a:latin typeface="Cambria Math" panose="02040503050406030204" pitchFamily="18" charset="0"/>
+                        <a:ea typeface="Calibri" panose="020F0502020204030204" pitchFamily="34" charset="0"/>
+                        <a:cs typeface="Calibri" panose="020F0502020204030204" pitchFamily="34" charset="0"/>
+                      </a:rPr>
+                      <m:t>  ∀</m:t>
+                    </m:r>
+                    <m:r>
+                      <a:rPr lang="el-GR" sz="1200" i="1">
+                        <a:effectLst/>
+                        <a:latin typeface="Cambria Math" panose="02040503050406030204" pitchFamily="18" charset="0"/>
+                        <a:ea typeface="Calibri" panose="020F0502020204030204" pitchFamily="34" charset="0"/>
+                        <a:cs typeface="Calibri" panose="020F0502020204030204" pitchFamily="34" charset="0"/>
+                      </a:rPr>
+                      <m:t>𝑖</m:t>
+                    </m:r>
+                    <m:r>
+                      <a:rPr lang="el-GR" sz="1200" i="1">
+                        <a:effectLst/>
+                        <a:latin typeface="Cambria Math" panose="02040503050406030204" pitchFamily="18" charset="0"/>
+                        <a:ea typeface="Calibri" panose="020F0502020204030204" pitchFamily="34" charset="0"/>
+                        <a:cs typeface="Calibri" panose="020F0502020204030204" pitchFamily="34" charset="0"/>
+                      </a:rPr>
+                      <m:t>,</m:t>
+                    </m:r>
+                    <m:r>
+                      <a:rPr lang="el-GR" sz="1200" i="1">
+                        <a:effectLst/>
+                        <a:latin typeface="Cambria Math" panose="02040503050406030204" pitchFamily="18" charset="0"/>
+                        <a:ea typeface="Calibri" panose="020F0502020204030204" pitchFamily="34" charset="0"/>
+                        <a:cs typeface="Calibri" panose="020F0502020204030204" pitchFamily="34" charset="0"/>
+                      </a:rPr>
+                      <m:t>𝑗</m:t>
+                    </m:r>
+                    <m:r>
+                      <a:rPr lang="el-GR" sz="1200" i="1">
+                        <a:effectLst/>
+                        <a:latin typeface="Cambria Math" panose="02040503050406030204" pitchFamily="18" charset="0"/>
+                        <a:ea typeface="Calibri" panose="020F0502020204030204" pitchFamily="34" charset="0"/>
+                        <a:cs typeface="Calibri" panose="020F0502020204030204" pitchFamily="34" charset="0"/>
+                      </a:rPr>
+                      <m:t>,</m:t>
+                    </m:r>
+                    <m:r>
+                      <a:rPr lang="el-GR" sz="1200" i="1">
+                        <a:effectLst/>
+                        <a:latin typeface="Cambria Math" panose="02040503050406030204" pitchFamily="18" charset="0"/>
+                        <a:ea typeface="Calibri" panose="020F0502020204030204" pitchFamily="34" charset="0"/>
+                        <a:cs typeface="Calibri" panose="020F0502020204030204" pitchFamily="34" charset="0"/>
+                      </a:rPr>
+                      <m:t>𝑘</m:t>
+                    </m:r>
+                  </m:oMath>
+                </a14:m>
+                <a:endParaRPr lang="en-GB" sz="1200" dirty="0">
+                  <a:effectLst/>
+                  <a:latin typeface="Calibri" panose="020F0502020204030204" pitchFamily="34" charset="0"/>
+                  <a:ea typeface="Calibri" panose="020F0502020204030204" pitchFamily="34" charset="0"/>
+                  <a:cs typeface="Times New Roman" panose="02020603050405020304" pitchFamily="18" charset="0"/>
+                </a:endParaRPr>
+              </a:p>
+              <a:p>
+                <a:endParaRPr lang="en-US" sz="1200" dirty="0"/>
+              </a:p>
+            </p:txBody>
+          </p:sp>
+        </mc:Choice>
+        <mc:Fallback>
+          <p:sp>
+            <p:nvSpPr>
+              <p:cNvPr id="5" name="TextBox 4">
+                <a:extLst>
+                  <a:ext uri="{FF2B5EF4-FFF2-40B4-BE49-F238E27FC236}">
+                    <a16:creationId xmlns:a16="http://schemas.microsoft.com/office/drawing/2014/main" id="{BBCFCD65-E339-F7F4-2253-6724D3DA3B7B}"/>
+                  </a:ext>
+                </a:extLst>
+              </p:cNvPr>
+              <p:cNvSpPr txBox="1">
+                <a:spLocks noRot="1" noChangeAspect="1" noMove="1" noResize="1" noEditPoints="1" noAdjustHandles="1" noChangeArrowheads="1" noChangeShapeType="1" noTextEdit="1"/>
+              </p:cNvSpPr>
+              <p:nvPr/>
+            </p:nvSpPr>
+            <p:spPr>
+              <a:xfrm>
+                <a:off x="8354938" y="5805487"/>
+                <a:ext cx="2808718" cy="1215204"/>
+              </a:xfrm>
+              <a:prstGeom prst="rect">
+                <a:avLst/>
+              </a:prstGeom>
+              <a:blipFill>
+                <a:blip r:embed="rId7"/>
+                <a:stretch>
+                  <a:fillRect l="-452"/>
+                </a:stretch>
+              </a:blipFill>
+            </p:spPr>
+            <p:txBody>
+              <a:bodyPr/>
+              <a:lstStyle/>
+              <a:p>
+                <a:r>
+                  <a:rPr lang="en-US">
+                    <a:noFill/>
+                  </a:rPr>
+                  <a:t> </a:t>
+                </a:r>
+              </a:p>
+            </p:txBody>
+          </p:sp>
+        </mc:Fallback>
+      </mc:AlternateContent>
     </p:spTree>
     <p:extLst>
       <p:ext uri="{BB962C8B-B14F-4D97-AF65-F5344CB8AC3E}">
@@ -5800,7 +7504,7 @@
         </p:blipFill>
         <p:spPr>
           <a:xfrm>
-            <a:off x="6037642" y="861377"/>
+            <a:off x="6145647" y="1466850"/>
             <a:ext cx="2209800" cy="3924300"/>
           </a:xfrm>
           <a:prstGeom prst="rect">
@@ -5890,7 +7594,7 @@
         </p:blipFill>
         <p:spPr>
           <a:xfrm>
-            <a:off x="8600382" y="861377"/>
+            <a:off x="8816393" y="1466850"/>
             <a:ext cx="2148715" cy="3924300"/>
           </a:xfrm>
           <a:prstGeom prst="rect">
@@ -5988,7 +7692,7 @@
         </p:nvSpPr>
         <p:spPr>
           <a:xfrm>
-            <a:off x="6426609" y="4819988"/>
+            <a:off x="6534614" y="5474129"/>
             <a:ext cx="1431866" cy="646331"/>
           </a:xfrm>
           <a:prstGeom prst="rect">
@@ -6037,7 +7741,7 @@
         </p:nvSpPr>
         <p:spPr>
           <a:xfrm>
-            <a:off x="8896321" y="4819988"/>
+            <a:off x="9182094" y="5472847"/>
             <a:ext cx="1417311" cy="369332"/>
           </a:xfrm>
           <a:prstGeom prst="rect">
@@ -6290,8 +7994,8 @@
         </p:nvSpPr>
         <p:spPr>
           <a:xfrm>
-            <a:off x="6432699" y="5241339"/>
-            <a:ext cx="4734146" cy="369332"/>
+            <a:off x="5624623" y="5241339"/>
+            <a:ext cx="5542222" cy="369332"/>
           </a:xfrm>
           <a:prstGeom prst="rect">
             <a:avLst/>
@@ -6309,7 +8013,35 @@
                 <a:latin typeface="Calibri" panose="020F0502020204030204" pitchFamily="34" charset="0"/>
                 <a:cs typeface="Calibri" panose="020F0502020204030204" pitchFamily="34" charset="0"/>
               </a:rPr>
-              <a:t>./</a:t>
+              <a:t>.</a:t>
+            </a:r>
+            <a:r>
+              <a:rPr lang="en-US" dirty="0">
+                <a:latin typeface="Calibri" panose="020F0502020204030204" pitchFamily="34" charset="0"/>
+                <a:cs typeface="Calibri" panose="020F0502020204030204" pitchFamily="34" charset="0"/>
+              </a:rPr>
+              <a:t>/</a:t>
+            </a:r>
+            <a:r>
+              <a:rPr lang="en-US" dirty="0" err="1">
+                <a:latin typeface="Calibri" panose="020F0502020204030204" pitchFamily="34" charset="0"/>
+                <a:cs typeface="Calibri" panose="020F0502020204030204" pitchFamily="34" charset="0"/>
+              </a:rPr>
+              <a:t>ilp</a:t>
+            </a:r>
+            <a:r>
+              <a:rPr lang="en-US" dirty="0">
+                <a:latin typeface="Calibri" panose="020F0502020204030204" pitchFamily="34" charset="0"/>
+                <a:cs typeface="Calibri" panose="020F0502020204030204" pitchFamily="34" charset="0"/>
+              </a:rPr>
+              <a:t>-solvers</a:t>
+            </a:r>
+            <a:r>
+              <a:rPr lang="el-GR" dirty="0">
+                <a:latin typeface="Calibri" panose="020F0502020204030204" pitchFamily="34" charset="0"/>
+                <a:cs typeface="Calibri" panose="020F0502020204030204" pitchFamily="34" charset="0"/>
+              </a:rPr>
+              <a:t>/</a:t>
             </a:r>
             <a:r>
               <a:rPr lang="el-GR" dirty="0" err="1">

--- a/Presentation.pptx
+++ b/Presentation.pptx
@@ -12,6 +12,8 @@
     <p:sldId id="260" r:id="rId6"/>
     <p:sldId id="261" r:id="rId7"/>
     <p:sldId id="262" r:id="rId8"/>
+    <p:sldId id="264" r:id="rId9"/>
+    <p:sldId id="263" r:id="rId10"/>
   </p:sldIdLst>
   <p:sldSz cx="12192000" cy="6858000"/>
   <p:notesSz cx="6858000" cy="9144000"/>
@@ -5056,8 +5058,8 @@
           </a:xfrm>
         </p:spPr>
       </p:pic>
-      <mc:AlternateContent xmlns:mc="http://schemas.openxmlformats.org/markup-compatibility/2006">
-        <mc:Choice xmlns:a14="http://schemas.microsoft.com/office/drawing/2010/main" Requires="a14">
+      <mc:AlternateContent xmlns:mc="http://schemas.openxmlformats.org/markup-compatibility/2006" xmlns:a14="http://schemas.microsoft.com/office/drawing/2010/main">
+        <mc:Choice Requires="a14">
           <p:sp>
             <p:nvSpPr>
               <p:cNvPr id="10" name="TextBox 9">
@@ -5440,7 +5442,7 @@
             </p:txBody>
           </p:sp>
         </mc:Choice>
-        <mc:Fallback>
+        <mc:Fallback xmlns="">
           <p:sp>
             <p:nvSpPr>
               <p:cNvPr id="10" name="TextBox 9">
@@ -5502,7 +5504,7 @@
             <p:spPr>
               <a:xfrm>
                 <a:off x="986066" y="3615668"/>
-                <a:ext cx="7291950" cy="2784032"/>
+                <a:ext cx="7291950" cy="2898870"/>
               </a:xfrm>
               <a:prstGeom prst="rect">
                 <a:avLst/>
@@ -5572,7 +5574,7 @@
                     <a:ea typeface="Calibri" panose="020F0502020204030204" pitchFamily="34" charset="0"/>
                     <a:cs typeface="Calibri" panose="020F0502020204030204" pitchFamily="34" charset="0"/>
                   </a:rPr>
-                  <a:t>Βεβαιωθείτε ότι κάθε κελί περιέχει ακριβώς ένα ψηφίο. Αυτό μπορεί να εκφραστεί ως περιορισμός που αθροίζει τις δυαδικές μεταβλητές για κάθε κελί και το άθροισμα πρέπει να ισούται με 1.</a:t>
+                  <a:t>Βεβαιωνόμαστε ότι κάθε κελί περιέχει ακριβώς ένα ψηφίο. Αυτό μπορεί να εκφραστεί ως περιορισμός που αθροίζει τις δυαδικές μεταβλητές για κάθε κελί και το άθροισμα πρέπει να ισούται με 1.</a:t>
                 </a:r>
                 <a:endParaRPr lang="en-US" sz="1200" dirty="0">
                   <a:latin typeface="Calibri" panose="020F0502020204030204" pitchFamily="34" charset="0"/>
@@ -5751,7 +5753,7 @@
                     <a:ea typeface="Calibri" panose="020F0502020204030204" pitchFamily="34" charset="0"/>
                     <a:cs typeface="Calibri" panose="020F0502020204030204" pitchFamily="34" charset="0"/>
                   </a:rPr>
-                  <a:t>Βεβαιωθείτε ότι κάθε ψηφίο εμφανίζεται ακριβώς μία φορά σε κάθε σειρά. Αυτό μπορεί να εκφραστεί ως περιορισμοί που διασφαλίζουν ότι το άθροισμα των δυαδικών μεταβλητών για κάθε ψηφίο σε κάθε γραμμή ισούται με 1.</a:t>
+                  <a:t>Βεβαιωνόμαστε ότι κάθε ψηφίο εμφανίζεται ακριβώς μία φορά σε κάθε σειρά. Αυτό μπορεί να εκφραστεί ως περιορισμοί που διασφαλίζουν ότι το άθροισμα των δυαδικών μεταβλητών για κάθε ψηφίο σε κάθε γραμμή ισούται με 1.</a:t>
                 </a:r>
                 <a:endParaRPr lang="en-US" sz="1200" dirty="0">
                   <a:latin typeface="Calibri" panose="020F0502020204030204" pitchFamily="34" charset="0"/>
@@ -5932,7 +5934,7 @@
                     <a:ea typeface="Calibri" panose="020F0502020204030204" pitchFamily="34" charset="0"/>
                     <a:cs typeface="Calibri" panose="020F0502020204030204" pitchFamily="34" charset="0"/>
                   </a:rPr>
-                  <a:t>Βεβαιωθείτε ότι κάθε ψηφίο εμφανίζεται ακριβώς μία φορά σε κάθε στήλη, παρόμοια με τους περιορισμούς σειρών.</a:t>
+                  <a:t>Βεβαιωνόμαστε ότι κάθε ψηφίο εμφανίζεται ακριβώς μία φορά σε κάθε στήλη, παρόμοια με τους περιορισμούς σειρών.</a:t>
                 </a:r>
                 <a:endParaRPr lang="en-US" sz="1200" dirty="0">
                   <a:latin typeface="Calibri" panose="020F0502020204030204" pitchFamily="34" charset="0"/>
@@ -6113,7 +6115,7 @@
                     <a:ea typeface="Calibri" panose="020F0502020204030204" pitchFamily="34" charset="0"/>
                     <a:cs typeface="Calibri" panose="020F0502020204030204" pitchFamily="34" charset="0"/>
                   </a:rPr>
-                  <a:t>Βεβαιωθείτε ότι κάθε ψηφίο εμφανίζεται ακριβώς μία φορά σε κάθε πλαίσιο 3x3 (υποπλέγμα), παρόμοια με τους περιορισμούς σειρών και στηλών.</a:t>
+                  <a:t>Βεβαιωνόμαστε ότι κάθε ψηφίο εμφανίζεται ακριβώς μία φορά σε κάθε πλαίσιο 3x3 (υποπλέγμα), παρόμοια με τους περιορισμούς σειρών και στηλών.</a:t>
                 </a:r>
                 <a:endParaRPr lang="en-US" sz="1200" dirty="0">
                   <a:latin typeface="Calibri" panose="020F0502020204030204" pitchFamily="34" charset="0"/>
@@ -6154,7 +6156,16 @@
                             <a:ea typeface="Calibri" panose="020F0502020204030204" pitchFamily="34" charset="0"/>
                             <a:cs typeface="Calibri" panose="020F0502020204030204" pitchFamily="34" charset="0"/>
                           </a:rPr>
-                          <m:t>=1</m:t>
+                          <m:t>=</m:t>
+                        </m:r>
+                        <m:r>
+                          <a:rPr lang="el-GR" sz="1200" i="1" kern="0">
+                            <a:effectLst/>
+                            <a:latin typeface="Cambria Math" panose="02040503050406030204" pitchFamily="18" charset="0"/>
+                            <a:ea typeface="Calibri" panose="020F0502020204030204" pitchFamily="34" charset="0"/>
+                            <a:cs typeface="Calibri" panose="020F0502020204030204" pitchFamily="34" charset="0"/>
+                          </a:rPr>
+                          <m:t>𝑟</m:t>
                         </m:r>
                       </m:sub>
                       <m:sup>
@@ -6165,12 +6176,23 @@
                             <a:ea typeface="Calibri" panose="020F0502020204030204" pitchFamily="34" charset="0"/>
                             <a:cs typeface="Calibri" panose="020F0502020204030204" pitchFamily="34" charset="0"/>
                           </a:rPr>
-                          <m:t>9</m:t>
+                          <m:t>𝑟</m:t>
+                        </m:r>
+                        <m:r>
+                          <a:rPr lang="el-GR" sz="1200" i="1" kern="0">
+                            <a:effectLst/>
+                            <a:latin typeface="Cambria Math" panose="02040503050406030204" pitchFamily="18" charset="0"/>
+                            <a:ea typeface="Calibri" panose="020F0502020204030204" pitchFamily="34" charset="0"/>
+                            <a:cs typeface="Calibri" panose="020F0502020204030204" pitchFamily="34" charset="0"/>
+                          </a:rPr>
+                          <m:t>+2</m:t>
                         </m:r>
                       </m:sup>
                       <m:e>
-                        <m:sSub>
-                          <m:sSubPr>
+                        <m:nary>
+                          <m:naryPr>
+                            <m:chr m:val="∑"/>
+                            <m:limLoc m:val="subSup"/>
                             <m:ctrlPr>
                               <a:rPr lang="en-GB" sz="1200" i="1">
                                 <a:effectLst/>
@@ -6178,18 +6200,7 @@
                                 <a:cs typeface="Calibri" panose="020F0502020204030204" pitchFamily="34" charset="0"/>
                               </a:rPr>
                             </m:ctrlPr>
-                          </m:sSubPr>
-                          <m:e>
-                            <m:r>
-                              <a:rPr lang="el-GR" sz="1200" i="1" kern="0">
-                                <a:effectLst/>
-                                <a:latin typeface="Cambria Math" panose="02040503050406030204" pitchFamily="18" charset="0"/>
-                                <a:ea typeface="Calibri" panose="020F0502020204030204" pitchFamily="34" charset="0"/>
-                                <a:cs typeface="Calibri" panose="020F0502020204030204" pitchFamily="34" charset="0"/>
-                              </a:rPr>
-                              <m:t>𝑥</m:t>
-                            </m:r>
-                          </m:e>
+                          </m:naryPr>
                           <m:sub>
                             <m:r>
                               <a:rPr lang="el-GR" sz="1200" i="1" kern="0">
@@ -6198,10 +6209,83 @@
                                 <a:ea typeface="Calibri" panose="020F0502020204030204" pitchFamily="34" charset="0"/>
                                 <a:cs typeface="Calibri" panose="020F0502020204030204" pitchFamily="34" charset="0"/>
                               </a:rPr>
-                              <m:t>𝑖𝑗𝑘</m:t>
+                              <m:t>𝑗</m:t>
+                            </m:r>
+                            <m:r>
+                              <a:rPr lang="el-GR" sz="1200" i="1" kern="0">
+                                <a:effectLst/>
+                                <a:latin typeface="Cambria Math" panose="02040503050406030204" pitchFamily="18" charset="0"/>
+                                <a:ea typeface="Calibri" panose="020F0502020204030204" pitchFamily="34" charset="0"/>
+                                <a:cs typeface="Calibri" panose="020F0502020204030204" pitchFamily="34" charset="0"/>
+                              </a:rPr>
+                              <m:t>=</m:t>
+                            </m:r>
+                            <m:r>
+                              <a:rPr lang="el-GR" sz="1200" i="1" kern="0">
+                                <a:effectLst/>
+                                <a:latin typeface="Cambria Math" panose="02040503050406030204" pitchFamily="18" charset="0"/>
+                                <a:ea typeface="Calibri" panose="020F0502020204030204" pitchFamily="34" charset="0"/>
+                                <a:cs typeface="Calibri" panose="020F0502020204030204" pitchFamily="34" charset="0"/>
+                              </a:rPr>
+                              <m:t>𝑠</m:t>
                             </m:r>
                           </m:sub>
-                        </m:sSub>
+                          <m:sup>
+                            <m:r>
+                              <a:rPr lang="el-GR" sz="1200" i="1" kern="0">
+                                <a:effectLst/>
+                                <a:latin typeface="Cambria Math" panose="02040503050406030204" pitchFamily="18" charset="0"/>
+                                <a:ea typeface="Calibri" panose="020F0502020204030204" pitchFamily="34" charset="0"/>
+                                <a:cs typeface="Calibri" panose="020F0502020204030204" pitchFamily="34" charset="0"/>
+                              </a:rPr>
+                              <m:t>𝑠</m:t>
+                            </m:r>
+                            <m:r>
+                              <a:rPr lang="el-GR" sz="1200" i="1" kern="0">
+                                <a:effectLst/>
+                                <a:latin typeface="Cambria Math" panose="02040503050406030204" pitchFamily="18" charset="0"/>
+                                <a:ea typeface="Calibri" panose="020F0502020204030204" pitchFamily="34" charset="0"/>
+                                <a:cs typeface="Calibri" panose="020F0502020204030204" pitchFamily="34" charset="0"/>
+                              </a:rPr>
+                              <m:t>+2</m:t>
+                            </m:r>
+                          </m:sup>
+                          <m:e>
+                            <m:sSub>
+                              <m:sSubPr>
+                                <m:ctrlPr>
+                                  <a:rPr lang="en-GB" sz="1200" i="1">
+                                    <a:effectLst/>
+                                    <a:latin typeface="Cambria Math" panose="02040503050406030204" pitchFamily="18" charset="0"/>
+                                    <a:cs typeface="Calibri" panose="020F0502020204030204" pitchFamily="34" charset="0"/>
+                                  </a:rPr>
+                                </m:ctrlPr>
+                              </m:sSubPr>
+                              <m:e>
+                                <m:r>
+                                  <a:rPr lang="el-GR" sz="1200" i="1" kern="0">
+                                    <a:effectLst/>
+                                    <a:latin typeface="Cambria Math" panose="02040503050406030204" pitchFamily="18" charset="0"/>
+                                    <a:ea typeface="Calibri" panose="020F0502020204030204" pitchFamily="34" charset="0"/>
+                                    <a:cs typeface="Calibri" panose="020F0502020204030204" pitchFamily="34" charset="0"/>
+                                  </a:rPr>
+                                  <m:t>𝑥</m:t>
+                                </m:r>
+                              </m:e>
+                              <m:sub>
+                                <m:r>
+                                  <a:rPr lang="el-GR" sz="1200" i="1" kern="0">
+                                    <a:effectLst/>
+                                    <a:latin typeface="Cambria Math" panose="02040503050406030204" pitchFamily="18" charset="0"/>
+                                    <a:ea typeface="Calibri" panose="020F0502020204030204" pitchFamily="34" charset="0"/>
+                                    <a:cs typeface="Calibri" panose="020F0502020204030204" pitchFamily="34" charset="0"/>
+                                  </a:rPr>
+                                  <m:t>𝑖𝑗𝑘</m:t>
+                                </m:r>
+                              </m:sub>
+                            </m:sSub>
+                          </m:e>
+                        </m:nary>
                         <m:r>
                           <a:rPr lang="el-GR" sz="1200" i="1" kern="0">
                             <a:effectLst/>
@@ -6209,42 +6293,35 @@
                             <a:ea typeface="Calibri" panose="020F0502020204030204" pitchFamily="34" charset="0"/>
                             <a:cs typeface="Calibri" panose="020F0502020204030204" pitchFamily="34" charset="0"/>
                           </a:rPr>
-                          <m:t>=1, ∀</m:t>
-                        </m:r>
-                        <m:r>
-                          <a:rPr lang="el-GR" sz="1200" i="1" kern="0">
-                            <a:effectLst/>
-                            <a:latin typeface="Cambria Math" panose="02040503050406030204" pitchFamily="18" charset="0"/>
-                            <a:ea typeface="Calibri" panose="020F0502020204030204" pitchFamily="34" charset="0"/>
-                            <a:cs typeface="Calibri" panose="020F0502020204030204" pitchFamily="34" charset="0"/>
-                          </a:rPr>
-                          <m:t>𝑗</m:t>
-                        </m:r>
-                        <m:r>
-                          <a:rPr lang="el-GR" sz="1200" i="1" kern="0">
-                            <a:effectLst/>
-                            <a:latin typeface="Cambria Math" panose="02040503050406030204" pitchFamily="18" charset="0"/>
-                            <a:ea typeface="Calibri" panose="020F0502020204030204" pitchFamily="34" charset="0"/>
-                            <a:cs typeface="Calibri" panose="020F0502020204030204" pitchFamily="34" charset="0"/>
-                          </a:rPr>
-                          <m:t>,</m:t>
-                        </m:r>
-                        <m:r>
-                          <a:rPr lang="el-GR" sz="1200" i="1" kern="0">
-                            <a:effectLst/>
-                            <a:latin typeface="Cambria Math" panose="02040503050406030204" pitchFamily="18" charset="0"/>
-                            <a:ea typeface="Calibri" panose="020F0502020204030204" pitchFamily="34" charset="0"/>
-                            <a:cs typeface="Calibri" panose="020F0502020204030204" pitchFamily="34" charset="0"/>
-                          </a:rPr>
-                          <m:t>𝑘</m:t>
+                          <m:t>=1</m:t>
                         </m:r>
                       </m:e>
                     </m:nary>
+                    <m:r>
+                      <a:rPr lang="el-GR" sz="1200" i="1" kern="0">
+                        <a:effectLst/>
+                        <a:latin typeface="Cambria Math" panose="02040503050406030204" pitchFamily="18" charset="0"/>
+                        <a:ea typeface="Calibri" panose="020F0502020204030204" pitchFamily="34" charset="0"/>
+                        <a:cs typeface="Calibri" panose="020F0502020204030204" pitchFamily="34" charset="0"/>
+                      </a:rPr>
+                      <m:t>, ∀</m:t>
+                    </m:r>
+                    <m:r>
+                      <a:rPr lang="el-GR" sz="1200" i="1" kern="0">
+                        <a:effectLst/>
+                        <a:latin typeface="Cambria Math" panose="02040503050406030204" pitchFamily="18" charset="0"/>
+                        <a:ea typeface="Calibri" panose="020F0502020204030204" pitchFamily="34" charset="0"/>
+                        <a:cs typeface="Calibri" panose="020F0502020204030204" pitchFamily="34" charset="0"/>
+                      </a:rPr>
+                      <m:t>𝑘</m:t>
+                    </m:r>
                   </m:oMath>
                 </a14:m>
                 <a:r>
                   <a:rPr lang="en-GB" sz="1200" dirty="0">
                     <a:effectLst/>
+                    <a:latin typeface="Calibri" panose="020F0502020204030204" pitchFamily="34" charset="0"/>
+                    <a:cs typeface="Calibri" panose="020F0502020204030204" pitchFamily="34" charset="0"/>
                   </a:rPr>
                   <a:t> </a:t>
                 </a:r>
@@ -6276,7 +6353,7 @@
             <p:spPr>
               <a:xfrm>
                 <a:off x="986066" y="3615668"/>
-                <a:ext cx="7291950" cy="2784032"/>
+                <a:ext cx="7291950" cy="2898870"/>
               </a:xfrm>
               <a:prstGeom prst="rect">
                 <a:avLst/>
@@ -6284,7 +6361,7 @@
               <a:blipFill>
                 <a:blip r:embed="rId4"/>
                 <a:stretch>
-                  <a:fillRect l="-2609" b="-14480"/>
+                  <a:fillRect l="-2609" b="-10000"/>
                 </a:stretch>
               </a:blipFill>
             </p:spPr>
@@ -6303,8 +6380,8 @@
           </p:sp>
         </mc:Fallback>
       </mc:AlternateContent>
-      <mc:AlternateContent xmlns:mc="http://schemas.openxmlformats.org/markup-compatibility/2006">
-        <mc:Choice xmlns:a14="http://schemas.microsoft.com/office/drawing/2010/main" Requires="a14">
+      <mc:AlternateContent xmlns:mc="http://schemas.openxmlformats.org/markup-compatibility/2006" xmlns:a14="http://schemas.microsoft.com/office/drawing/2010/main">
+        <mc:Choice Requires="a14">
           <p:sp>
             <p:nvSpPr>
               <p:cNvPr id="3" name="TextBox 2">
@@ -6483,7 +6560,7 @@
             </p:txBody>
           </p:sp>
         </mc:Choice>
-        <mc:Fallback>
+        <mc:Fallback xmlns="">
           <p:sp>
             <p:nvSpPr>
               <p:cNvPr id="3" name="TextBox 2">
@@ -6528,8 +6605,8 @@
           </p:sp>
         </mc:Fallback>
       </mc:AlternateContent>
-      <mc:AlternateContent xmlns:mc="http://schemas.openxmlformats.org/markup-compatibility/2006">
-        <mc:Choice xmlns:a14="http://schemas.microsoft.com/office/drawing/2010/main" Requires="a14">
+      <mc:AlternateContent xmlns:mc="http://schemas.openxmlformats.org/markup-compatibility/2006" xmlns:a14="http://schemas.microsoft.com/office/drawing/2010/main">
+        <mc:Choice Requires="a14">
           <p:sp>
             <p:nvSpPr>
               <p:cNvPr id="4" name="TextBox 3">
@@ -6749,7 +6826,7 @@
             </p:txBody>
           </p:sp>
         </mc:Choice>
-        <mc:Fallback>
+        <mc:Fallback xmlns="">
           <p:sp>
             <p:nvSpPr>
               <p:cNvPr id="4" name="TextBox 3">
@@ -6811,7 +6888,7 @@
             <p:spPr>
               <a:xfrm>
                 <a:off x="8354938" y="5805487"/>
-                <a:ext cx="2808718" cy="1215204"/>
+                <a:ext cx="2808718" cy="1230080"/>
               </a:xfrm>
               <a:prstGeom prst="rect">
                 <a:avLst/>
@@ -6843,7 +6920,7 @@
                     <a:ea typeface="Calibri" panose="020F0502020204030204" pitchFamily="34" charset="0"/>
                     <a:cs typeface="Calibri" panose="020F0502020204030204" pitchFamily="34" charset="0"/>
                   </a:rPr>
-                  <a:t>Δυαδικές Μεταβλητές:</a:t>
+                  <a:t>Δυαδική Μεταβλητή:</a:t>
                 </a:r>
                 <a:endParaRPr lang="en-GB" sz="1200" dirty="0">
                   <a:solidFill>
@@ -6861,12 +6938,81 @@
                 <a:pPr algn="just"/>
                 <a:r>
                   <a:rPr lang="el-GR" sz="1200" dirty="0">
+                    <a:latin typeface="Calibri" panose="020F0502020204030204" pitchFamily="34" charset="0"/>
+                    <a:ea typeface="Calibri" panose="020F0502020204030204" pitchFamily="34" charset="0"/>
+                    <a:cs typeface="Calibri" panose="020F0502020204030204" pitchFamily="34" charset="0"/>
+                  </a:rPr>
+                  <a:t>Θέτουμε τη</a:t>
+                </a:r>
+                <a:r>
+                  <a:rPr lang="el-GR" sz="1200" dirty="0">
                     <a:effectLst/>
                     <a:latin typeface="Calibri" panose="020F0502020204030204" pitchFamily="34" charset="0"/>
                     <a:ea typeface="Calibri" panose="020F0502020204030204" pitchFamily="34" charset="0"/>
                     <a:cs typeface="Calibri" panose="020F0502020204030204" pitchFamily="34" charset="0"/>
                   </a:rPr>
-                  <a:t>Καθορίστε ότι οι μεταβλητές απόφασης είναι δυαδικές (0 ή 1) για να αντιπροσωπεύουν εάν ένα ψηφίο τοποθετείται ή όχι: </a:t>
+                  <a:t> μεταβλητή απόφασης </a:t>
+                </a:r>
+                <a14:m>
+                  <m:oMath xmlns:m="http://schemas.openxmlformats.org/officeDocument/2006/math">
+                    <m:sSub>
+                      <m:sSubPr>
+                        <m:ctrlPr>
+                          <a:rPr lang="en-GB" sz="1200" i="1" smtClean="0">
+                            <a:latin typeface="Cambria Math" panose="02040503050406030204" pitchFamily="18" charset="0"/>
+                            <a:ea typeface="Times New Roman" panose="02020603050405020304" pitchFamily="18" charset="0"/>
+                            <a:cs typeface="Calibri" panose="020F0502020204030204" pitchFamily="34" charset="0"/>
+                          </a:rPr>
+                        </m:ctrlPr>
+                      </m:sSubPr>
+                      <m:e>
+                        <m:r>
+                          <a:rPr lang="en-GB" sz="1200" i="1" kern="0">
+                            <a:latin typeface="Cambria Math" panose="02040503050406030204" pitchFamily="18" charset="0"/>
+                            <a:ea typeface="Times New Roman" panose="02020603050405020304" pitchFamily="18" charset="0"/>
+                            <a:cs typeface="Calibri" panose="020F0502020204030204" pitchFamily="34" charset="0"/>
+                          </a:rPr>
+                          <m:t>𝑥</m:t>
+                        </m:r>
+                      </m:e>
+                      <m:sub>
+                        <m:r>
+                          <a:rPr lang="en-GB" sz="1200" i="1" kern="0">
+                            <a:latin typeface="Cambria Math" panose="02040503050406030204" pitchFamily="18" charset="0"/>
+                            <a:ea typeface="Times New Roman" panose="02020603050405020304" pitchFamily="18" charset="0"/>
+                            <a:cs typeface="Calibri" panose="020F0502020204030204" pitchFamily="34" charset="0"/>
+                          </a:rPr>
+                          <m:t>𝑖𝑗𝑘</m:t>
+                        </m:r>
+                      </m:sub>
+                    </m:sSub>
+                  </m:oMath>
+                </a14:m>
+                <a:r>
+                  <a:rPr lang="el-GR" sz="1200" dirty="0">
+                    <a:effectLst/>
+                    <a:latin typeface="Calibri" panose="020F0502020204030204" pitchFamily="34" charset="0"/>
+                    <a:ea typeface="Calibri" panose="020F0502020204030204" pitchFamily="34" charset="0"/>
+                    <a:cs typeface="Calibri" panose="020F0502020204030204" pitchFamily="34" charset="0"/>
+                  </a:rPr>
+                  <a:t> </a:t>
+                </a:r>
+                <a:r>
+                  <a:rPr lang="el-GR" sz="1200" dirty="0">
+                    <a:latin typeface="Calibri" panose="020F0502020204030204" pitchFamily="34" charset="0"/>
+                    <a:ea typeface="Calibri" panose="020F0502020204030204" pitchFamily="34" charset="0"/>
+                    <a:cs typeface="Calibri" panose="020F0502020204030204" pitchFamily="34" charset="0"/>
+                  </a:rPr>
+                  <a:t>ως</a:t>
+                </a:r>
+                <a:r>
+                  <a:rPr lang="el-GR" sz="1200" dirty="0">
+                    <a:effectLst/>
+                    <a:latin typeface="Calibri" panose="020F0502020204030204" pitchFamily="34" charset="0"/>
+                    <a:ea typeface="Calibri" panose="020F0502020204030204" pitchFamily="34" charset="0"/>
+                    <a:cs typeface="Calibri" panose="020F0502020204030204" pitchFamily="34" charset="0"/>
+                  </a:rPr>
+                  <a:t> δυαδική (0 ή 1) για να αντιπροσωπεύει εάν ένα ψηφίο τοποθετείται ή όχι: </a:t>
                 </a:r>
                 <a14:m>
                   <m:oMath xmlns:m="http://schemas.openxmlformats.org/officeDocument/2006/math">
@@ -7025,7 +7171,7 @@
             <p:spPr>
               <a:xfrm>
                 <a:off x="8354938" y="5805487"/>
-                <a:ext cx="2808718" cy="1215204"/>
+                <a:ext cx="2808718" cy="1230080"/>
               </a:xfrm>
               <a:prstGeom prst="rect">
                 <a:avLst/>
@@ -7100,7 +7246,7 @@
         </p:nvSpPr>
         <p:spPr>
           <a:xfrm>
-            <a:off x="6337304" y="552874"/>
+            <a:off x="6773239" y="101519"/>
             <a:ext cx="5015324" cy="1077229"/>
           </a:xfrm>
         </p:spPr>
@@ -7144,8 +7290,8 @@
         </p:nvSpPr>
         <p:spPr>
           <a:xfrm>
-            <a:off x="6457072" y="1708945"/>
-            <a:ext cx="4731624" cy="5078313"/>
+            <a:off x="8091376" y="1708945"/>
+            <a:ext cx="3097319" cy="5047536"/>
           </a:xfrm>
           <a:prstGeom prst="rect">
             <a:avLst/>
@@ -7160,7 +7306,7 @@
           <a:p>
             <a:pPr algn="just"/>
             <a:r>
-              <a:rPr lang="el-GR" sz="1800" dirty="0">
+              <a:rPr lang="el-GR" sz="1400" dirty="0">
                 <a:effectLst/>
                 <a:latin typeface="Calibri" panose="020F0502020204030204" pitchFamily="34" charset="0"/>
                 <a:ea typeface="Calibri" panose="020F0502020204030204" pitchFamily="34" charset="0"/>
@@ -7169,7 +7315,7 @@
               <a:t>Η κλάση Sudoku είναι η βασική κλάση για Sudoku παζλ (και για τις παραλλαγές του) και αξιοποιεί τον </a:t>
             </a:r>
             <a:r>
-              <a:rPr lang="en-US" sz="1800" dirty="0">
+              <a:rPr lang="en-US" sz="1400" dirty="0">
                 <a:effectLst/>
                 <a:latin typeface="Calibri" panose="020F0502020204030204" pitchFamily="34" charset="0"/>
                 <a:ea typeface="Calibri" panose="020F0502020204030204" pitchFamily="34" charset="0"/>
@@ -7178,7 +7324,7 @@
               <a:t>ILP</a:t>
             </a:r>
             <a:r>
-              <a:rPr lang="el-GR" sz="1800" dirty="0">
+              <a:rPr lang="el-GR" sz="1400" dirty="0">
                 <a:effectLst/>
                 <a:latin typeface="Calibri" panose="020F0502020204030204" pitchFamily="34" charset="0"/>
                 <a:ea typeface="Calibri" panose="020F0502020204030204" pitchFamily="34" charset="0"/>
@@ -7186,7 +7332,7 @@
               </a:rPr>
               <a:t> ως εξής:</a:t>
             </a:r>
-            <a:endParaRPr lang="en-GB" sz="1800" dirty="0">
+            <a:endParaRPr lang="en-GB" sz="1400" dirty="0">
               <a:effectLst/>
               <a:latin typeface="Calibri" panose="020F0502020204030204" pitchFamily="34" charset="0"/>
               <a:ea typeface="Calibri" panose="020F0502020204030204" pitchFamily="34" charset="0"/>
@@ -7196,7 +7342,7 @@
           <a:p>
             <a:pPr algn="just"/>
             <a:r>
-              <a:rPr lang="el-GR" sz="1800" dirty="0">
+              <a:rPr lang="el-GR" sz="1400" dirty="0">
                 <a:effectLst/>
                 <a:latin typeface="Calibri" panose="020F0502020204030204" pitchFamily="34" charset="0"/>
                 <a:ea typeface="Calibri" panose="020F0502020204030204" pitchFamily="34" charset="0"/>
@@ -7204,7 +7350,7 @@
               </a:rPr>
               <a:t> </a:t>
             </a:r>
-            <a:endParaRPr lang="en-GB" sz="1800" dirty="0">
+            <a:endParaRPr lang="en-GB" sz="1400" dirty="0">
               <a:effectLst/>
               <a:latin typeface="Calibri" panose="020F0502020204030204" pitchFamily="34" charset="0"/>
               <a:ea typeface="Calibri" panose="020F0502020204030204" pitchFamily="34" charset="0"/>
@@ -7217,42 +7363,15 @@
               <a:buChar char=""/>
             </a:pPr>
             <a:r>
-              <a:rPr lang="el-GR" sz="1800" dirty="0" err="1">
+              <a:rPr lang="el-GR" sz="1400" dirty="0">
                 <a:effectLst/>
                 <a:latin typeface="Calibri" panose="020F0502020204030204" pitchFamily="34" charset="0"/>
                 <a:ea typeface="Calibri" panose="020F0502020204030204" pitchFamily="34" charset="0"/>
                 <a:cs typeface="Calibri" panose="020F0502020204030204" pitchFamily="34" charset="0"/>
               </a:rPr>
-              <a:t>Αρχικοποιεί</a:t>
-            </a:r>
-            <a:r>
-              <a:rPr lang="el-GR" sz="1800" dirty="0">
-                <a:effectLst/>
-                <a:latin typeface="Calibri" panose="020F0502020204030204" pitchFamily="34" charset="0"/>
-                <a:ea typeface="Calibri" panose="020F0502020204030204" pitchFamily="34" charset="0"/>
-                <a:cs typeface="Calibri" panose="020F0502020204030204" pitchFamily="34" charset="0"/>
-              </a:rPr>
-              <a:t> το μοντέλο Sudoku χρησιμοποιώντας </a:t>
-            </a:r>
-            <a:r>
-              <a:rPr lang="el-GR" sz="1800" dirty="0" err="1">
-                <a:effectLst/>
-                <a:latin typeface="Calibri" panose="020F0502020204030204" pitchFamily="34" charset="0"/>
-                <a:ea typeface="Calibri" panose="020F0502020204030204" pitchFamily="34" charset="0"/>
-                <a:cs typeface="Calibri" panose="020F0502020204030204" pitchFamily="34" charset="0"/>
-              </a:rPr>
-              <a:t>PuLP</a:t>
-            </a:r>
-            <a:r>
-              <a:rPr lang="el-GR" sz="1800" dirty="0">
-                <a:effectLst/>
-                <a:latin typeface="Calibri" panose="020F0502020204030204" pitchFamily="34" charset="0"/>
-                <a:ea typeface="Calibri" panose="020F0502020204030204" pitchFamily="34" charset="0"/>
-                <a:cs typeface="Calibri" panose="020F0502020204030204" pitchFamily="34" charset="0"/>
-              </a:rPr>
-              <a:t>.</a:t>
-            </a:r>
-            <a:endParaRPr lang="en-GB" sz="1800" dirty="0">
+              <a:t>Αρχικοποιεί το μοντέλο Sudoku χρησιμοποιώντας PuLP.</a:t>
+            </a:r>
+            <a:endParaRPr lang="en-GB" sz="1400" dirty="0">
               <a:effectLst/>
               <a:latin typeface="Calibri" panose="020F0502020204030204" pitchFamily="34" charset="0"/>
               <a:ea typeface="Calibri" panose="020F0502020204030204" pitchFamily="34" charset="0"/>
@@ -7265,7 +7384,7 @@
               <a:buChar char=""/>
             </a:pPr>
             <a:r>
-              <a:rPr lang="el-GR" sz="1800" dirty="0">
+              <a:rPr lang="el-GR" sz="1400" dirty="0">
                 <a:effectLst/>
                 <a:latin typeface="Calibri" panose="020F0502020204030204" pitchFamily="34" charset="0"/>
                 <a:ea typeface="Calibri" panose="020F0502020204030204" pitchFamily="34" charset="0"/>
@@ -7274,7 +7393,7 @@
               <a:t>Ορίζει δυαδικές μεταβλητές απόφασης για κάθε κελί χρησιμοποιώντας την κλάση </a:t>
             </a:r>
             <a:r>
-              <a:rPr lang="el-GR" sz="1800" dirty="0" err="1">
+              <a:rPr lang="el-GR" sz="1400" dirty="0" err="1">
                 <a:effectLst/>
                 <a:latin typeface="Calibri" panose="020F0502020204030204" pitchFamily="34" charset="0"/>
                 <a:ea typeface="Calibri" panose="020F0502020204030204" pitchFamily="34" charset="0"/>
@@ -7283,7 +7402,7 @@
               <a:t>LpVariable</a:t>
             </a:r>
             <a:r>
-              <a:rPr lang="el-GR" sz="1800" dirty="0">
+              <a:rPr lang="el-GR" sz="1400" dirty="0">
                 <a:effectLst/>
                 <a:latin typeface="Calibri" panose="020F0502020204030204" pitchFamily="34" charset="0"/>
                 <a:ea typeface="Calibri" panose="020F0502020204030204" pitchFamily="34" charset="0"/>
@@ -7292,7 +7411,7 @@
               <a:t> από το </a:t>
             </a:r>
             <a:r>
-              <a:rPr lang="el-GR" sz="1800" dirty="0" err="1">
+              <a:rPr lang="el-GR" sz="1400" dirty="0" err="1">
                 <a:effectLst/>
                 <a:latin typeface="Calibri" panose="020F0502020204030204" pitchFamily="34" charset="0"/>
                 <a:ea typeface="Calibri" panose="020F0502020204030204" pitchFamily="34" charset="0"/>
@@ -7301,7 +7420,7 @@
               <a:t>PuLP</a:t>
             </a:r>
             <a:r>
-              <a:rPr lang="el-GR" sz="1800" dirty="0">
+              <a:rPr lang="el-GR" sz="1400" dirty="0">
                 <a:effectLst/>
                 <a:latin typeface="Calibri" panose="020F0502020204030204" pitchFamily="34" charset="0"/>
                 <a:ea typeface="Calibri" panose="020F0502020204030204" pitchFamily="34" charset="0"/>
@@ -7309,7 +7428,7 @@
               </a:rPr>
               <a:t>.</a:t>
             </a:r>
-            <a:endParaRPr lang="en-GB" sz="1800" dirty="0">
+            <a:endParaRPr lang="en-GB" sz="1400" dirty="0">
               <a:effectLst/>
               <a:latin typeface="Calibri" panose="020F0502020204030204" pitchFamily="34" charset="0"/>
               <a:ea typeface="Calibri" panose="020F0502020204030204" pitchFamily="34" charset="0"/>
@@ -7322,7 +7441,7 @@
               <a:buChar char=""/>
             </a:pPr>
             <a:r>
-              <a:rPr lang="el-GR" sz="1800" dirty="0">
+              <a:rPr lang="el-GR" sz="1400" dirty="0">
                 <a:effectLst/>
                 <a:latin typeface="Calibri" panose="020F0502020204030204" pitchFamily="34" charset="0"/>
                 <a:ea typeface="Calibri" panose="020F0502020204030204" pitchFamily="34" charset="0"/>
@@ -7330,7 +7449,7 @@
               </a:rPr>
               <a:t>Προσθέτει περιορισμούς για να διασφαλίσει ότι τηρούνται οι κανόνες του Sudoku, συμπεριλαμβανομένων των περιορισμών κελιών, περιορισμών σειρών, περιορισμών στηλών και περιορισμών πλαισίου.</a:t>
             </a:r>
-            <a:endParaRPr lang="en-GB" sz="1800" dirty="0">
+            <a:endParaRPr lang="en-GB" sz="1400" dirty="0">
               <a:effectLst/>
               <a:latin typeface="Calibri" panose="020F0502020204030204" pitchFamily="34" charset="0"/>
               <a:ea typeface="Calibri" panose="020F0502020204030204" pitchFamily="34" charset="0"/>
@@ -7343,7 +7462,7 @@
               <a:buChar char=""/>
             </a:pPr>
             <a:r>
-              <a:rPr lang="el-GR" sz="1800" dirty="0">
+              <a:rPr lang="el-GR" sz="1400" dirty="0">
                 <a:effectLst/>
                 <a:latin typeface="Calibri" panose="020F0502020204030204" pitchFamily="34" charset="0"/>
                 <a:ea typeface="Calibri" panose="020F0502020204030204" pitchFamily="34" charset="0"/>
@@ -7351,7 +7470,7 @@
               </a:rPr>
               <a:t>Παρέχει μεθόδους για τον ορισμό και λήψη τιμών από τα κελιά του παζλ.</a:t>
             </a:r>
-            <a:endParaRPr lang="en-GB" sz="1800" dirty="0">
+            <a:endParaRPr lang="en-GB" sz="1400" dirty="0">
               <a:effectLst/>
               <a:latin typeface="Calibri" panose="020F0502020204030204" pitchFamily="34" charset="0"/>
               <a:ea typeface="Calibri" panose="020F0502020204030204" pitchFamily="34" charset="0"/>
@@ -7364,7 +7483,7 @@
               <a:buChar char=""/>
             </a:pPr>
             <a:r>
-              <a:rPr lang="el-GR" sz="1800" dirty="0">
+              <a:rPr lang="el-GR" sz="1400" dirty="0">
                 <a:effectLst/>
                 <a:latin typeface="Calibri" panose="020F0502020204030204" pitchFamily="34" charset="0"/>
                 <a:ea typeface="Calibri" panose="020F0502020204030204" pitchFamily="34" charset="0"/>
@@ -7372,7 +7491,7 @@
               </a:rPr>
               <a:t>Προσφέρει μια μέθοδο επίλυσης για την εύρεση λύσης στο παζλ.</a:t>
             </a:r>
-            <a:endParaRPr lang="en-GB" sz="1800" dirty="0">
+            <a:endParaRPr lang="en-GB" sz="1400" dirty="0">
               <a:effectLst/>
               <a:latin typeface="Calibri" panose="020F0502020204030204" pitchFamily="34" charset="0"/>
               <a:ea typeface="Calibri" panose="020F0502020204030204" pitchFamily="34" charset="0"/>
@@ -7383,10 +7502,10 @@
       </p:sp>
       <p:pic>
         <p:nvPicPr>
-          <p:cNvPr id="8" name="Picture 7" descr="A screenshot of a computer program&#10;&#10;Description automatically generated">
+          <p:cNvPr id="7" name="Picture 6" descr="A screenshot of a computer screen&#10;&#10;Description automatically generated">
             <a:extLst>
               <a:ext uri="{FF2B5EF4-FFF2-40B4-BE49-F238E27FC236}">
-                <a16:creationId xmlns:a16="http://schemas.microsoft.com/office/drawing/2014/main" id="{ED79035A-D8BF-72CE-7C01-C214F4A2716E}"/>
+                <a16:creationId xmlns:a16="http://schemas.microsoft.com/office/drawing/2014/main" id="{CE866945-F67E-E9C3-36FF-197704DB3EE3}"/>
               </a:ext>
             </a:extLst>
           </p:cNvPr>
@@ -7403,8 +7522,8 @@
         </p:blipFill>
         <p:spPr>
           <a:xfrm>
-            <a:off x="1003304" y="0"/>
-            <a:ext cx="5280930" cy="6858000"/>
+            <a:off x="0" y="914400"/>
+            <a:ext cx="7737358" cy="5943600"/>
           </a:xfrm>
           <a:prstGeom prst="rect">
             <a:avLst/>
@@ -8105,14 +8224,7 @@
                 <a:latin typeface="Calibri" panose="020F0502020204030204" pitchFamily="34" charset="0"/>
                 <a:cs typeface="Calibri" panose="020F0502020204030204" pitchFamily="34" charset="0"/>
               </a:rPr>
-              <a:t>Επιπλέον ο χρήστης μπορεί να προσθέσει αρχείο, το οποίο εισόδου οποιασδήποτε </a:t>
-            </a:r>
-            <a:r>
-              <a:rPr lang="el-GR" dirty="0" err="1">
-                <a:latin typeface="Calibri" panose="020F0502020204030204" pitchFamily="34" charset="0"/>
-                <a:cs typeface="Calibri" panose="020F0502020204030204" pitchFamily="34" charset="0"/>
-              </a:rPr>
-              <a:t>διάστάσης</a:t>
+              <a:t>Επιπλέον ο χρήστης μπορεί να προσθέσει αρχείο, το οποίο εισόδου οποιασδήποτε διάστασης</a:t>
             </a:r>
             <a:r>
               <a:rPr lang="en-US" dirty="0">
@@ -8126,35 +8238,7 @@
                 <a:latin typeface="Calibri" panose="020F0502020204030204" pitchFamily="34" charset="0"/>
                 <a:cs typeface="Calibri" panose="020F0502020204030204" pitchFamily="34" charset="0"/>
               </a:rPr>
-              <a:t>παζλ (μόνο για το κανονικό </a:t>
-            </a:r>
-            <a:r>
-              <a:rPr lang="el-GR" dirty="0" err="1">
-                <a:latin typeface="Calibri" panose="020F0502020204030204" pitchFamily="34" charset="0"/>
-                <a:cs typeface="Calibri" panose="020F0502020204030204" pitchFamily="34" charset="0"/>
-              </a:rPr>
-              <a:t>επιλυτή</a:t>
-            </a:r>
-            <a:r>
-              <a:rPr lang="el-GR" dirty="0">
-                <a:latin typeface="Calibri" panose="020F0502020204030204" pitchFamily="34" charset="0"/>
-                <a:cs typeface="Calibri" panose="020F0502020204030204" pitchFamily="34" charset="0"/>
-              </a:rPr>
-              <a:t> </a:t>
-            </a:r>
-            <a:r>
-              <a:rPr lang="el-GR" dirty="0" err="1">
-                <a:latin typeface="Calibri" panose="020F0502020204030204" pitchFamily="34" charset="0"/>
-                <a:cs typeface="Calibri" panose="020F0502020204030204" pitchFamily="34" charset="0"/>
-              </a:rPr>
-              <a:t>ισχυεί</a:t>
-            </a:r>
-            <a:r>
-              <a:rPr lang="el-GR" dirty="0">
-                <a:latin typeface="Calibri" panose="020F0502020204030204" pitchFamily="34" charset="0"/>
-                <a:cs typeface="Calibri" panose="020F0502020204030204" pitchFamily="34" charset="0"/>
-              </a:rPr>
-              <a:t> αυτό)</a:t>
+              <a:t>παζλ (μόνο για το κανονικό επιλυτή ισχύει αυτό)</a:t>
             </a:r>
             <a:endParaRPr lang="en-US" dirty="0">
               <a:latin typeface="Calibri" panose="020F0502020204030204" pitchFamily="34" charset="0"/>
@@ -8789,8 +8873,8 @@
         </p:nvSpPr>
         <p:spPr>
           <a:xfrm>
-            <a:off x="8125390" y="871828"/>
-            <a:ext cx="3157870" cy="5632311"/>
+            <a:off x="8125390" y="31856"/>
+            <a:ext cx="3157870" cy="6740307"/>
           </a:xfrm>
           <a:prstGeom prst="rect">
             <a:avLst/>
@@ -8805,12 +8889,19 @@
           <a:p>
             <a:pPr algn="just"/>
             <a:r>
-              <a:rPr lang="el-GR" dirty="0">
+              <a:rPr lang="el-GR" sz="1600" dirty="0">
                 <a:latin typeface="Calibri" panose="020F0502020204030204" pitchFamily="34" charset="0"/>
                 <a:cs typeface="Calibri" panose="020F0502020204030204" pitchFamily="34" charset="0"/>
               </a:rPr>
               <a:t>Για την δημιουργία του προγράμματος ακολουθούμε τα εξής βήματα:</a:t>
             </a:r>
+          </a:p>
+          <a:p>
+            <a:pPr algn="just"/>
+            <a:endParaRPr lang="el-GR" sz="1600" dirty="0">
+              <a:latin typeface="Calibri" panose="020F0502020204030204" pitchFamily="34" charset="0"/>
+              <a:cs typeface="Calibri" panose="020F0502020204030204" pitchFamily="34" charset="0"/>
+            </a:endParaRPr>
           </a:p>
           <a:p>
             <a:pPr marL="285750" indent="-285750" algn="just">
@@ -8818,7 +8909,7 @@
               <a:buChar char="•"/>
             </a:pPr>
             <a:r>
-              <a:rPr lang="el-GR" b="1" dirty="0">
+              <a:rPr lang="el-GR" sz="1600" b="1" dirty="0">
                 <a:solidFill>
                   <a:schemeClr val="tx1">
                     <a:lumMod val="50000"/>
@@ -8831,158 +8922,8 @@
             </a:r>
           </a:p>
           <a:p>
-            <a:pPr marL="285750" indent="-285750" algn="just">
-              <a:buFont typeface="Arial" panose="020B0604020202020204" pitchFamily="34" charset="0"/>
-              <a:buChar char="•"/>
-            </a:pPr>
-            <a:r>
-              <a:rPr lang="el-GR" b="1" dirty="0">
-                <a:solidFill>
-                  <a:schemeClr val="tx1">
-                    <a:lumMod val="50000"/>
-                  </a:schemeClr>
-                </a:solidFill>
-                <a:latin typeface="Calibri" panose="020F0502020204030204" pitchFamily="34" charset="0"/>
-                <a:cs typeface="Calibri" panose="020F0502020204030204" pitchFamily="34" charset="0"/>
-              </a:rPr>
-              <a:t>Κωδικοποίηση της αρχικής κατάστασης του παζλ </a:t>
-            </a:r>
-            <a:r>
-              <a:rPr lang="el-GR" dirty="0">
-                <a:latin typeface="Calibri" panose="020F0502020204030204" pitchFamily="34" charset="0"/>
-                <a:cs typeface="Calibri" panose="020F0502020204030204" pitchFamily="34" charset="0"/>
-              </a:rPr>
-              <a:t>(γνωστές τιμές)</a:t>
-            </a:r>
-          </a:p>
-          <a:p>
-            <a:pPr marL="285750" indent="-285750" algn="just">
-              <a:buFont typeface="Arial" panose="020B0604020202020204" pitchFamily="34" charset="0"/>
-              <a:buChar char="•"/>
-            </a:pPr>
-            <a:r>
-              <a:rPr lang="el-GR" b="1" dirty="0">
-                <a:solidFill>
-                  <a:schemeClr val="tx1">
-                    <a:lumMod val="50000"/>
-                  </a:schemeClr>
-                </a:solidFill>
-                <a:latin typeface="Calibri" panose="020F0502020204030204" pitchFamily="34" charset="0"/>
-                <a:cs typeface="Calibri" panose="020F0502020204030204" pitchFamily="34" charset="0"/>
-              </a:rPr>
-              <a:t>Καθορισμός εκχωρήσεων αξίας</a:t>
-            </a:r>
-            <a:r>
-              <a:rPr lang="el-GR" b="1" dirty="0">
-                <a:latin typeface="Calibri" panose="020F0502020204030204" pitchFamily="34" charset="0"/>
-                <a:cs typeface="Calibri" panose="020F0502020204030204" pitchFamily="34" charset="0"/>
-              </a:rPr>
-              <a:t> </a:t>
-            </a:r>
-            <a:r>
-              <a:rPr lang="el-GR" dirty="0">
-                <a:latin typeface="Calibri" panose="020F0502020204030204" pitchFamily="34" charset="0"/>
-                <a:cs typeface="Calibri" panose="020F0502020204030204" pitchFamily="34" charset="0"/>
-              </a:rPr>
-              <a:t>(κάθε κελί μπορεί να πάρει μόνο μια τιμή)</a:t>
-            </a:r>
-          </a:p>
-          <a:p>
-            <a:pPr marL="285750" indent="-285750" algn="just">
-              <a:buFont typeface="Arial" panose="020B0604020202020204" pitchFamily="34" charset="0"/>
-              <a:buChar char="•"/>
-            </a:pPr>
-            <a:r>
-              <a:rPr lang="el-GR" b="1" dirty="0">
-                <a:solidFill>
-                  <a:schemeClr val="tx1">
-                    <a:lumMod val="50000"/>
-                  </a:schemeClr>
-                </a:solidFill>
-                <a:latin typeface="Calibri" panose="020F0502020204030204" pitchFamily="34" charset="0"/>
-                <a:cs typeface="Calibri" panose="020F0502020204030204" pitchFamily="34" charset="0"/>
-              </a:rPr>
-              <a:t>Περιορισμός ίδιου πλαισίου </a:t>
-            </a:r>
-            <a:r>
-              <a:rPr lang="el-GR" dirty="0">
-                <a:latin typeface="Calibri" panose="020F0502020204030204" pitchFamily="34" charset="0"/>
-                <a:cs typeface="Calibri" panose="020F0502020204030204" pitchFamily="34" charset="0"/>
-              </a:rPr>
-              <a:t>(δυο κελιά είναι στο ίδιο κουτί αν βρίσκονται στο ίδιο </a:t>
-            </a:r>
-            <a:r>
-              <a:rPr lang="el-GR" dirty="0" err="1">
-                <a:latin typeface="Calibri" panose="020F0502020204030204" pitchFamily="34" charset="0"/>
-                <a:cs typeface="Calibri" panose="020F0502020204030204" pitchFamily="34" charset="0"/>
-              </a:rPr>
-              <a:t>υποπλέγμα</a:t>
-            </a:r>
-            <a:r>
-              <a:rPr lang="el-GR" dirty="0">
-                <a:latin typeface="Calibri" panose="020F0502020204030204" pitchFamily="34" charset="0"/>
-                <a:cs typeface="Calibri" panose="020F0502020204030204" pitchFamily="34" charset="0"/>
-              </a:rPr>
-              <a:t> </a:t>
-            </a:r>
-            <a:r>
-              <a:rPr lang="en-US" dirty="0" err="1">
-                <a:latin typeface="Calibri" panose="020F0502020204030204" pitchFamily="34" charset="0"/>
-                <a:cs typeface="Calibri" panose="020F0502020204030204" pitchFamily="34" charset="0"/>
-              </a:rPr>
-              <a:t>nxn</a:t>
-            </a:r>
-            <a:r>
-              <a:rPr lang="el-GR" dirty="0">
-                <a:latin typeface="Calibri" panose="020F0502020204030204" pitchFamily="34" charset="0"/>
-                <a:cs typeface="Calibri" panose="020F0502020204030204" pitchFamily="34" charset="0"/>
-              </a:rPr>
-              <a:t>)</a:t>
-            </a:r>
-            <a:endParaRPr lang="el-GR" b="1" dirty="0">
-              <a:latin typeface="Calibri" panose="020F0502020204030204" pitchFamily="34" charset="0"/>
-              <a:cs typeface="Calibri" panose="020F0502020204030204" pitchFamily="34" charset="0"/>
-            </a:endParaRPr>
-          </a:p>
-          <a:p>
-            <a:pPr marL="285750" indent="-285750" algn="just">
-              <a:buFont typeface="Arial" panose="020B0604020202020204" pitchFamily="34" charset="0"/>
-              <a:buChar char="•"/>
-            </a:pPr>
-            <a:r>
-              <a:rPr lang="el-GR" b="1" dirty="0">
-                <a:solidFill>
-                  <a:schemeClr val="tx1">
-                    <a:lumMod val="50000"/>
-                  </a:schemeClr>
-                </a:solidFill>
-                <a:latin typeface="Calibri" panose="020F0502020204030204" pitchFamily="34" charset="0"/>
-                <a:cs typeface="Calibri" panose="020F0502020204030204" pitchFamily="34" charset="0"/>
-              </a:rPr>
-              <a:t>Γενικοί Περιορισμοί </a:t>
-            </a:r>
-            <a:r>
-              <a:rPr lang="el-GR" dirty="0">
-                <a:latin typeface="Calibri" panose="020F0502020204030204" pitchFamily="34" charset="0"/>
-                <a:cs typeface="Calibri" panose="020F0502020204030204" pitchFamily="34" charset="0"/>
-              </a:rPr>
-              <a:t>(σειρές, στήλες, </a:t>
-            </a:r>
-            <a:r>
-              <a:rPr lang="el-GR" dirty="0" err="1">
-                <a:latin typeface="Calibri" panose="020F0502020204030204" pitchFamily="34" charset="0"/>
-                <a:cs typeface="Calibri" panose="020F0502020204030204" pitchFamily="34" charset="0"/>
-              </a:rPr>
-              <a:t>υποπλέγματα</a:t>
-            </a:r>
-            <a:r>
-              <a:rPr lang="el-GR" dirty="0">
-                <a:latin typeface="Calibri" panose="020F0502020204030204" pitchFamily="34" charset="0"/>
-                <a:cs typeface="Calibri" panose="020F0502020204030204" pitchFamily="34" charset="0"/>
-              </a:rPr>
-              <a:t>)</a:t>
-            </a:r>
-            <a:endParaRPr lang="el-GR" b="1" dirty="0">
+            <a:pPr algn="just"/>
+            <a:endParaRPr lang="el-GR" sz="1600" b="1" dirty="0">
               <a:solidFill>
                 <a:schemeClr val="tx1">
                   <a:lumMod val="50000"/>
@@ -8998,7 +8939,7 @@
               <a:buChar char="•"/>
             </a:pPr>
             <a:r>
-              <a:rPr lang="el-GR" b="1" dirty="0">
+              <a:rPr lang="el-GR" sz="1600" b="1" dirty="0">
                 <a:solidFill>
                   <a:schemeClr val="tx1">
                     <a:lumMod val="50000"/>
@@ -9007,30 +8948,148 @@
                 <a:latin typeface="Calibri" panose="020F0502020204030204" pitchFamily="34" charset="0"/>
                 <a:cs typeface="Calibri" panose="020F0502020204030204" pitchFamily="34" charset="0"/>
               </a:rPr>
-              <a:t>Πρόσθετοι περιορισμοί παζλ </a:t>
-            </a:r>
-            <a:r>
-              <a:rPr lang="el-GR" dirty="0">
-                <a:latin typeface="Calibri" panose="020F0502020204030204" pitchFamily="34" charset="0"/>
-                <a:cs typeface="Calibri" panose="020F0502020204030204" pitchFamily="34" charset="0"/>
-              </a:rPr>
-              <a:t>(η </a:t>
-            </a:r>
-            <a:r>
-              <a:rPr lang="en-US" dirty="0">
-                <a:latin typeface="Calibri" panose="020F0502020204030204" pitchFamily="34" charset="0"/>
-                <a:cs typeface="Calibri" panose="020F0502020204030204" pitchFamily="34" charset="0"/>
-              </a:rPr>
-              <a:t>fixed </a:t>
-            </a:r>
-            <a:r>
-              <a:rPr lang="el-GR" dirty="0">
-                <a:latin typeface="Calibri" panose="020F0502020204030204" pitchFamily="34" charset="0"/>
-                <a:cs typeface="Calibri" panose="020F0502020204030204" pitchFamily="34" charset="0"/>
-              </a:rPr>
-              <a:t>τιμή είναι η τελική τιμή του κελιού)</a:t>
-            </a:r>
-            <a:endParaRPr lang="el-GR" b="1" dirty="0">
+              <a:t>Κωδικοποίηση της αρχικής κατάστασης του παζλ</a:t>
+            </a:r>
+          </a:p>
+          <a:p>
+            <a:pPr algn="just"/>
+            <a:r>
+              <a:rPr lang="el-GR" sz="1600" dirty="0">
+                <a:latin typeface="Calibri" panose="020F0502020204030204" pitchFamily="34" charset="0"/>
+                <a:cs typeface="Calibri" panose="020F0502020204030204" pitchFamily="34" charset="0"/>
+              </a:rPr>
+              <a:t>Γνωστές τιμές κελιών.</a:t>
+            </a:r>
+          </a:p>
+          <a:p>
+            <a:pPr algn="just"/>
+            <a:endParaRPr lang="el-GR" sz="1600" dirty="0">
+              <a:latin typeface="Calibri" panose="020F0502020204030204" pitchFamily="34" charset="0"/>
+              <a:cs typeface="Calibri" panose="020F0502020204030204" pitchFamily="34" charset="0"/>
+            </a:endParaRPr>
+          </a:p>
+          <a:p>
+            <a:pPr marL="285750" indent="-285750" algn="just">
+              <a:buFont typeface="Arial" panose="020B0604020202020204" pitchFamily="34" charset="0"/>
+              <a:buChar char="•"/>
+            </a:pPr>
+            <a:r>
+              <a:rPr lang="el-GR" sz="1600" b="1" dirty="0">
+                <a:solidFill>
+                  <a:schemeClr val="tx1">
+                    <a:lumMod val="50000"/>
+                  </a:schemeClr>
+                </a:solidFill>
+                <a:latin typeface="Calibri" panose="020F0502020204030204" pitchFamily="34" charset="0"/>
+                <a:cs typeface="Calibri" panose="020F0502020204030204" pitchFamily="34" charset="0"/>
+              </a:rPr>
+              <a:t>Καθορισμός εκχωρήσεων αξίας</a:t>
+            </a:r>
+            <a:r>
+              <a:rPr lang="el-GR" sz="1600" b="1" dirty="0">
+                <a:latin typeface="Calibri" panose="020F0502020204030204" pitchFamily="34" charset="0"/>
+                <a:cs typeface="Calibri" panose="020F0502020204030204" pitchFamily="34" charset="0"/>
+              </a:rPr>
+              <a:t> </a:t>
+            </a:r>
+          </a:p>
+          <a:p>
+            <a:pPr algn="just"/>
+            <a:r>
+              <a:rPr lang="el-GR" sz="1600" dirty="0">
+                <a:latin typeface="Calibri" panose="020F0502020204030204" pitchFamily="34" charset="0"/>
+                <a:cs typeface="Calibri" panose="020F0502020204030204" pitchFamily="34" charset="0"/>
+              </a:rPr>
+              <a:t>Κάθε κελί μπορεί να πάρει μόνο μια τιμή.</a:t>
+            </a:r>
+          </a:p>
+          <a:p>
+            <a:pPr algn="just"/>
+            <a:endParaRPr lang="el-GR" sz="1600" dirty="0">
+              <a:latin typeface="Calibri" panose="020F0502020204030204" pitchFamily="34" charset="0"/>
+              <a:cs typeface="Calibri" panose="020F0502020204030204" pitchFamily="34" charset="0"/>
+            </a:endParaRPr>
+          </a:p>
+          <a:p>
+            <a:pPr marL="285750" indent="-285750" algn="just">
+              <a:buFont typeface="Arial" panose="020B0604020202020204" pitchFamily="34" charset="0"/>
+              <a:buChar char="•"/>
+            </a:pPr>
+            <a:r>
+              <a:rPr lang="el-GR" sz="1600" b="1" dirty="0">
+                <a:solidFill>
+                  <a:schemeClr val="tx1">
+                    <a:lumMod val="50000"/>
+                  </a:schemeClr>
+                </a:solidFill>
+                <a:latin typeface="Calibri" panose="020F0502020204030204" pitchFamily="34" charset="0"/>
+                <a:cs typeface="Calibri" panose="020F0502020204030204" pitchFamily="34" charset="0"/>
+              </a:rPr>
+              <a:t>Περιορισμός ίδιου πλαισίου</a:t>
+            </a:r>
+          </a:p>
+          <a:p>
+            <a:pPr algn="just"/>
+            <a:r>
+              <a:rPr lang="el-GR" sz="1600" dirty="0">
+                <a:latin typeface="Calibri" panose="020F0502020204030204" pitchFamily="34" charset="0"/>
+                <a:cs typeface="Calibri" panose="020F0502020204030204" pitchFamily="34" charset="0"/>
+              </a:rPr>
+              <a:t>Δυο κελιά είναι στο ίδιο κουτί αν βρίσκονται στο ίδιο υποπλέγμα </a:t>
+            </a:r>
+            <a:r>
+              <a:rPr lang="en-US" sz="1600" dirty="0" err="1">
+                <a:latin typeface="Calibri" panose="020F0502020204030204" pitchFamily="34" charset="0"/>
+                <a:cs typeface="Calibri" panose="020F0502020204030204" pitchFamily="34" charset="0"/>
+              </a:rPr>
+              <a:t>nxn</a:t>
+            </a:r>
+            <a:r>
+              <a:rPr lang="el-GR" sz="1600" dirty="0">
+                <a:latin typeface="Calibri" panose="020F0502020204030204" pitchFamily="34" charset="0"/>
+                <a:cs typeface="Calibri" panose="020F0502020204030204" pitchFamily="34" charset="0"/>
+              </a:rPr>
+              <a:t>.</a:t>
+            </a:r>
+          </a:p>
+          <a:p>
+            <a:pPr algn="just"/>
+            <a:endParaRPr lang="el-GR" sz="1600" b="1" dirty="0">
+              <a:latin typeface="Calibri" panose="020F0502020204030204" pitchFamily="34" charset="0"/>
+              <a:cs typeface="Calibri" panose="020F0502020204030204" pitchFamily="34" charset="0"/>
+            </a:endParaRPr>
+          </a:p>
+          <a:p>
+            <a:pPr marL="285750" indent="-285750" algn="just">
+              <a:buFont typeface="Arial" panose="020B0604020202020204" pitchFamily="34" charset="0"/>
+              <a:buChar char="•"/>
+            </a:pPr>
+            <a:r>
+              <a:rPr lang="el-GR" sz="1600" b="1" dirty="0">
+                <a:solidFill>
+                  <a:schemeClr val="tx1">
+                    <a:lumMod val="50000"/>
+                  </a:schemeClr>
+                </a:solidFill>
+                <a:latin typeface="Calibri" panose="020F0502020204030204" pitchFamily="34" charset="0"/>
+                <a:cs typeface="Calibri" panose="020F0502020204030204" pitchFamily="34" charset="0"/>
+              </a:rPr>
+              <a:t>Γενικοί Περιορισμοί</a:t>
+            </a:r>
+          </a:p>
+          <a:p>
+            <a:pPr algn="just"/>
+            <a:r>
+              <a:rPr lang="el-GR" sz="1600" dirty="0">
+                <a:latin typeface="Calibri" panose="020F0502020204030204" pitchFamily="34" charset="0"/>
+                <a:cs typeface="Calibri" panose="020F0502020204030204" pitchFamily="34" charset="0"/>
+              </a:rPr>
+              <a:t>Σειρές, στήλες, υποπλέγματα.</a:t>
+            </a:r>
+          </a:p>
+          <a:p>
+            <a:pPr algn="just"/>
+            <a:endParaRPr lang="el-GR" sz="1600" b="1" dirty="0">
               <a:solidFill>
                 <a:schemeClr val="tx1">
                   <a:lumMod val="50000"/>
@@ -9046,7 +9105,7 @@
               <a:buChar char="•"/>
             </a:pPr>
             <a:r>
-              <a:rPr lang="el-GR" b="1" dirty="0">
+              <a:rPr lang="el-GR" sz="1600" b="1" dirty="0">
                 <a:solidFill>
                   <a:schemeClr val="tx1">
                     <a:lumMod val="50000"/>
@@ -9055,6 +9114,60 @@
                 <a:latin typeface="Calibri" panose="020F0502020204030204" pitchFamily="34" charset="0"/>
                 <a:cs typeface="Calibri" panose="020F0502020204030204" pitchFamily="34" charset="0"/>
               </a:rPr>
+              <a:t>Πρόσθετοι περιορισμοί παζλ</a:t>
+            </a:r>
+          </a:p>
+          <a:p>
+            <a:pPr algn="just"/>
+            <a:r>
+              <a:rPr lang="el-GR" sz="1600" dirty="0">
+                <a:latin typeface="Calibri" panose="020F0502020204030204" pitchFamily="34" charset="0"/>
+                <a:cs typeface="Calibri" panose="020F0502020204030204" pitchFamily="34" charset="0"/>
+              </a:rPr>
+              <a:t>Η </a:t>
+            </a:r>
+            <a:r>
+              <a:rPr lang="en-US" sz="1600" dirty="0">
+                <a:latin typeface="Calibri" panose="020F0502020204030204" pitchFamily="34" charset="0"/>
+                <a:cs typeface="Calibri" panose="020F0502020204030204" pitchFamily="34" charset="0"/>
+              </a:rPr>
+              <a:t>fixed </a:t>
+            </a:r>
+            <a:r>
+              <a:rPr lang="el-GR" sz="1600" dirty="0">
+                <a:latin typeface="Calibri" panose="020F0502020204030204" pitchFamily="34" charset="0"/>
+                <a:cs typeface="Calibri" panose="020F0502020204030204" pitchFamily="34" charset="0"/>
+              </a:rPr>
+              <a:t>τιμή είναι η τελική τιμή του κελιού.</a:t>
+            </a:r>
+          </a:p>
+          <a:p>
+            <a:pPr algn="just"/>
+            <a:endParaRPr lang="el-GR" sz="1600" b="1" dirty="0">
+              <a:solidFill>
+                <a:schemeClr val="tx1">
+                  <a:lumMod val="50000"/>
+                </a:schemeClr>
+              </a:solidFill>
+              <a:latin typeface="Calibri" panose="020F0502020204030204" pitchFamily="34" charset="0"/>
+              <a:cs typeface="Calibri" panose="020F0502020204030204" pitchFamily="34" charset="0"/>
+            </a:endParaRPr>
+          </a:p>
+          <a:p>
+            <a:pPr marL="285750" indent="-285750" algn="just">
+              <a:buFont typeface="Arial" panose="020B0604020202020204" pitchFamily="34" charset="0"/>
+              <a:buChar char="•"/>
+            </a:pPr>
+            <a:r>
+              <a:rPr lang="el-GR" sz="1600" b="1" dirty="0">
+                <a:solidFill>
+                  <a:schemeClr val="tx1">
+                    <a:lumMod val="50000"/>
+                  </a:schemeClr>
+                </a:solidFill>
+                <a:latin typeface="Calibri" panose="020F0502020204030204" pitchFamily="34" charset="0"/>
+                <a:cs typeface="Calibri" panose="020F0502020204030204" pitchFamily="34" charset="0"/>
+              </a:rPr>
               <a:t>Εκτύπωση της λύσης</a:t>
             </a:r>
           </a:p>
@@ -9064,6 +9177,691 @@
     <p:extLst>
       <p:ext uri="{BB962C8B-B14F-4D97-AF65-F5344CB8AC3E}">
         <p14:creationId xmlns:p14="http://schemas.microsoft.com/office/powerpoint/2010/main" val="3723093713"/>
+      </p:ext>
+    </p:extLst>
+  </p:cSld>
+  <p:clrMapOvr>
+    <a:masterClrMapping/>
+  </p:clrMapOvr>
+</p:sld>
+</file>
+
+<file path=ppt/slides/slide8.xml><?xml version="1.0" encoding="utf-8"?>
+<p:sld xmlns:a="http://schemas.openxmlformats.org/drawingml/2006/main" xmlns:r="http://schemas.openxmlformats.org/officeDocument/2006/relationships" xmlns:p="http://schemas.openxmlformats.org/presentationml/2006/main">
+  <p:cSld>
+    <p:spTree>
+      <p:nvGrpSpPr>
+        <p:cNvPr id="1" name=""/>
+        <p:cNvGrpSpPr/>
+        <p:nvPr/>
+      </p:nvGrpSpPr>
+      <p:grpSpPr>
+        <a:xfrm>
+          <a:off x="0" y="0"/>
+          <a:ext cx="0" cy="0"/>
+          <a:chOff x="0" y="0"/>
+          <a:chExt cx="0" cy="0"/>
+        </a:xfrm>
+      </p:grpSpPr>
+      <p:sp>
+        <p:nvSpPr>
+          <p:cNvPr id="2" name="Title 1">
+            <a:extLst>
+              <a:ext uri="{FF2B5EF4-FFF2-40B4-BE49-F238E27FC236}">
+                <a16:creationId xmlns:a16="http://schemas.microsoft.com/office/drawing/2014/main" id="{E81D429A-5830-62F8-297A-697182FD7183}"/>
+              </a:ext>
+            </a:extLst>
+          </p:cNvPr>
+          <p:cNvSpPr>
+            <a:spLocks noGrp="1"/>
+          </p:cNvSpPr>
+          <p:nvPr>
+            <p:ph type="title"/>
+          </p:nvPr>
+        </p:nvSpPr>
+        <p:spPr>
+          <a:xfrm>
+            <a:off x="2116833" y="630948"/>
+            <a:ext cx="7958331" cy="1077229"/>
+          </a:xfrm>
+        </p:spPr>
+        <p:txBody>
+          <a:bodyPr/>
+          <a:lstStyle/>
+          <a:p>
+            <a:pPr algn="ctr"/>
+            <a:r>
+              <a:rPr lang="el-GR" dirty="0"/>
+              <a:t>Συμπεράσματα</a:t>
+            </a:r>
+            <a:endParaRPr lang="en-US" dirty="0"/>
+          </a:p>
+        </p:txBody>
+      </p:sp>
+      <p:sp>
+        <p:nvSpPr>
+          <p:cNvPr id="4" name="TextBox 3">
+            <a:extLst>
+              <a:ext uri="{FF2B5EF4-FFF2-40B4-BE49-F238E27FC236}">
+                <a16:creationId xmlns:a16="http://schemas.microsoft.com/office/drawing/2014/main" id="{9FAE6663-699D-9E0F-0633-C5F50B81562A}"/>
+              </a:ext>
+            </a:extLst>
+          </p:cNvPr>
+          <p:cNvSpPr txBox="1"/>
+          <p:nvPr/>
+        </p:nvSpPr>
+        <p:spPr>
+          <a:xfrm>
+            <a:off x="1109330" y="1859339"/>
+            <a:ext cx="9973338" cy="3139321"/>
+          </a:xfrm>
+          <a:prstGeom prst="rect">
+            <a:avLst/>
+          </a:prstGeom>
+          <a:noFill/>
+        </p:spPr>
+        <p:txBody>
+          <a:bodyPr wrap="square" rtlCol="0">
+            <a:spAutoFit/>
+          </a:bodyPr>
+          <a:lstStyle/>
+          <a:p>
+            <a:pPr marL="285750" indent="-285750" algn="just">
+              <a:buFont typeface="Arial" panose="020B0604020202020204" pitchFamily="34" charset="0"/>
+              <a:buChar char="•"/>
+            </a:pPr>
+            <a:r>
+              <a:rPr lang="el-GR" dirty="0">
+                <a:latin typeface="Calibri" panose="020F0502020204030204" pitchFamily="34" charset="0"/>
+                <a:cs typeface="Calibri" panose="020F0502020204030204" pitchFamily="34" charset="0"/>
+              </a:rPr>
+              <a:t>Το σύστημα μπορεί να επιλύσει μέχρι και 25</a:t>
+            </a:r>
+            <a:r>
+              <a:rPr lang="en-US" dirty="0">
+                <a:latin typeface="Calibri" panose="020F0502020204030204" pitchFamily="34" charset="0"/>
+                <a:cs typeface="Calibri" panose="020F0502020204030204" pitchFamily="34" charset="0"/>
+              </a:rPr>
+              <a:t>x25</a:t>
+            </a:r>
+            <a:r>
+              <a:rPr lang="el-GR" dirty="0">
+                <a:latin typeface="Calibri" panose="020F0502020204030204" pitchFamily="34" charset="0"/>
+                <a:cs typeface="Calibri" panose="020F0502020204030204" pitchFamily="34" charset="0"/>
+              </a:rPr>
+              <a:t> </a:t>
+            </a:r>
+            <a:r>
+              <a:rPr lang="en-US" dirty="0">
+                <a:latin typeface="Calibri" panose="020F0502020204030204" pitchFamily="34" charset="0"/>
+                <a:cs typeface="Calibri" panose="020F0502020204030204" pitchFamily="34" charset="0"/>
+              </a:rPr>
+              <a:t>puzzles. </a:t>
+            </a:r>
+            <a:r>
+              <a:rPr lang="el-GR" dirty="0">
+                <a:latin typeface="Calibri" panose="020F0502020204030204" pitchFamily="34" charset="0"/>
+                <a:cs typeface="Calibri" panose="020F0502020204030204" pitchFamily="34" charset="0"/>
+              </a:rPr>
+              <a:t>Ίσως να μπορεί να επιλυθεί </a:t>
+            </a:r>
+            <a:r>
+              <a:rPr lang="en-US" dirty="0">
+                <a:latin typeface="Calibri" panose="020F0502020204030204" pitchFamily="34" charset="0"/>
+                <a:cs typeface="Calibri" panose="020F0502020204030204" pitchFamily="34" charset="0"/>
+              </a:rPr>
+              <a:t>puzzle </a:t>
+            </a:r>
+            <a:r>
+              <a:rPr lang="el-GR" dirty="0">
+                <a:latin typeface="Calibri" panose="020F0502020204030204" pitchFamily="34" charset="0"/>
+                <a:cs typeface="Calibri" panose="020F0502020204030204" pitchFamily="34" charset="0"/>
+              </a:rPr>
+              <a:t>μεγαλ</a:t>
+            </a:r>
+            <a:r>
+              <a:rPr lang="en-US" dirty="0">
+                <a:latin typeface="Calibri" panose="020F0502020204030204" pitchFamily="34" charset="0"/>
+                <a:cs typeface="Calibri" panose="020F0502020204030204" pitchFamily="34" charset="0"/>
+              </a:rPr>
+              <a:t>ύ</a:t>
+            </a:r>
+            <a:r>
+              <a:rPr lang="el-GR" dirty="0">
+                <a:latin typeface="Calibri" panose="020F0502020204030204" pitchFamily="34" charset="0"/>
+                <a:cs typeface="Calibri" panose="020F0502020204030204" pitchFamily="34" charset="0"/>
+              </a:rPr>
+              <a:t>τερων διαστάσεων, αλλά αποτελεί ανέφικτη υπόθεση, διότι είναι απαιτητική η εύρεση αντίστοιχου </a:t>
+            </a:r>
+            <a:r>
+              <a:rPr lang="en-US" dirty="0">
+                <a:latin typeface="Calibri" panose="020F0502020204030204" pitchFamily="34" charset="0"/>
+                <a:cs typeface="Calibri" panose="020F0502020204030204" pitchFamily="34" charset="0"/>
+              </a:rPr>
+              <a:t>puzzle </a:t>
+            </a:r>
+            <a:r>
+              <a:rPr lang="el-GR" dirty="0">
+                <a:latin typeface="Calibri" panose="020F0502020204030204" pitchFamily="34" charset="0"/>
+                <a:cs typeface="Calibri" panose="020F0502020204030204" pitchFamily="34" charset="0"/>
+              </a:rPr>
+              <a:t>και η μετέπειτα δημιουργία του αρχείου εισόδου.</a:t>
+            </a:r>
+          </a:p>
+          <a:p>
+            <a:pPr marL="285750" indent="-285750" algn="just">
+              <a:buFont typeface="Arial" panose="020B0604020202020204" pitchFamily="34" charset="0"/>
+              <a:buChar char="•"/>
+            </a:pPr>
+            <a:endParaRPr lang="el-GR" dirty="0">
+              <a:latin typeface="Calibri" panose="020F0502020204030204" pitchFamily="34" charset="0"/>
+              <a:cs typeface="Calibri" panose="020F0502020204030204" pitchFamily="34" charset="0"/>
+            </a:endParaRPr>
+          </a:p>
+          <a:p>
+            <a:pPr marL="285750" indent="-285750" algn="just">
+              <a:buFont typeface="Arial" panose="020B0604020202020204" pitchFamily="34" charset="0"/>
+              <a:buChar char="•"/>
+            </a:pPr>
+            <a:r>
+              <a:rPr lang="el-GR" dirty="0">
+                <a:latin typeface="Calibri" panose="020F0502020204030204" pitchFamily="34" charset="0"/>
+                <a:ea typeface="Calibri" panose="020F0502020204030204" pitchFamily="34" charset="0"/>
+                <a:cs typeface="Calibri" panose="020F0502020204030204" pitchFamily="34" charset="0"/>
+              </a:rPr>
+              <a:t>Η</a:t>
+            </a:r>
+            <a:r>
+              <a:rPr lang="el-GR" dirty="0">
+                <a:effectLst/>
+                <a:latin typeface="Calibri" panose="020F0502020204030204" pitchFamily="34" charset="0"/>
+                <a:ea typeface="Calibri" panose="020F0502020204030204" pitchFamily="34" charset="0"/>
+                <a:cs typeface="Calibri" panose="020F0502020204030204" pitchFamily="34" charset="0"/>
+              </a:rPr>
+              <a:t> καλύτερη χρονικά υλοποίηση είναι με </a:t>
+            </a:r>
+            <a:r>
+              <a:rPr lang="en-US" dirty="0">
+                <a:effectLst/>
+                <a:latin typeface="Calibri" panose="020F0502020204030204" pitchFamily="34" charset="0"/>
+                <a:ea typeface="Calibri" panose="020F0502020204030204" pitchFamily="34" charset="0"/>
+                <a:cs typeface="Calibri" panose="020F0502020204030204" pitchFamily="34" charset="0"/>
+              </a:rPr>
+              <a:t>ASP</a:t>
+            </a:r>
+            <a:r>
+              <a:rPr lang="el-GR" dirty="0">
+                <a:effectLst/>
+                <a:latin typeface="Calibri" panose="020F0502020204030204" pitchFamily="34" charset="0"/>
+                <a:ea typeface="Calibri" panose="020F0502020204030204" pitchFamily="34" charset="0"/>
+                <a:cs typeface="Calibri" panose="020F0502020204030204" pitchFamily="34" charset="0"/>
+              </a:rPr>
+              <a:t>, αλλά η μορφή του αποτελέσματος είναι αρκετά δυσνόητη για τον χρήστη, διότι δεν βλέπει ξεκάθαρα το πλέγμα με τις τιμές.</a:t>
+            </a:r>
+            <a:endParaRPr lang="en-GB" dirty="0">
+              <a:effectLst/>
+              <a:latin typeface="Calibri" panose="020F0502020204030204" pitchFamily="34" charset="0"/>
+              <a:ea typeface="Calibri" panose="020F0502020204030204" pitchFamily="34" charset="0"/>
+              <a:cs typeface="Calibri" panose="020F0502020204030204" pitchFamily="34" charset="0"/>
+            </a:endParaRPr>
+          </a:p>
+          <a:p>
+            <a:pPr algn="just"/>
+            <a:endParaRPr lang="el-GR" dirty="0">
+              <a:latin typeface="Calibri" panose="020F0502020204030204" pitchFamily="34" charset="0"/>
+              <a:cs typeface="Calibri" panose="020F0502020204030204" pitchFamily="34" charset="0"/>
+            </a:endParaRPr>
+          </a:p>
+          <a:p>
+            <a:pPr marL="285750" indent="-285750" algn="just">
+              <a:buFont typeface="Arial" panose="020B0604020202020204" pitchFamily="34" charset="0"/>
+              <a:buChar char="•"/>
+            </a:pPr>
+            <a:r>
+              <a:rPr lang="el-GR" dirty="0">
+                <a:latin typeface="Calibri" panose="020F0502020204030204" pitchFamily="34" charset="0"/>
+                <a:cs typeface="Calibri" panose="020F0502020204030204" pitchFamily="34" charset="0"/>
+              </a:rPr>
+              <a:t>Η αξιολόγηση των </a:t>
+            </a:r>
+            <a:r>
+              <a:rPr lang="en-US" dirty="0">
+                <a:latin typeface="Calibri" panose="020F0502020204030204" pitchFamily="34" charset="0"/>
+                <a:cs typeface="Calibri" panose="020F0502020204030204" pitchFamily="34" charset="0"/>
+              </a:rPr>
+              <a:t>puzzles </a:t>
+            </a:r>
+            <a:r>
+              <a:rPr lang="el-GR" dirty="0">
+                <a:latin typeface="Calibri" panose="020F0502020204030204" pitchFamily="34" charset="0"/>
+                <a:cs typeface="Calibri" panose="020F0502020204030204" pitchFamily="34" charset="0"/>
+              </a:rPr>
+              <a:t>διαφέρει για κάθε σύστημα.</a:t>
+            </a:r>
+          </a:p>
+          <a:p>
+            <a:pPr algn="just"/>
+            <a:endParaRPr lang="el-GR" dirty="0">
+              <a:latin typeface="Calibri" panose="020F0502020204030204" pitchFamily="34" charset="0"/>
+              <a:cs typeface="Calibri" panose="020F0502020204030204" pitchFamily="34" charset="0"/>
+            </a:endParaRPr>
+          </a:p>
+          <a:p>
+            <a:pPr marL="285750" indent="-285750" algn="just">
+              <a:buFont typeface="Arial" panose="020B0604020202020204" pitchFamily="34" charset="0"/>
+              <a:buChar char="•"/>
+            </a:pPr>
+            <a:r>
+              <a:rPr lang="el-GR" sz="1800" dirty="0">
+                <a:effectLst/>
+                <a:latin typeface="Calibri" panose="020F0502020204030204" pitchFamily="34" charset="0"/>
+                <a:ea typeface="Calibri" panose="020F0502020204030204" pitchFamily="34" charset="0"/>
+                <a:cs typeface="Calibri" panose="020F0502020204030204" pitchFamily="34" charset="0"/>
+              </a:rPr>
+              <a:t>Η υλοποίηση των </a:t>
+            </a:r>
+            <a:r>
+              <a:rPr lang="en-US" sz="1800" dirty="0">
+                <a:effectLst/>
+                <a:latin typeface="Calibri" panose="020F0502020204030204" pitchFamily="34" charset="0"/>
+                <a:ea typeface="Calibri" panose="020F0502020204030204" pitchFamily="34" charset="0"/>
+                <a:cs typeface="Calibri" panose="020F0502020204030204" pitchFamily="34" charset="0"/>
+              </a:rPr>
+              <a:t>Sandwich</a:t>
+            </a:r>
+            <a:r>
+              <a:rPr lang="el-GR" sz="1800" dirty="0">
+                <a:effectLst/>
+                <a:latin typeface="Calibri" panose="020F0502020204030204" pitchFamily="34" charset="0"/>
+                <a:ea typeface="Calibri" panose="020F0502020204030204" pitchFamily="34" charset="0"/>
+                <a:cs typeface="Calibri" panose="020F0502020204030204" pitchFamily="34" charset="0"/>
+              </a:rPr>
+              <a:t>-</a:t>
+            </a:r>
+            <a:r>
+              <a:rPr lang="en-US" sz="1800" dirty="0">
+                <a:effectLst/>
+                <a:latin typeface="Calibri" panose="020F0502020204030204" pitchFamily="34" charset="0"/>
+                <a:ea typeface="Calibri" panose="020F0502020204030204" pitchFamily="34" charset="0"/>
+                <a:cs typeface="Calibri" panose="020F0502020204030204" pitchFamily="34" charset="0"/>
+              </a:rPr>
+              <a:t>Sudoku</a:t>
+            </a:r>
+            <a:r>
+              <a:rPr lang="el-GR" sz="1800" dirty="0">
+                <a:effectLst/>
+                <a:latin typeface="Calibri" panose="020F0502020204030204" pitchFamily="34" charset="0"/>
+                <a:ea typeface="Calibri" panose="020F0502020204030204" pitchFamily="34" charset="0"/>
+                <a:cs typeface="Calibri" panose="020F0502020204030204" pitchFamily="34" charset="0"/>
+              </a:rPr>
+              <a:t> και </a:t>
+            </a:r>
+            <a:r>
+              <a:rPr lang="en-US" sz="1800" dirty="0">
+                <a:effectLst/>
+                <a:latin typeface="Calibri" panose="020F0502020204030204" pitchFamily="34" charset="0"/>
+                <a:ea typeface="Calibri" panose="020F0502020204030204" pitchFamily="34" charset="0"/>
+                <a:cs typeface="Calibri" panose="020F0502020204030204" pitchFamily="34" charset="0"/>
+              </a:rPr>
+              <a:t>Greater</a:t>
+            </a:r>
+            <a:r>
+              <a:rPr lang="el-GR" sz="1800" dirty="0">
+                <a:effectLst/>
+                <a:latin typeface="Calibri" panose="020F0502020204030204" pitchFamily="34" charset="0"/>
+                <a:ea typeface="Calibri" panose="020F0502020204030204" pitchFamily="34" charset="0"/>
+                <a:cs typeface="Calibri" panose="020F0502020204030204" pitchFamily="34" charset="0"/>
+              </a:rPr>
+              <a:t>-</a:t>
+            </a:r>
+            <a:r>
+              <a:rPr lang="en-US" sz="1800" dirty="0">
+                <a:effectLst/>
+                <a:latin typeface="Calibri" panose="020F0502020204030204" pitchFamily="34" charset="0"/>
+                <a:ea typeface="Calibri" panose="020F0502020204030204" pitchFamily="34" charset="0"/>
+                <a:cs typeface="Calibri" panose="020F0502020204030204" pitchFamily="34" charset="0"/>
+              </a:rPr>
+              <a:t>Than Sudoku solvers</a:t>
+            </a:r>
+            <a:r>
+              <a:rPr lang="el-GR" sz="1800" dirty="0">
+                <a:effectLst/>
+                <a:latin typeface="Calibri" panose="020F0502020204030204" pitchFamily="34" charset="0"/>
+                <a:ea typeface="Calibri" panose="020F0502020204030204" pitchFamily="34" charset="0"/>
+                <a:cs typeface="Calibri" panose="020F0502020204030204" pitchFamily="34" charset="0"/>
+              </a:rPr>
+              <a:t> δεν ήταν εφικτή, διότι δεν μπορούν οι αντίστοιχοι περιορισμοί να εκφραστούν με Ακέραιο Γραμμικό Προγραμματισμό (</a:t>
+            </a:r>
+            <a:r>
+              <a:rPr lang="en-US" sz="1800" dirty="0">
+                <a:effectLst/>
+                <a:latin typeface="Calibri" panose="020F0502020204030204" pitchFamily="34" charset="0"/>
+                <a:ea typeface="Calibri" panose="020F0502020204030204" pitchFamily="34" charset="0"/>
+                <a:cs typeface="Calibri" panose="020F0502020204030204" pitchFamily="34" charset="0"/>
+              </a:rPr>
+              <a:t>ILP</a:t>
+            </a:r>
+            <a:r>
+              <a:rPr lang="el-GR" sz="1800" dirty="0">
+                <a:effectLst/>
+                <a:latin typeface="Calibri" panose="020F0502020204030204" pitchFamily="34" charset="0"/>
+                <a:ea typeface="Calibri" panose="020F0502020204030204" pitchFamily="34" charset="0"/>
+                <a:cs typeface="Calibri" panose="020F0502020204030204" pitchFamily="34" charset="0"/>
+              </a:rPr>
+              <a:t>). </a:t>
+            </a:r>
+            <a:endParaRPr lang="en-GB" sz="1800" dirty="0">
+              <a:effectLst/>
+              <a:latin typeface="Calibri" panose="020F0502020204030204" pitchFamily="34" charset="0"/>
+              <a:ea typeface="Calibri" panose="020F0502020204030204" pitchFamily="34" charset="0"/>
+              <a:cs typeface="Times New Roman" panose="02020603050405020304" pitchFamily="18" charset="0"/>
+            </a:endParaRPr>
+          </a:p>
+        </p:txBody>
+      </p:sp>
+    </p:spTree>
+    <p:extLst>
+      <p:ext uri="{BB962C8B-B14F-4D97-AF65-F5344CB8AC3E}">
+        <p14:creationId xmlns:p14="http://schemas.microsoft.com/office/powerpoint/2010/main" val="3851743568"/>
+      </p:ext>
+    </p:extLst>
+  </p:cSld>
+  <p:clrMapOvr>
+    <a:masterClrMapping/>
+  </p:clrMapOvr>
+</p:sld>
+</file>
+
+<file path=ppt/slides/slide9.xml><?xml version="1.0" encoding="utf-8"?>
+<p:sld xmlns:a="http://schemas.openxmlformats.org/drawingml/2006/main" xmlns:r="http://schemas.openxmlformats.org/officeDocument/2006/relationships" xmlns:p="http://schemas.openxmlformats.org/presentationml/2006/main">
+  <p:cSld>
+    <p:spTree>
+      <p:nvGrpSpPr>
+        <p:cNvPr id="1" name=""/>
+        <p:cNvGrpSpPr/>
+        <p:nvPr/>
+      </p:nvGrpSpPr>
+      <p:grpSpPr>
+        <a:xfrm>
+          <a:off x="0" y="0"/>
+          <a:ext cx="0" cy="0"/>
+          <a:chOff x="0" y="0"/>
+          <a:chExt cx="0" cy="0"/>
+        </a:xfrm>
+      </p:grpSpPr>
+      <p:sp>
+        <p:nvSpPr>
+          <p:cNvPr id="2" name="Title 1">
+            <a:extLst>
+              <a:ext uri="{FF2B5EF4-FFF2-40B4-BE49-F238E27FC236}">
+                <a16:creationId xmlns:a16="http://schemas.microsoft.com/office/drawing/2014/main" id="{3D75A8DB-CA2E-556F-BCEB-5307037D8D88}"/>
+              </a:ext>
+            </a:extLst>
+          </p:cNvPr>
+          <p:cNvSpPr>
+            <a:spLocks noGrp="1"/>
+          </p:cNvSpPr>
+          <p:nvPr>
+            <p:ph type="title"/>
+          </p:nvPr>
+        </p:nvSpPr>
+        <p:spPr/>
+        <p:txBody>
+          <a:bodyPr/>
+          <a:lstStyle/>
+          <a:p>
+            <a:pPr algn="ctr"/>
+            <a:r>
+              <a:rPr lang="el-GR" dirty="0"/>
+              <a:t>Βιβλιογραφία</a:t>
+            </a:r>
+            <a:endParaRPr lang="en-US" dirty="0"/>
+          </a:p>
+        </p:txBody>
+      </p:sp>
+      <p:sp>
+        <p:nvSpPr>
+          <p:cNvPr id="3" name="Content Placeholder 2">
+            <a:extLst>
+              <a:ext uri="{FF2B5EF4-FFF2-40B4-BE49-F238E27FC236}">
+                <a16:creationId xmlns:a16="http://schemas.microsoft.com/office/drawing/2014/main" id="{9FF5FE47-E8D6-5F70-EB90-3178A77EFFBA}"/>
+              </a:ext>
+            </a:extLst>
+          </p:cNvPr>
+          <p:cNvSpPr>
+            <a:spLocks noGrp="1"/>
+          </p:cNvSpPr>
+          <p:nvPr>
+            <p:ph idx="1"/>
+          </p:nvPr>
+        </p:nvSpPr>
+        <p:spPr/>
+        <p:txBody>
+          <a:bodyPr>
+            <a:normAutofit/>
+          </a:bodyPr>
+          <a:lstStyle/>
+          <a:p>
+            <a:pPr marL="342900" lvl="0" indent="-342900" algn="l">
+              <a:buFont typeface="Symbol" pitchFamily="2" charset="2"/>
+              <a:buChar char=""/>
+            </a:pPr>
+            <a:r>
+              <a:rPr lang="en-GB" dirty="0">
+                <a:effectLst/>
+                <a:latin typeface="Calibri" panose="020F0502020204030204" pitchFamily="34" charset="0"/>
+                <a:ea typeface="Calibri" panose="020F0502020204030204" pitchFamily="34" charset="0"/>
+                <a:cs typeface="Calibri" panose="020F0502020204030204" pitchFamily="34" charset="0"/>
+              </a:rPr>
+              <a:t>Bartlett A.D., </a:t>
+            </a:r>
+            <a:r>
+              <a:rPr lang="en-GB" dirty="0" err="1">
+                <a:effectLst/>
+                <a:latin typeface="Calibri" panose="020F0502020204030204" pitchFamily="34" charset="0"/>
+                <a:ea typeface="Calibri" panose="020F0502020204030204" pitchFamily="34" charset="0"/>
+                <a:cs typeface="Calibri" panose="020F0502020204030204" pitchFamily="34" charset="0"/>
+              </a:rPr>
+              <a:t>Chartier</a:t>
+            </a:r>
+            <a:r>
+              <a:rPr lang="en-GB" dirty="0">
+                <a:effectLst/>
+                <a:latin typeface="Calibri" panose="020F0502020204030204" pitchFamily="34" charset="0"/>
+                <a:ea typeface="Calibri" panose="020F0502020204030204" pitchFamily="34" charset="0"/>
+                <a:cs typeface="Calibri" panose="020F0502020204030204" pitchFamily="34" charset="0"/>
+              </a:rPr>
+              <a:t> T.P., </a:t>
+            </a:r>
+            <a:r>
+              <a:rPr lang="en-GB" dirty="0" err="1">
+                <a:effectLst/>
+                <a:latin typeface="Calibri" panose="020F0502020204030204" pitchFamily="34" charset="0"/>
+                <a:ea typeface="Calibri" panose="020F0502020204030204" pitchFamily="34" charset="0"/>
+                <a:cs typeface="Calibri" panose="020F0502020204030204" pitchFamily="34" charset="0"/>
+              </a:rPr>
+              <a:t>Langville</a:t>
+            </a:r>
+            <a:r>
+              <a:rPr lang="en-GB" dirty="0">
+                <a:effectLst/>
+                <a:latin typeface="Calibri" panose="020F0502020204030204" pitchFamily="34" charset="0"/>
+                <a:ea typeface="Calibri" panose="020F0502020204030204" pitchFamily="34" charset="0"/>
+                <a:cs typeface="Calibri" panose="020F0502020204030204" pitchFamily="34" charset="0"/>
+              </a:rPr>
+              <a:t> A.N., Rankin T. An Integer Programming Model for the Sudoku Problem, J, Online Math. </a:t>
+            </a:r>
+            <a:r>
+              <a:rPr lang="el-GR" dirty="0" err="1">
+                <a:effectLst/>
+                <a:latin typeface="Calibri" panose="020F0502020204030204" pitchFamily="34" charset="0"/>
+                <a:ea typeface="Calibri" panose="020F0502020204030204" pitchFamily="34" charset="0"/>
+                <a:cs typeface="Calibri" panose="020F0502020204030204" pitchFamily="34" charset="0"/>
+              </a:rPr>
+              <a:t>Applicat</a:t>
+            </a:r>
+            <a:r>
+              <a:rPr lang="el-GR" dirty="0">
+                <a:effectLst/>
+                <a:latin typeface="Calibri" panose="020F0502020204030204" pitchFamily="34" charset="0"/>
+                <a:ea typeface="Calibri" panose="020F0502020204030204" pitchFamily="34" charset="0"/>
+                <a:cs typeface="Calibri" panose="020F0502020204030204" pitchFamily="34" charset="0"/>
+              </a:rPr>
+              <a:t>., </a:t>
+            </a:r>
+            <a:r>
+              <a:rPr lang="el-GR" dirty="0" err="1">
+                <a:effectLst/>
+                <a:latin typeface="Calibri" panose="020F0502020204030204" pitchFamily="34" charset="0"/>
+                <a:ea typeface="Calibri" panose="020F0502020204030204" pitchFamily="34" charset="0"/>
+                <a:cs typeface="Calibri" panose="020F0502020204030204" pitchFamily="34" charset="0"/>
+              </a:rPr>
+              <a:t>vol</a:t>
+            </a:r>
+            <a:r>
+              <a:rPr lang="el-GR" dirty="0">
+                <a:effectLst/>
+                <a:latin typeface="Calibri" panose="020F0502020204030204" pitchFamily="34" charset="0"/>
+                <a:ea typeface="Calibri" panose="020F0502020204030204" pitchFamily="34" charset="0"/>
+                <a:cs typeface="Calibri" panose="020F0502020204030204" pitchFamily="34" charset="0"/>
+              </a:rPr>
+              <a:t>. 8, 2008</a:t>
+            </a:r>
+            <a:endParaRPr lang="en-GB" dirty="0">
+              <a:effectLst/>
+              <a:latin typeface="Calibri" panose="020F0502020204030204" pitchFamily="34" charset="0"/>
+              <a:ea typeface="Calibri" panose="020F0502020204030204" pitchFamily="34" charset="0"/>
+              <a:cs typeface="Times New Roman" panose="02020603050405020304" pitchFamily="18" charset="0"/>
+            </a:endParaRPr>
+          </a:p>
+          <a:p>
+            <a:pPr marL="342900" lvl="0" indent="-342900" algn="l">
+              <a:buFont typeface="Symbol" pitchFamily="2" charset="2"/>
+              <a:buChar char=""/>
+            </a:pPr>
+            <a:r>
+              <a:rPr lang="en-GB" dirty="0" err="1">
+                <a:effectLst/>
+                <a:latin typeface="Calibri" panose="020F0502020204030204" pitchFamily="34" charset="0"/>
+                <a:ea typeface="Calibri" panose="020F0502020204030204" pitchFamily="34" charset="0"/>
+                <a:cs typeface="Calibri" panose="020F0502020204030204" pitchFamily="34" charset="0"/>
+              </a:rPr>
+              <a:t>Simonis</a:t>
+            </a:r>
+            <a:r>
+              <a:rPr lang="en-GB" dirty="0">
+                <a:effectLst/>
+                <a:latin typeface="Calibri" panose="020F0502020204030204" pitchFamily="34" charset="0"/>
+                <a:ea typeface="Calibri" panose="020F0502020204030204" pitchFamily="34" charset="0"/>
+                <a:cs typeface="Calibri" panose="020F0502020204030204" pitchFamily="34" charset="0"/>
+              </a:rPr>
+              <a:t> H., Sudoku as a Constraint Problem</a:t>
+            </a:r>
+            <a:endParaRPr lang="en-GB" dirty="0">
+              <a:effectLst/>
+              <a:latin typeface="Calibri" panose="020F0502020204030204" pitchFamily="34" charset="0"/>
+              <a:ea typeface="Calibri" panose="020F0502020204030204" pitchFamily="34" charset="0"/>
+              <a:cs typeface="Times New Roman" panose="02020603050405020304" pitchFamily="18" charset="0"/>
+            </a:endParaRPr>
+          </a:p>
+          <a:p>
+            <a:pPr marL="342900" lvl="0" indent="-342900" algn="l">
+              <a:buFont typeface="Symbol" pitchFamily="2" charset="2"/>
+              <a:buChar char=""/>
+            </a:pPr>
+            <a:r>
+              <a:rPr lang="en-GB" dirty="0" err="1">
+                <a:effectLst/>
+                <a:latin typeface="Calibri" panose="020F0502020204030204" pitchFamily="34" charset="0"/>
+                <a:ea typeface="Calibri" panose="020F0502020204030204" pitchFamily="34" charset="0"/>
+                <a:cs typeface="Calibri" panose="020F0502020204030204" pitchFamily="34" charset="0"/>
+              </a:rPr>
+              <a:t>killersudokuonline.com</a:t>
+            </a:r>
+            <a:r>
+              <a:rPr lang="en-GB" dirty="0">
+                <a:effectLst/>
+                <a:latin typeface="Calibri" panose="020F0502020204030204" pitchFamily="34" charset="0"/>
+                <a:ea typeface="Calibri" panose="020F0502020204030204" pitchFamily="34" charset="0"/>
+                <a:cs typeface="Calibri" panose="020F0502020204030204" pitchFamily="34" charset="0"/>
+              </a:rPr>
+              <a:t>, Killer Sudoku Killer Sudoku Online, 29-Sep-2012. Online. Available: </a:t>
+            </a:r>
+            <a:r>
+              <a:rPr lang="en-GB" dirty="0" err="1">
+                <a:effectLst/>
+                <a:latin typeface="Calibri" panose="020F0502020204030204" pitchFamily="34" charset="0"/>
+                <a:ea typeface="Calibri" panose="020F0502020204030204" pitchFamily="34" charset="0"/>
+                <a:cs typeface="Calibri" panose="020F0502020204030204" pitchFamily="34" charset="0"/>
+              </a:rPr>
+              <a:t>http:killersudokuonline.com.Accessed</a:t>
+            </a:r>
+            <a:r>
+              <a:rPr lang="en-GB" dirty="0">
+                <a:effectLst/>
+                <a:latin typeface="Calibri" panose="020F0502020204030204" pitchFamily="34" charset="0"/>
+                <a:ea typeface="Calibri" panose="020F0502020204030204" pitchFamily="34" charset="0"/>
+                <a:cs typeface="Calibri" panose="020F0502020204030204" pitchFamily="34" charset="0"/>
+              </a:rPr>
+              <a:t>: 30-Sep-2012</a:t>
+            </a:r>
+            <a:endParaRPr lang="el-GR" dirty="0">
+              <a:effectLst/>
+              <a:latin typeface="Calibri" panose="020F0502020204030204" pitchFamily="34" charset="0"/>
+              <a:ea typeface="Calibri" panose="020F0502020204030204" pitchFamily="34" charset="0"/>
+              <a:cs typeface="Calibri" panose="020F0502020204030204" pitchFamily="34" charset="0"/>
+            </a:endParaRPr>
+          </a:p>
+          <a:p>
+            <a:pPr marL="342900" lvl="0" indent="-342900" algn="l">
+              <a:buFont typeface="Symbol" pitchFamily="2" charset="2"/>
+              <a:buChar char=""/>
+            </a:pPr>
+            <a:r>
+              <a:rPr lang="el-GR" dirty="0" err="1">
+                <a:latin typeface="Calibri" panose="020F0502020204030204" pitchFamily="34" charset="0"/>
+                <a:ea typeface="Calibri" panose="020F0502020204030204" pitchFamily="34" charset="0"/>
+                <a:cs typeface="Calibri" panose="020F0502020204030204" pitchFamily="34" charset="0"/>
+              </a:rPr>
+              <a:t>Επιπλ</a:t>
+            </a:r>
+            <a:r>
+              <a:rPr lang="en-GB" dirty="0" err="1">
+                <a:latin typeface="Calibri" panose="020F0502020204030204" pitchFamily="34" charset="0"/>
+                <a:ea typeface="Calibri" panose="020F0502020204030204" pitchFamily="34" charset="0"/>
+                <a:cs typeface="Calibri" panose="020F0502020204030204" pitchFamily="34" charset="0"/>
+              </a:rPr>
+              <a:t>έ</a:t>
+            </a:r>
+            <a:r>
+              <a:rPr lang="el-GR" dirty="0">
+                <a:latin typeface="Calibri" panose="020F0502020204030204" pitchFamily="34" charset="0"/>
+                <a:ea typeface="Calibri" panose="020F0502020204030204" pitchFamily="34" charset="0"/>
+                <a:cs typeface="Calibri" panose="020F0502020204030204" pitchFamily="34" charset="0"/>
+              </a:rPr>
+              <a:t>ον βιβλιογραφίες που βοήθησαν στην υλοποίηση του </a:t>
+            </a:r>
+            <a:r>
+              <a:rPr lang="en-US" dirty="0">
+                <a:latin typeface="Calibri" panose="020F0502020204030204" pitchFamily="34" charset="0"/>
+                <a:ea typeface="Calibri" panose="020F0502020204030204" pitchFamily="34" charset="0"/>
+                <a:cs typeface="Calibri" panose="020F0502020204030204" pitchFamily="34" charset="0"/>
+              </a:rPr>
+              <a:t>project</a:t>
+            </a:r>
+            <a:endParaRPr lang="en-GB" dirty="0">
+              <a:effectLst/>
+              <a:latin typeface="Calibri" panose="020F0502020204030204" pitchFamily="34" charset="0"/>
+              <a:ea typeface="Calibri" panose="020F0502020204030204" pitchFamily="34" charset="0"/>
+              <a:cs typeface="Times New Roman" panose="02020603050405020304" pitchFamily="18" charset="0"/>
+            </a:endParaRPr>
+          </a:p>
+        </p:txBody>
+      </p:sp>
+    </p:spTree>
+    <p:extLst>
+      <p:ext uri="{BB962C8B-B14F-4D97-AF65-F5344CB8AC3E}">
+        <p14:creationId xmlns:p14="http://schemas.microsoft.com/office/powerpoint/2010/main" val="2002550004"/>
       </p:ext>
     </p:extLst>
   </p:cSld>
